--- a/docs/cypress練習.pptx
+++ b/docs/cypress練習.pptx
@@ -5,18 +5,26 @@
     <p:sldMasterId id="2147483684" r:id="rId1"/>
   </p:sldMasterIdLst>
   <p:notesMasterIdLst>
-    <p:notesMasterId r:id="rId8"/>
+    <p:notesMasterId r:id="rId16"/>
   </p:notesMasterIdLst>
   <p:handoutMasterIdLst>
-    <p:handoutMasterId r:id="rId9"/>
+    <p:handoutMasterId r:id="rId17"/>
   </p:handoutMasterIdLst>
   <p:sldIdLst>
     <p:sldId id="270" r:id="rId2"/>
     <p:sldId id="271" r:id="rId3"/>
     <p:sldId id="275" r:id="rId4"/>
-    <p:sldId id="272" r:id="rId5"/>
-    <p:sldId id="273" r:id="rId6"/>
-    <p:sldId id="274" r:id="rId7"/>
+    <p:sldId id="276" r:id="rId5"/>
+    <p:sldId id="280" r:id="rId6"/>
+    <p:sldId id="277" r:id="rId7"/>
+    <p:sldId id="278" r:id="rId8"/>
+    <p:sldId id="279" r:id="rId9"/>
+    <p:sldId id="283" r:id="rId10"/>
+    <p:sldId id="281" r:id="rId11"/>
+    <p:sldId id="282" r:id="rId12"/>
+    <p:sldId id="272" r:id="rId13"/>
+    <p:sldId id="273" r:id="rId14"/>
+    <p:sldId id="274" r:id="rId15"/>
   </p:sldIdLst>
   <p:sldSz cx="12192000" cy="6858000"/>
   <p:notesSz cx="6858000" cy="9144000"/>
@@ -116,6 +124,36 @@
     </a:lvl9pPr>
   </p:defaultTextStyle>
   <p:extLst>
+    <p:ext uri="{521415D9-36F7-43E2-AB2F-B90AF26B5E84}">
+      <p14:sectionLst xmlns:p14="http://schemas.microsoft.com/office/powerpoint/2010/main">
+        <p14:section name="預設章節" id="{0C93A6DC-B3E5-4CC6-B484-80A7DF90CFBB}">
+          <p14:sldIdLst>
+            <p14:sldId id="270"/>
+            <p14:sldId id="271"/>
+            <p14:sldId id="275"/>
+          </p14:sldIdLst>
+        </p14:section>
+        <p14:section name="語法" id="{7B0C799C-ECB0-4D23-A10C-B847B7A18162}">
+          <p14:sldIdLst>
+            <p14:sldId id="276"/>
+            <p14:sldId id="280"/>
+            <p14:sldId id="277"/>
+            <p14:sldId id="278"/>
+            <p14:sldId id="279"/>
+            <p14:sldId id="283"/>
+            <p14:sldId id="281"/>
+            <p14:sldId id="282"/>
+          </p14:sldIdLst>
+        </p14:section>
+        <p14:section name="Cypress Training" id="{0C208E03-D12A-4772-A2CF-E144E6DAD27B}">
+          <p14:sldIdLst>
+            <p14:sldId id="272"/>
+            <p14:sldId id="273"/>
+            <p14:sldId id="274"/>
+          </p14:sldIdLst>
+        </p14:section>
+      </p14:sectionLst>
+    </p:ext>
     <p:ext uri="{EFAFB233-063F-42B5-8137-9DF3F51BA10A}">
       <p15:sldGuideLst xmlns:p15="http://schemas.microsoft.com/office/powerpoint/2012/main"/>
     </p:ext>
@@ -1514,7 +1552,7 @@
                 <a:latin typeface="Microsoft JhengHei UI" panose="020B0604030504040204" pitchFamily="34" charset="-120"/>
                 <a:ea typeface="Microsoft JhengHei UI" panose="020B0604030504040204" pitchFamily="34" charset="-120"/>
               </a:rPr>
-              <a:t>2023/7/14</a:t>
+              <a:t>2024/5/10</a:t>
             </a:fld>
             <a:endParaRPr lang="zh-TW" altLang="en-US" dirty="0">
               <a:latin typeface="Microsoft JhengHei UI" panose="020B0604030504040204" pitchFamily="34" charset="-120"/>
@@ -1700,7 +1738,7 @@
           <a:p>
             <a:fld id="{9166D105-F33C-4277-91D0-A8D8A9BB629C}" type="datetime1">
               <a:rPr lang="zh-TW" altLang="en-US" smtClean="0"/>
-              <a:t>2023/7/14</a:t>
+              <a:t>2024/5/10</a:t>
             </a:fld>
             <a:endParaRPr lang="zh-TW" altLang="en-US" dirty="0"/>
           </a:p>
@@ -1977,6 +2015,91 @@
 </p:notesMaster>
 </file>
 
+<file path=ppt/notesSlides/notesSlide1.xml><?xml version="1.0" encoding="utf-8"?>
+<p:notes xmlns:a="http://schemas.openxmlformats.org/drawingml/2006/main" xmlns:r="http://schemas.openxmlformats.org/officeDocument/2006/relationships" xmlns:p="http://schemas.openxmlformats.org/presentationml/2006/main">
+  <p:cSld>
+    <p:spTree>
+      <p:nvGrpSpPr>
+        <p:cNvPr id="1" name=""/>
+        <p:cNvGrpSpPr/>
+        <p:nvPr/>
+      </p:nvGrpSpPr>
+      <p:grpSpPr>
+        <a:xfrm>
+          <a:off x="0" y="0"/>
+          <a:ext cx="0" cy="0"/>
+          <a:chOff x="0" y="0"/>
+          <a:chExt cx="0" cy="0"/>
+        </a:xfrm>
+      </p:grpSpPr>
+      <p:sp>
+        <p:nvSpPr>
+          <p:cNvPr id="2" name="投影片影像版面配置區 1"/>
+          <p:cNvSpPr>
+            <a:spLocks noGrp="1" noRot="1" noChangeAspect="1"/>
+          </p:cNvSpPr>
+          <p:nvPr>
+            <p:ph type="sldImg"/>
+          </p:nvPr>
+        </p:nvSpPr>
+        <p:spPr/>
+      </p:sp>
+      <p:sp>
+        <p:nvSpPr>
+          <p:cNvPr id="3" name="備忘稿版面配置區 2"/>
+          <p:cNvSpPr>
+            <a:spLocks noGrp="1"/>
+          </p:cNvSpPr>
+          <p:nvPr>
+            <p:ph type="body" idx="1"/>
+          </p:nvPr>
+        </p:nvSpPr>
+        <p:spPr/>
+        <p:txBody>
+          <a:bodyPr/>
+          <a:lstStyle/>
+          <a:p>
+            <a:endParaRPr lang="zh-TW" altLang="en-US" dirty="0"/>
+          </a:p>
+        </p:txBody>
+      </p:sp>
+      <p:sp>
+        <p:nvSpPr>
+          <p:cNvPr id="4" name="投影片編號版面配置區 3"/>
+          <p:cNvSpPr>
+            <a:spLocks noGrp="1"/>
+          </p:cNvSpPr>
+          <p:nvPr>
+            <p:ph type="sldNum" sz="quarter" idx="5"/>
+          </p:nvPr>
+        </p:nvSpPr>
+        <p:spPr/>
+        <p:txBody>
+          <a:bodyPr/>
+          <a:lstStyle/>
+          <a:p>
+            <a:fld id="{3DF1C5CE-222C-4659-9A99-B99FC42AF6EC}" type="slidenum">
+              <a:rPr lang="en-US" altLang="zh-TW" smtClean="0"/>
+              <a:pPr/>
+              <a:t>1</a:t>
+            </a:fld>
+            <a:endParaRPr lang="zh-TW" altLang="en-US" dirty="0"/>
+          </a:p>
+        </p:txBody>
+      </p:sp>
+    </p:spTree>
+    <p:extLst>
+      <p:ext uri="{BB962C8B-B14F-4D97-AF65-F5344CB8AC3E}">
+        <p14:creationId xmlns:p14="http://schemas.microsoft.com/office/powerpoint/2010/main" val="115792258"/>
+      </p:ext>
+    </p:extLst>
+  </p:cSld>
+  <p:clrMapOvr>
+    <a:masterClrMapping/>
+  </p:clrMapOvr>
+</p:notes>
+</file>
+
 <file path=ppt/slideLayouts/slideLayout1.xml><?xml version="1.0" encoding="utf-8"?>
 <p:sldLayout xmlns:a="http://schemas.openxmlformats.org/drawingml/2006/main" xmlns:r="http://schemas.openxmlformats.org/officeDocument/2006/relationships" xmlns:p="http://schemas.openxmlformats.org/presentationml/2006/main" type="title" preserve="1">
   <p:cSld name="標題投影片">
@@ -2162,7 +2285,7 @@
           <a:p>
             <a:fld id="{C086F875-B443-4821-ABC4-0E5714D16B9D}" type="datetime1">
               <a:rPr lang="zh-TW" altLang="en-US" noProof="0" smtClean="0"/>
-              <a:t>2023/7/14</a:t>
+              <a:t>2024/5/10</a:t>
             </a:fld>
             <a:endParaRPr lang="zh-TW" altLang="en-US" noProof="0"/>
           </a:p>
@@ -2476,7 +2599,7 @@
           <a:p>
             <a:fld id="{E682E305-4AB7-4F84-9CDC-E54EF923D1DF}" type="datetime1">
               <a:rPr lang="zh-TW" altLang="en-US" noProof="0" smtClean="0"/>
-              <a:t>2023/7/14</a:t>
+              <a:t>2024/5/10</a:t>
             </a:fld>
             <a:endParaRPr lang="zh-TW" altLang="en-US" noProof="0"/>
           </a:p>
@@ -2673,7 +2796,7 @@
           <a:p>
             <a:fld id="{E682E305-4AB7-4F84-9CDC-E54EF923D1DF}" type="datetime1">
               <a:rPr lang="zh-TW" altLang="en-US" noProof="0" smtClean="0"/>
-              <a:t>2023/7/14</a:t>
+              <a:t>2024/5/10</a:t>
             </a:fld>
             <a:endParaRPr lang="zh-TW" altLang="en-US" noProof="0"/>
           </a:p>
@@ -2939,7 +3062,7 @@
           <a:p>
             <a:fld id="{E682E305-4AB7-4F84-9CDC-E54EF923D1DF}" type="datetime1">
               <a:rPr lang="zh-TW" altLang="en-US" noProof="0" smtClean="0"/>
-              <a:t>2023/7/14</a:t>
+              <a:t>2024/5/10</a:t>
             </a:fld>
             <a:endParaRPr lang="zh-TW" altLang="en-US" noProof="0"/>
           </a:p>
@@ -3368,7 +3491,7 @@
           <a:p>
             <a:fld id="{E682E305-4AB7-4F84-9CDC-E54EF923D1DF}" type="datetime1">
               <a:rPr lang="zh-TW" altLang="en-US" noProof="0" smtClean="0"/>
-              <a:t>2023/7/14</a:t>
+              <a:t>2024/5/10</a:t>
             </a:fld>
             <a:endParaRPr lang="zh-TW" altLang="en-US" noProof="0"/>
           </a:p>
@@ -3910,7 +4033,7 @@
           <a:p>
             <a:fld id="{E682E305-4AB7-4F84-9CDC-E54EF923D1DF}" type="datetime1">
               <a:rPr lang="zh-TW" altLang="en-US" noProof="0" smtClean="0"/>
-              <a:t>2023/7/14</a:t>
+              <a:t>2024/5/10</a:t>
             </a:fld>
             <a:endParaRPr lang="zh-TW" altLang="en-US" noProof="0"/>
           </a:p>
@@ -4779,7 +4902,7 @@
           <a:p>
             <a:fld id="{E682E305-4AB7-4F84-9CDC-E54EF923D1DF}" type="datetime1">
               <a:rPr lang="zh-TW" altLang="en-US" noProof="0" smtClean="0"/>
-              <a:t>2023/7/14</a:t>
+              <a:t>2024/5/10</a:t>
             </a:fld>
             <a:endParaRPr lang="zh-TW" altLang="en-US" noProof="0"/>
           </a:p>
@@ -4954,7 +5077,7 @@
           <a:p>
             <a:fld id="{3CFE7A4D-5D88-412C-B69C-590D138A428B}" type="datetime1">
               <a:rPr lang="zh-TW" altLang="en-US" noProof="0" smtClean="0"/>
-              <a:t>2023/7/14</a:t>
+              <a:t>2024/5/10</a:t>
             </a:fld>
             <a:endParaRPr lang="zh-TW" altLang="en-US" noProof="0"/>
           </a:p>
@@ -5154,7 +5277,7 @@
           <a:p>
             <a:fld id="{63971963-AFBF-4E2C-B86F-AAAD6D2D2B8C}" type="datetime1">
               <a:rPr lang="zh-TW" altLang="en-US" noProof="0" smtClean="0"/>
-              <a:t>2023/7/14</a:t>
+              <a:t>2024/5/10</a:t>
             </a:fld>
             <a:endParaRPr lang="zh-TW" altLang="en-US" noProof="0"/>
           </a:p>
@@ -5340,7 +5463,7 @@
           <a:p>
             <a:fld id="{8D64CBCD-C391-4D9D-AC43-04FA30B4C7FC}" type="datetime1">
               <a:rPr lang="zh-TW" altLang="en-US" noProof="0" smtClean="0"/>
-              <a:t>2023/7/14</a:t>
+              <a:t>2024/5/10</a:t>
             </a:fld>
             <a:endParaRPr lang="zh-TW" altLang="en-US" noProof="0"/>
           </a:p>
@@ -5600,7 +5723,7 @@
           <a:p>
             <a:fld id="{0622D656-275B-4865-AC2C-B553B91D6AA3}" type="datetime1">
               <a:rPr lang="zh-TW" altLang="en-US" noProof="0" smtClean="0"/>
-              <a:t>2023/7/14</a:t>
+              <a:t>2024/5/10</a:t>
             </a:fld>
             <a:endParaRPr lang="zh-TW" altLang="en-US" noProof="0"/>
           </a:p>
@@ -5852,7 +5975,7 @@
           <a:p>
             <a:fld id="{E682E305-4AB7-4F84-9CDC-E54EF923D1DF}" type="datetime1">
               <a:rPr lang="zh-TW" altLang="en-US" noProof="0" smtClean="0"/>
-              <a:t>2023/7/14</a:t>
+              <a:t>2024/5/10</a:t>
             </a:fld>
             <a:endParaRPr lang="zh-TW" altLang="en-US" noProof="0"/>
           </a:p>
@@ -6323,7 +6446,7 @@
           <a:p>
             <a:fld id="{E682E305-4AB7-4F84-9CDC-E54EF923D1DF}" type="datetime1">
               <a:rPr lang="zh-TW" altLang="en-US" noProof="0" smtClean="0"/>
-              <a:t>2023/7/14</a:t>
+              <a:t>2024/5/10</a:t>
             </a:fld>
             <a:endParaRPr lang="zh-TW" altLang="en-US" noProof="0"/>
           </a:p>
@@ -6446,7 +6569,7 @@
           <a:p>
             <a:fld id="{2D1E1886-894C-4790-9BFD-E6D80E4DE2BA}" type="datetime1">
               <a:rPr lang="zh-TW" altLang="en-US" noProof="0" smtClean="0"/>
-              <a:t>2023/7/14</a:t>
+              <a:t>2024/5/10</a:t>
             </a:fld>
             <a:endParaRPr lang="zh-TW" altLang="en-US" noProof="0"/>
           </a:p>
@@ -6557,7 +6680,7 @@
           <a:p>
             <a:fld id="{FF4EDA10-B8D0-43FE-899A-6C8AE6173579}" type="datetime1">
               <a:rPr lang="zh-TW" altLang="en-US" noProof="0" smtClean="0"/>
-              <a:t>2023/7/14</a:t>
+              <a:t>2024/5/10</a:t>
             </a:fld>
             <a:endParaRPr lang="zh-TW" altLang="en-US" noProof="0"/>
           </a:p>
@@ -6828,7 +6951,7 @@
           <a:p>
             <a:fld id="{E682E305-4AB7-4F84-9CDC-E54EF923D1DF}" type="datetime1">
               <a:rPr lang="zh-TW" altLang="en-US" noProof="0" smtClean="0"/>
-              <a:t>2023/7/14</a:t>
+              <a:t>2024/5/10</a:t>
             </a:fld>
             <a:endParaRPr lang="zh-TW" altLang="en-US" noProof="0"/>
           </a:p>
@@ -7133,7 +7256,7 @@
           <a:p>
             <a:fld id="{E682E305-4AB7-4F84-9CDC-E54EF923D1DF}" type="datetime1">
               <a:rPr lang="zh-TW" altLang="en-US" noProof="0" smtClean="0"/>
-              <a:t>2023/7/14</a:t>
+              <a:t>2024/5/10</a:t>
             </a:fld>
             <a:endParaRPr lang="zh-TW" altLang="en-US" noProof="0"/>
           </a:p>
@@ -7372,7 +7495,7 @@
           <a:p>
             <a:fld id="{E682E305-4AB7-4F84-9CDC-E54EF923D1DF}" type="datetime1">
               <a:rPr lang="zh-TW" altLang="en-US" noProof="0" smtClean="0"/>
-              <a:t>2023/7/14</a:t>
+              <a:t>2024/5/10</a:t>
             </a:fld>
             <a:endParaRPr lang="zh-TW" altLang="en-US" noProof="0"/>
           </a:p>
@@ -8076,7 +8199,7 @@
         <p:spPr/>
         <p:txBody>
           <a:bodyPr rtlCol="0">
-            <a:normAutofit fontScale="90000"/>
+            <a:normAutofit/>
           </a:bodyPr>
           <a:lstStyle/>
           <a:p>
@@ -8102,33 +8225,6 @@
               </a:rPr>
               <a:t>Training</a:t>
             </a:r>
-            <a:br>
-              <a:rPr lang="en-US" altLang="zh-TW" sz="8000" dirty="0">
-                <a:latin typeface="Microsoft JhengHei UI" panose="020B0604030504040204" pitchFamily="34" charset="-120"/>
-                <a:ea typeface="Microsoft JhengHei UI" panose="020B0604030504040204" pitchFamily="34" charset="-120"/>
-              </a:rPr>
-            </a:br>
-            <a:r>
-              <a:rPr lang="en-US" altLang="zh-TW" sz="8000" dirty="0">
-                <a:latin typeface="Microsoft JhengHei UI" panose="020B0604030504040204" pitchFamily="34" charset="-120"/>
-                <a:ea typeface="Microsoft JhengHei UI" panose="020B0604030504040204" pitchFamily="34" charset="-120"/>
-              </a:rPr>
-              <a:t>Karma</a:t>
-            </a:r>
-            <a:r>
-              <a:rPr lang="zh-TW" altLang="en-US" sz="8000" dirty="0">
-                <a:latin typeface="Microsoft JhengHei UI" panose="020B0604030504040204" pitchFamily="34" charset="-120"/>
-                <a:ea typeface="Microsoft JhengHei UI" panose="020B0604030504040204" pitchFamily="34" charset="-120"/>
-              </a:rPr>
-              <a:t> </a:t>
-            </a:r>
-            <a:r>
-              <a:rPr lang="en-US" altLang="zh-TW" sz="8000" dirty="0">
-                <a:latin typeface="Microsoft JhengHei UI" panose="020B0604030504040204" pitchFamily="34" charset="-120"/>
-                <a:ea typeface="Microsoft JhengHei UI" panose="020B0604030504040204" pitchFamily="34" charset="-120"/>
-              </a:rPr>
-              <a:t>Training</a:t>
-            </a:r>
             <a:endParaRPr lang="zh-TW" altLang="en-US" dirty="0">
               <a:latin typeface="Microsoft JhengHei UI" panose="020B0604030504040204" pitchFamily="34" charset="-120"/>
               <a:ea typeface="Microsoft JhengHei UI" panose="020B0604030504040204" pitchFamily="34" charset="-120"/>
@@ -8177,6 +8273,1144 @@
     <p:extLst>
       <p:ext uri="{BB962C8B-B14F-4D97-AF65-F5344CB8AC3E}">
         <p14:creationId xmlns:p14="http://schemas.microsoft.com/office/powerpoint/2010/main" val="1096358168"/>
+      </p:ext>
+    </p:extLst>
+  </p:cSld>
+  <p:clrMapOvr>
+    <a:masterClrMapping/>
+  </p:clrMapOvr>
+  <mc:AlternateContent xmlns:mc="http://schemas.openxmlformats.org/markup-compatibility/2006" xmlns:p14="http://schemas.microsoft.com/office/powerpoint/2010/main">
+    <mc:Choice Requires="p14">
+      <p:transition spd="med" p14:dur="700">
+        <p:fade/>
+      </p:transition>
+    </mc:Choice>
+    <mc:Fallback xmlns="">
+      <p:transition spd="med">
+        <p:fade/>
+      </p:transition>
+    </mc:Fallback>
+  </mc:AlternateContent>
+</p:sld>
+</file>
+
+<file path=ppt/slides/slide10.xml><?xml version="1.0" encoding="utf-8"?>
+<p:sld xmlns:a="http://schemas.openxmlformats.org/drawingml/2006/main" xmlns:r="http://schemas.openxmlformats.org/officeDocument/2006/relationships" xmlns:p="http://schemas.openxmlformats.org/presentationml/2006/main">
+  <p:cSld>
+    <p:spTree>
+      <p:nvGrpSpPr>
+        <p:cNvPr id="1" name=""/>
+        <p:cNvGrpSpPr/>
+        <p:nvPr/>
+      </p:nvGrpSpPr>
+      <p:grpSpPr>
+        <a:xfrm>
+          <a:off x="0" y="0"/>
+          <a:ext cx="0" cy="0"/>
+          <a:chOff x="0" y="0"/>
+          <a:chExt cx="0" cy="0"/>
+        </a:xfrm>
+      </p:grpSpPr>
+      <p:sp>
+        <p:nvSpPr>
+          <p:cNvPr id="2" name="標題 1">
+            <a:extLst>
+              <a:ext uri="{FF2B5EF4-FFF2-40B4-BE49-F238E27FC236}">
+                <a16:creationId xmlns:a16="http://schemas.microsoft.com/office/drawing/2014/main" id="{9C268AA6-36D7-3636-50CF-470EC0E1EA3F}"/>
+              </a:ext>
+            </a:extLst>
+          </p:cNvPr>
+          <p:cNvSpPr>
+            <a:spLocks noGrp="1"/>
+          </p:cNvSpPr>
+          <p:nvPr>
+            <p:ph type="title"/>
+          </p:nvPr>
+        </p:nvSpPr>
+        <p:spPr/>
+        <p:txBody>
+          <a:bodyPr/>
+          <a:lstStyle/>
+          <a:p>
+            <a:r>
+              <a:rPr lang="en-US" altLang="zh-TW" dirty="0"/>
+              <a:t>find</a:t>
+            </a:r>
+            <a:endParaRPr lang="zh-TW" altLang="en-US" dirty="0"/>
+          </a:p>
+        </p:txBody>
+      </p:sp>
+      <p:sp>
+        <p:nvSpPr>
+          <p:cNvPr id="3" name="內容版面配置區 2">
+            <a:extLst>
+              <a:ext uri="{FF2B5EF4-FFF2-40B4-BE49-F238E27FC236}">
+                <a16:creationId xmlns:a16="http://schemas.microsoft.com/office/drawing/2014/main" id="{31F09977-A59C-DAA6-28E1-C722F4CF9A29}"/>
+              </a:ext>
+            </a:extLst>
+          </p:cNvPr>
+          <p:cNvSpPr>
+            <a:spLocks noGrp="1"/>
+          </p:cNvSpPr>
+          <p:nvPr>
+            <p:ph idx="1"/>
+          </p:nvPr>
+        </p:nvSpPr>
+        <p:spPr/>
+        <p:txBody>
+          <a:bodyPr/>
+          <a:lstStyle/>
+          <a:p>
+            <a:r>
+              <a:rPr lang="zh-TW" altLang="en-US" dirty="0"/>
+              <a:t>取得特定選擇器的後代 </a:t>
+            </a:r>
+            <a:r>
+              <a:rPr lang="en-US" altLang="zh-TW" dirty="0"/>
+              <a:t>DOM </a:t>
+            </a:r>
+            <a:r>
+              <a:rPr lang="zh-TW" altLang="en-US" dirty="0"/>
+              <a:t>元素</a:t>
+            </a:r>
+            <a:endParaRPr lang="en-US" altLang="zh-TW" dirty="0"/>
+          </a:p>
+          <a:p>
+            <a:r>
+              <a:rPr lang="zh-TW" altLang="en-US" dirty="0"/>
+              <a:t>一定要先有前面的元素</a:t>
+            </a:r>
+            <a:endParaRPr lang="en-US" altLang="zh-TW" dirty="0"/>
+          </a:p>
+          <a:p>
+            <a:pPr lvl="1"/>
+            <a:r>
+              <a:rPr lang="en-US" altLang="zh-TW" dirty="0"/>
+              <a:t>.</a:t>
+            </a:r>
+            <a:r>
+              <a:rPr lang="en-US" altLang="zh-TW" dirty="0">
+                <a:solidFill>
+                  <a:srgbClr val="C792EA"/>
+                </a:solidFill>
+              </a:rPr>
+              <a:t>find</a:t>
+            </a:r>
+            <a:r>
+              <a:rPr lang="en-US" altLang="zh-TW" dirty="0"/>
+              <a:t>(selector)</a:t>
+            </a:r>
+          </a:p>
+          <a:p>
+            <a:pPr lvl="1"/>
+            <a:r>
+              <a:rPr lang="en-US" altLang="zh-TW" dirty="0"/>
+              <a:t>.</a:t>
+            </a:r>
+            <a:r>
+              <a:rPr lang="en-US" altLang="zh-TW" dirty="0">
+                <a:solidFill>
+                  <a:srgbClr val="C792EA"/>
+                </a:solidFill>
+              </a:rPr>
+              <a:t>find</a:t>
+            </a:r>
+            <a:r>
+              <a:rPr lang="en-US" altLang="zh-TW" dirty="0"/>
+              <a:t>(selector, options)</a:t>
+            </a:r>
+          </a:p>
+          <a:p>
+            <a:r>
+              <a:rPr lang="zh-TW" altLang="en-US" dirty="0"/>
+              <a:t>✅</a:t>
+            </a:r>
+            <a:r>
+              <a:rPr lang="en-US" altLang="zh-TW" dirty="0"/>
+              <a:t>Correct Usage</a:t>
+            </a:r>
+          </a:p>
+          <a:p>
+            <a:pPr lvl="1"/>
+            <a:r>
+              <a:rPr lang="en-US" altLang="zh-TW" dirty="0" err="1"/>
+              <a:t>cy.</a:t>
+            </a:r>
+            <a:r>
+              <a:rPr lang="en-US" altLang="zh-TW" dirty="0" err="1">
+                <a:solidFill>
+                  <a:srgbClr val="C792EA"/>
+                </a:solidFill>
+              </a:rPr>
+              <a:t>get</a:t>
+            </a:r>
+            <a:r>
+              <a:rPr lang="en-US" altLang="zh-TW" dirty="0"/>
+              <a:t>(</a:t>
+            </a:r>
+            <a:r>
+              <a:rPr lang="en-US" altLang="zh-TW" dirty="0">
+                <a:solidFill>
+                  <a:srgbClr val="C3E88D"/>
+                </a:solidFill>
+              </a:rPr>
+              <a:t>'.article'</a:t>
+            </a:r>
+            <a:r>
+              <a:rPr lang="en-US" altLang="zh-TW" dirty="0"/>
+              <a:t>).</a:t>
+            </a:r>
+            <a:r>
+              <a:rPr lang="en-US" altLang="zh-TW" dirty="0">
+                <a:solidFill>
+                  <a:srgbClr val="C792EA"/>
+                </a:solidFill>
+              </a:rPr>
+              <a:t>find</a:t>
+            </a:r>
+            <a:r>
+              <a:rPr lang="en-US" altLang="zh-TW" dirty="0"/>
+              <a:t>(</a:t>
+            </a:r>
+            <a:r>
+              <a:rPr lang="en-US" altLang="zh-TW" dirty="0">
+                <a:solidFill>
+                  <a:srgbClr val="C3E88D"/>
+                </a:solidFill>
+              </a:rPr>
+              <a:t>'footer'</a:t>
+            </a:r>
+            <a:r>
+              <a:rPr lang="en-US" altLang="zh-TW" dirty="0"/>
+              <a:t>) // Yield 'footer' within '.article'</a:t>
+            </a:r>
+            <a:endParaRPr lang="zh-TW" altLang="en-US" dirty="0"/>
+          </a:p>
+        </p:txBody>
+      </p:sp>
+    </p:spTree>
+    <p:extLst>
+      <p:ext uri="{BB962C8B-B14F-4D97-AF65-F5344CB8AC3E}">
+        <p14:creationId xmlns:p14="http://schemas.microsoft.com/office/powerpoint/2010/main" val="3909513770"/>
+      </p:ext>
+    </p:extLst>
+  </p:cSld>
+  <p:clrMapOvr>
+    <a:masterClrMapping/>
+  </p:clrMapOvr>
+  <mc:AlternateContent xmlns:mc="http://schemas.openxmlformats.org/markup-compatibility/2006" xmlns:p14="http://schemas.microsoft.com/office/powerpoint/2010/main">
+    <mc:Choice Requires="p14">
+      <p:transition spd="med" p14:dur="700">
+        <p:fade/>
+      </p:transition>
+    </mc:Choice>
+    <mc:Fallback xmlns="">
+      <p:transition spd="med">
+        <p:fade/>
+      </p:transition>
+    </mc:Fallback>
+  </mc:AlternateContent>
+</p:sld>
+</file>
+
+<file path=ppt/slides/slide11.xml><?xml version="1.0" encoding="utf-8"?>
+<p:sld xmlns:a="http://schemas.openxmlformats.org/drawingml/2006/main" xmlns:r="http://schemas.openxmlformats.org/officeDocument/2006/relationships" xmlns:p="http://schemas.openxmlformats.org/presentationml/2006/main">
+  <p:cSld>
+    <p:spTree>
+      <p:nvGrpSpPr>
+        <p:cNvPr id="1" name=""/>
+        <p:cNvGrpSpPr/>
+        <p:nvPr/>
+      </p:nvGrpSpPr>
+      <p:grpSpPr>
+        <a:xfrm>
+          <a:off x="0" y="0"/>
+          <a:ext cx="0" cy="0"/>
+          <a:chOff x="0" y="0"/>
+          <a:chExt cx="0" cy="0"/>
+        </a:xfrm>
+      </p:grpSpPr>
+      <p:sp>
+        <p:nvSpPr>
+          <p:cNvPr id="2" name="標題 1">
+            <a:extLst>
+              <a:ext uri="{FF2B5EF4-FFF2-40B4-BE49-F238E27FC236}">
+                <a16:creationId xmlns:a16="http://schemas.microsoft.com/office/drawing/2014/main" id="{E153B9BB-0562-A3AF-3444-1F34AB999432}"/>
+              </a:ext>
+            </a:extLst>
+          </p:cNvPr>
+          <p:cNvSpPr>
+            <a:spLocks noGrp="1"/>
+          </p:cNvSpPr>
+          <p:nvPr>
+            <p:ph type="title"/>
+          </p:nvPr>
+        </p:nvSpPr>
+        <p:spPr/>
+        <p:txBody>
+          <a:bodyPr/>
+          <a:lstStyle/>
+          <a:p>
+            <a:r>
+              <a:rPr lang="en-US" altLang="zh-TW" dirty="0"/>
+              <a:t>wait</a:t>
+            </a:r>
+            <a:endParaRPr lang="zh-TW" altLang="en-US" dirty="0"/>
+          </a:p>
+        </p:txBody>
+      </p:sp>
+      <p:sp>
+        <p:nvSpPr>
+          <p:cNvPr id="3" name="內容版面配置區 2">
+            <a:extLst>
+              <a:ext uri="{FF2B5EF4-FFF2-40B4-BE49-F238E27FC236}">
+                <a16:creationId xmlns:a16="http://schemas.microsoft.com/office/drawing/2014/main" id="{E5EC9B84-E0C9-D666-E2C0-B78D43A01394}"/>
+              </a:ext>
+            </a:extLst>
+          </p:cNvPr>
+          <p:cNvSpPr>
+            <a:spLocks noGrp="1"/>
+          </p:cNvSpPr>
+          <p:nvPr>
+            <p:ph idx="1"/>
+          </p:nvPr>
+        </p:nvSpPr>
+        <p:spPr/>
+        <p:txBody>
+          <a:bodyPr/>
+          <a:lstStyle/>
+          <a:p>
+            <a:r>
+              <a:rPr lang="zh-TW" altLang="en-US" dirty="0"/>
+              <a:t>等待幾毫秒或等待別名資源解析，然後再繼續執行下一個指令</a:t>
+            </a:r>
+            <a:endParaRPr lang="en-US" altLang="zh-TW" dirty="0"/>
+          </a:p>
+          <a:p>
+            <a:r>
+              <a:rPr lang="en-US" altLang="zh-TW" dirty="0"/>
+              <a:t>Cypress</a:t>
+            </a:r>
+            <a:r>
+              <a:rPr lang="zh-TW" altLang="en-US" dirty="0"/>
+              <a:t>原本就會等待</a:t>
+            </a:r>
+            <a:r>
+              <a:rPr lang="en-US" altLang="zh-TW" dirty="0"/>
+              <a:t>request</a:t>
+            </a:r>
+            <a:r>
+              <a:rPr lang="zh-TW" altLang="en-US" dirty="0"/>
+              <a:t>回來</a:t>
+            </a:r>
+            <a:r>
+              <a:rPr lang="en-US" altLang="zh-TW" dirty="0"/>
+              <a:t>(5</a:t>
+            </a:r>
+            <a:r>
+              <a:rPr lang="zh-TW" altLang="en-US" dirty="0"/>
+              <a:t>秒內</a:t>
+            </a:r>
+            <a:r>
+              <a:rPr lang="en-US" altLang="zh-TW" dirty="0"/>
+              <a:t>)</a:t>
+            </a:r>
+            <a:r>
+              <a:rPr lang="zh-TW" altLang="en-US" dirty="0"/>
+              <a:t>，但是</a:t>
+            </a:r>
+            <a:r>
+              <a:rPr lang="en-US" altLang="zh-TW" dirty="0"/>
+              <a:t>!!</a:t>
+            </a:r>
+            <a:r>
+              <a:rPr lang="zh-TW" altLang="en-US" dirty="0"/>
+              <a:t> 頁面渲染或等待運算不在等待時間內</a:t>
+            </a:r>
+            <a:endParaRPr lang="en-US" altLang="zh-TW" dirty="0"/>
+          </a:p>
+          <a:p>
+            <a:pPr lvl="1"/>
+            <a:r>
+              <a:rPr lang="en-US" altLang="zh-TW" dirty="0" err="1"/>
+              <a:t>cy.</a:t>
+            </a:r>
+            <a:r>
+              <a:rPr lang="en-US" altLang="zh-TW" dirty="0" err="1">
+                <a:solidFill>
+                  <a:srgbClr val="C792EA"/>
+                </a:solidFill>
+              </a:rPr>
+              <a:t>wait</a:t>
+            </a:r>
+            <a:r>
+              <a:rPr lang="en-US" altLang="zh-TW" dirty="0"/>
+              <a:t>(time)</a:t>
+            </a:r>
+          </a:p>
+          <a:p>
+            <a:pPr lvl="1"/>
+            <a:r>
+              <a:rPr lang="en-US" altLang="zh-TW" dirty="0" err="1"/>
+              <a:t>cy.</a:t>
+            </a:r>
+            <a:r>
+              <a:rPr lang="en-US" altLang="zh-TW" dirty="0" err="1">
+                <a:solidFill>
+                  <a:srgbClr val="C792EA"/>
+                </a:solidFill>
+              </a:rPr>
+              <a:t>wait</a:t>
+            </a:r>
+            <a:r>
+              <a:rPr lang="en-US" altLang="zh-TW" dirty="0"/>
+              <a:t>(alias)</a:t>
+            </a:r>
+          </a:p>
+          <a:p>
+            <a:r>
+              <a:rPr lang="zh-TW" altLang="en-US" dirty="0"/>
+              <a:t>✅</a:t>
+            </a:r>
+            <a:r>
+              <a:rPr lang="en-US" altLang="zh-TW" dirty="0"/>
+              <a:t>Correct Usage</a:t>
+            </a:r>
+          </a:p>
+          <a:p>
+            <a:pPr lvl="1"/>
+            <a:r>
+              <a:rPr lang="en-US" altLang="zh-TW" dirty="0" err="1"/>
+              <a:t>cy.</a:t>
+            </a:r>
+            <a:r>
+              <a:rPr lang="en-US" altLang="zh-TW" dirty="0" err="1">
+                <a:solidFill>
+                  <a:srgbClr val="C792EA"/>
+                </a:solidFill>
+              </a:rPr>
+              <a:t>wait</a:t>
+            </a:r>
+            <a:r>
+              <a:rPr lang="en-US" altLang="zh-TW" dirty="0"/>
+              <a:t>(</a:t>
+            </a:r>
+            <a:r>
+              <a:rPr lang="en-US" altLang="zh-TW" dirty="0">
+                <a:solidFill>
+                  <a:srgbClr val="C3E88D"/>
+                </a:solidFill>
+              </a:rPr>
+              <a:t>500</a:t>
+            </a:r>
+            <a:r>
+              <a:rPr lang="en-US" altLang="zh-TW" dirty="0"/>
+              <a:t>)</a:t>
+            </a:r>
+          </a:p>
+          <a:p>
+            <a:pPr lvl="1"/>
+            <a:r>
+              <a:rPr lang="en-US" altLang="zh-TW" dirty="0" err="1"/>
+              <a:t>cy.</a:t>
+            </a:r>
+            <a:r>
+              <a:rPr lang="en-US" altLang="zh-TW" dirty="0" err="1">
+                <a:solidFill>
+                  <a:srgbClr val="C792EA"/>
+                </a:solidFill>
+              </a:rPr>
+              <a:t>wait</a:t>
+            </a:r>
+            <a:r>
+              <a:rPr lang="en-US" altLang="zh-TW" dirty="0"/>
+              <a:t>(</a:t>
+            </a:r>
+            <a:r>
+              <a:rPr lang="en-US" altLang="zh-TW" dirty="0">
+                <a:solidFill>
+                  <a:srgbClr val="C3E88D"/>
+                </a:solidFill>
+              </a:rPr>
+              <a:t>'@</a:t>
+            </a:r>
+            <a:r>
+              <a:rPr lang="en-US" altLang="zh-TW" dirty="0" err="1">
+                <a:solidFill>
+                  <a:srgbClr val="C3E88D"/>
+                </a:solidFill>
+              </a:rPr>
+              <a:t>getProfile</a:t>
+            </a:r>
+            <a:r>
+              <a:rPr lang="en-US" altLang="zh-TW" dirty="0">
+                <a:solidFill>
+                  <a:srgbClr val="C3E88D"/>
+                </a:solidFill>
+              </a:rPr>
+              <a:t>’</a:t>
+            </a:r>
+            <a:r>
+              <a:rPr lang="en-US" altLang="zh-TW" dirty="0"/>
+              <a:t>).</a:t>
+            </a:r>
+            <a:r>
+              <a:rPr lang="en-US" altLang="zh-TW" dirty="0">
+                <a:solidFill>
+                  <a:srgbClr val="C792EA"/>
+                </a:solidFill>
+              </a:rPr>
+              <a:t>wait</a:t>
+            </a:r>
+            <a:r>
+              <a:rPr lang="en-US" altLang="zh-TW" dirty="0"/>
+              <a:t>(</a:t>
+            </a:r>
+            <a:r>
+              <a:rPr lang="en-US" altLang="zh-TW" dirty="0">
+                <a:solidFill>
+                  <a:srgbClr val="C3E88D"/>
+                </a:solidFill>
+              </a:rPr>
+              <a:t>500</a:t>
+            </a:r>
+            <a:r>
+              <a:rPr lang="en-US" altLang="zh-TW" dirty="0"/>
+              <a:t>)</a:t>
+            </a:r>
+            <a:endParaRPr lang="zh-TW" altLang="en-US" dirty="0"/>
+          </a:p>
+        </p:txBody>
+      </p:sp>
+    </p:spTree>
+    <p:extLst>
+      <p:ext uri="{BB962C8B-B14F-4D97-AF65-F5344CB8AC3E}">
+        <p14:creationId xmlns:p14="http://schemas.microsoft.com/office/powerpoint/2010/main" val="3020010978"/>
+      </p:ext>
+    </p:extLst>
+  </p:cSld>
+  <p:clrMapOvr>
+    <a:masterClrMapping/>
+  </p:clrMapOvr>
+  <mc:AlternateContent xmlns:mc="http://schemas.openxmlformats.org/markup-compatibility/2006" xmlns:p14="http://schemas.microsoft.com/office/powerpoint/2010/main">
+    <mc:Choice Requires="p14">
+      <p:transition spd="med" p14:dur="700">
+        <p:fade/>
+      </p:transition>
+    </mc:Choice>
+    <mc:Fallback xmlns="">
+      <p:transition spd="med">
+        <p:fade/>
+      </p:transition>
+    </mc:Fallback>
+  </mc:AlternateContent>
+</p:sld>
+</file>
+
+<file path=ppt/slides/slide12.xml><?xml version="1.0" encoding="utf-8"?>
+<p:sld xmlns:a="http://schemas.openxmlformats.org/drawingml/2006/main" xmlns:r="http://schemas.openxmlformats.org/officeDocument/2006/relationships" xmlns:p="http://schemas.openxmlformats.org/presentationml/2006/main">
+  <p:cSld>
+    <p:spTree>
+      <p:nvGrpSpPr>
+        <p:cNvPr id="1" name=""/>
+        <p:cNvGrpSpPr/>
+        <p:nvPr/>
+      </p:nvGrpSpPr>
+      <p:grpSpPr>
+        <a:xfrm>
+          <a:off x="0" y="0"/>
+          <a:ext cx="0" cy="0"/>
+          <a:chOff x="0" y="0"/>
+          <a:chExt cx="0" cy="0"/>
+        </a:xfrm>
+      </p:grpSpPr>
+      <p:sp>
+        <p:nvSpPr>
+          <p:cNvPr id="2" name="標題 1">
+            <a:extLst>
+              <a:ext uri="{FF2B5EF4-FFF2-40B4-BE49-F238E27FC236}">
+                <a16:creationId xmlns:a16="http://schemas.microsoft.com/office/drawing/2014/main" id="{4D2111AD-50C2-A99B-253B-AF3DCC03C043}"/>
+              </a:ext>
+            </a:extLst>
+          </p:cNvPr>
+          <p:cNvSpPr>
+            <a:spLocks noGrp="1"/>
+          </p:cNvSpPr>
+          <p:nvPr>
+            <p:ph type="title"/>
+          </p:nvPr>
+        </p:nvSpPr>
+        <p:spPr/>
+        <p:txBody>
+          <a:bodyPr/>
+          <a:lstStyle/>
+          <a:p>
+            <a:r>
+              <a:rPr lang="en-US" altLang="zh-TW" dirty="0"/>
+              <a:t>Cypress</a:t>
+            </a:r>
+            <a:r>
+              <a:rPr lang="zh-TW" altLang="en-US" dirty="0"/>
+              <a:t> </a:t>
+            </a:r>
+            <a:r>
+              <a:rPr lang="en-US" altLang="zh-TW" dirty="0"/>
+              <a:t>Training</a:t>
+            </a:r>
+            <a:endParaRPr lang="zh-TW" altLang="en-US" dirty="0"/>
+          </a:p>
+        </p:txBody>
+      </p:sp>
+      <p:sp>
+        <p:nvSpPr>
+          <p:cNvPr id="3" name="內容版面配置區 2">
+            <a:extLst>
+              <a:ext uri="{FF2B5EF4-FFF2-40B4-BE49-F238E27FC236}">
+                <a16:creationId xmlns:a16="http://schemas.microsoft.com/office/drawing/2014/main" id="{C91DF566-8477-F2ED-BEE0-0C1D8EE24AB9}"/>
+              </a:ext>
+            </a:extLst>
+          </p:cNvPr>
+          <p:cNvSpPr>
+            <a:spLocks noGrp="1"/>
+          </p:cNvSpPr>
+          <p:nvPr>
+            <p:ph idx="1"/>
+          </p:nvPr>
+        </p:nvSpPr>
+        <p:spPr/>
+        <p:txBody>
+          <a:bodyPr/>
+          <a:lstStyle/>
+          <a:p>
+            <a:r>
+              <a:rPr lang="zh-TW" altLang="en-US" dirty="0"/>
+              <a:t>決定測試目標</a:t>
+            </a:r>
+            <a:endParaRPr lang="en-US" altLang="zh-TW" dirty="0"/>
+          </a:p>
+          <a:p>
+            <a:r>
+              <a:rPr lang="zh-TW" altLang="en-US" dirty="0"/>
+              <a:t>預期測試結果</a:t>
+            </a:r>
+            <a:endParaRPr lang="en-US" altLang="zh-TW" dirty="0"/>
+          </a:p>
+          <a:p>
+            <a:r>
+              <a:rPr lang="zh-TW" altLang="en-US" dirty="0"/>
+              <a:t>回頭決定測試變數</a:t>
+            </a:r>
+            <a:endParaRPr lang="en-US" altLang="zh-TW" dirty="0"/>
+          </a:p>
+          <a:p>
+            <a:r>
+              <a:rPr lang="zh-TW" altLang="en-US" dirty="0"/>
+              <a:t>寫程式</a:t>
+            </a:r>
+            <a:br>
+              <a:rPr lang="en-US" altLang="zh-TW" dirty="0"/>
+            </a:br>
+            <a:r>
+              <a:rPr lang="en-US" altLang="zh-TW" dirty="0"/>
+              <a:t>loop{</a:t>
+            </a:r>
+            <a:br>
+              <a:rPr lang="en-US" altLang="zh-TW" dirty="0"/>
+            </a:br>
+            <a:r>
+              <a:rPr lang="en-US" altLang="zh-TW" dirty="0"/>
+              <a:t>	</a:t>
+            </a:r>
+            <a:r>
+              <a:rPr lang="zh-TW" altLang="en-US" dirty="0"/>
+              <a:t>尋找畫面元件位置</a:t>
+            </a:r>
+            <a:br>
+              <a:rPr lang="en-US" altLang="zh-TW" dirty="0"/>
+            </a:br>
+            <a:r>
+              <a:rPr lang="en-US" altLang="zh-TW" dirty="0"/>
+              <a:t>	</a:t>
+            </a:r>
+            <a:r>
+              <a:rPr lang="zh-TW" altLang="en-US" dirty="0"/>
+              <a:t>撰寫測試變數</a:t>
+            </a:r>
+            <a:br>
+              <a:rPr lang="en-US" altLang="zh-TW" dirty="0"/>
+            </a:br>
+            <a:r>
+              <a:rPr lang="en-US" altLang="zh-TW" dirty="0"/>
+              <a:t>	</a:t>
+            </a:r>
+            <a:r>
+              <a:rPr lang="zh-TW" altLang="en-US" dirty="0"/>
+              <a:t>下斷言</a:t>
+            </a:r>
+            <a:br>
+              <a:rPr lang="en-US" altLang="zh-TW" dirty="0"/>
+            </a:br>
+            <a:r>
+              <a:rPr lang="en-US" altLang="zh-TW" dirty="0"/>
+              <a:t>}</a:t>
+            </a:r>
+            <a:endParaRPr lang="zh-TW" altLang="en-US" dirty="0"/>
+          </a:p>
+        </p:txBody>
+      </p:sp>
+    </p:spTree>
+    <p:extLst>
+      <p:ext uri="{BB962C8B-B14F-4D97-AF65-F5344CB8AC3E}">
+        <p14:creationId xmlns:p14="http://schemas.microsoft.com/office/powerpoint/2010/main" val="743323291"/>
+      </p:ext>
+    </p:extLst>
+  </p:cSld>
+  <p:clrMapOvr>
+    <a:masterClrMapping/>
+  </p:clrMapOvr>
+  <mc:AlternateContent xmlns:mc="http://schemas.openxmlformats.org/markup-compatibility/2006" xmlns:p14="http://schemas.microsoft.com/office/powerpoint/2010/main">
+    <mc:Choice Requires="p14">
+      <p:transition spd="med" p14:dur="700">
+        <p:fade/>
+      </p:transition>
+    </mc:Choice>
+    <mc:Fallback xmlns="">
+      <p:transition spd="med">
+        <p:fade/>
+      </p:transition>
+    </mc:Fallback>
+  </mc:AlternateContent>
+</p:sld>
+</file>
+
+<file path=ppt/slides/slide13.xml><?xml version="1.0" encoding="utf-8"?>
+<p:sld xmlns:a="http://schemas.openxmlformats.org/drawingml/2006/main" xmlns:r="http://schemas.openxmlformats.org/officeDocument/2006/relationships" xmlns:p="http://schemas.openxmlformats.org/presentationml/2006/main">
+  <p:cSld>
+    <p:spTree>
+      <p:nvGrpSpPr>
+        <p:cNvPr id="1" name=""/>
+        <p:cNvGrpSpPr/>
+        <p:nvPr/>
+      </p:nvGrpSpPr>
+      <p:grpSpPr>
+        <a:xfrm>
+          <a:off x="0" y="0"/>
+          <a:ext cx="0" cy="0"/>
+          <a:chOff x="0" y="0"/>
+          <a:chExt cx="0" cy="0"/>
+        </a:xfrm>
+      </p:grpSpPr>
+      <p:sp>
+        <p:nvSpPr>
+          <p:cNvPr id="2" name="標題 1">
+            <a:extLst>
+              <a:ext uri="{FF2B5EF4-FFF2-40B4-BE49-F238E27FC236}">
+                <a16:creationId xmlns:a16="http://schemas.microsoft.com/office/drawing/2014/main" id="{9693FCA9-CA84-2991-FE2D-D71B336ED254}"/>
+              </a:ext>
+            </a:extLst>
+          </p:cNvPr>
+          <p:cNvSpPr>
+            <a:spLocks noGrp="1"/>
+          </p:cNvSpPr>
+          <p:nvPr>
+            <p:ph type="title"/>
+          </p:nvPr>
+        </p:nvSpPr>
+        <p:spPr/>
+        <p:txBody>
+          <a:bodyPr/>
+          <a:lstStyle/>
+          <a:p>
+            <a:r>
+              <a:rPr lang="en-US" altLang="zh-TW" dirty="0"/>
+              <a:t>Start &amp; Thinking </a:t>
+            </a:r>
+            <a:endParaRPr lang="zh-TW" altLang="en-US" dirty="0"/>
+          </a:p>
+        </p:txBody>
+      </p:sp>
+      <p:sp>
+        <p:nvSpPr>
+          <p:cNvPr id="3" name="內容版面配置區 2">
+            <a:extLst>
+              <a:ext uri="{FF2B5EF4-FFF2-40B4-BE49-F238E27FC236}">
+                <a16:creationId xmlns:a16="http://schemas.microsoft.com/office/drawing/2014/main" id="{F01BABB9-B22A-9D7F-B79A-BF1309EA2F3F}"/>
+              </a:ext>
+            </a:extLst>
+          </p:cNvPr>
+          <p:cNvSpPr>
+            <a:spLocks noGrp="1"/>
+          </p:cNvSpPr>
+          <p:nvPr>
+            <p:ph idx="1"/>
+          </p:nvPr>
+        </p:nvSpPr>
+        <p:spPr/>
+        <p:txBody>
+          <a:bodyPr/>
+          <a:lstStyle/>
+          <a:p>
+            <a:r>
+              <a:rPr lang="zh-TW" altLang="en-US" dirty="0"/>
+              <a:t>決定測試目標</a:t>
+            </a:r>
+            <a:br>
+              <a:rPr lang="en-US" altLang="zh-TW" dirty="0"/>
+            </a:br>
+            <a:r>
+              <a:rPr lang="zh-TW" altLang="en-US" dirty="0">
+                <a:solidFill>
+                  <a:srgbClr val="FFFF00"/>
+                </a:solidFill>
+              </a:rPr>
+              <a:t>完成被保險人登打</a:t>
+            </a:r>
+            <a:br>
+              <a:rPr lang="en-US" altLang="zh-TW" dirty="0">
+                <a:solidFill>
+                  <a:srgbClr val="FFFF00"/>
+                </a:solidFill>
+              </a:rPr>
+            </a:br>
+            <a:endParaRPr lang="en-US" altLang="zh-TW" dirty="0">
+              <a:solidFill>
+                <a:srgbClr val="FFFF00"/>
+              </a:solidFill>
+            </a:endParaRPr>
+          </a:p>
+          <a:p>
+            <a:r>
+              <a:rPr lang="zh-TW" altLang="en-US" dirty="0"/>
+              <a:t>預期測試結果</a:t>
+            </a:r>
+            <a:br>
+              <a:rPr lang="en-US" altLang="zh-TW" dirty="0"/>
+            </a:br>
+            <a:r>
+              <a:rPr lang="zh-TW" altLang="en-US" dirty="0">
+                <a:solidFill>
+                  <a:srgbClr val="FFFF00"/>
+                </a:solidFill>
+              </a:rPr>
+              <a:t>按下</a:t>
+            </a:r>
+            <a:r>
+              <a:rPr lang="en-US" altLang="zh-TW" dirty="0">
+                <a:solidFill>
+                  <a:srgbClr val="FFFF00"/>
+                </a:solidFill>
+              </a:rPr>
+              <a:t>”</a:t>
+            </a:r>
+            <a:r>
+              <a:rPr lang="zh-TW" altLang="en-US" dirty="0">
+                <a:solidFill>
+                  <a:srgbClr val="FFFF00"/>
+                </a:solidFill>
+              </a:rPr>
+              <a:t>檢核暫存</a:t>
+            </a:r>
+            <a:r>
+              <a:rPr lang="en-US" altLang="zh-TW" dirty="0">
+                <a:solidFill>
+                  <a:srgbClr val="FFFF00"/>
+                </a:solidFill>
+              </a:rPr>
+              <a:t>”</a:t>
+            </a:r>
+            <a:r>
+              <a:rPr lang="zh-TW" altLang="en-US" dirty="0">
+                <a:solidFill>
+                  <a:srgbClr val="FFFF00"/>
+                </a:solidFill>
+              </a:rPr>
+              <a:t>可存檔，進入要保人頁面</a:t>
+            </a:r>
+            <a:br>
+              <a:rPr lang="en-US" altLang="zh-TW" dirty="0">
+                <a:solidFill>
+                  <a:srgbClr val="FFFF00"/>
+                </a:solidFill>
+              </a:rPr>
+            </a:br>
+            <a:endParaRPr lang="en-US" altLang="zh-TW" dirty="0">
+              <a:solidFill>
+                <a:srgbClr val="FFFF00"/>
+              </a:solidFill>
+            </a:endParaRPr>
+          </a:p>
+          <a:p>
+            <a:r>
+              <a:rPr lang="zh-TW" altLang="en-US" dirty="0"/>
+              <a:t>回頭決定測試變數</a:t>
+            </a:r>
+            <a:br>
+              <a:rPr lang="en-US" altLang="zh-TW" dirty="0"/>
+            </a:br>
+            <a:r>
+              <a:rPr lang="zh-TW" altLang="en-US" dirty="0">
+                <a:solidFill>
+                  <a:srgbClr val="FFFF00"/>
+                </a:solidFill>
+              </a:rPr>
+              <a:t>被保險人姓名</a:t>
+            </a:r>
+            <a:r>
+              <a:rPr lang="en-US" altLang="zh-TW" dirty="0">
+                <a:solidFill>
+                  <a:srgbClr val="FFFF00"/>
+                </a:solidFill>
+              </a:rPr>
+              <a:t>: </a:t>
+            </a:r>
+            <a:r>
+              <a:rPr lang="zh-TW" altLang="en-US" dirty="0">
+                <a:solidFill>
+                  <a:srgbClr val="FFFF00"/>
+                </a:solidFill>
+              </a:rPr>
+              <a:t>王大蠻</a:t>
+            </a:r>
+            <a:br>
+              <a:rPr lang="en-US" altLang="zh-TW" dirty="0">
+                <a:solidFill>
+                  <a:srgbClr val="FFFF00"/>
+                </a:solidFill>
+              </a:rPr>
+            </a:br>
+            <a:r>
+              <a:rPr lang="zh-TW" altLang="en-US" dirty="0">
+                <a:solidFill>
+                  <a:srgbClr val="FFFF00"/>
+                </a:solidFill>
+              </a:rPr>
+              <a:t>原住民姓名</a:t>
+            </a:r>
+            <a:r>
+              <a:rPr lang="en-US" altLang="zh-TW" dirty="0">
+                <a:solidFill>
+                  <a:srgbClr val="FFFF00"/>
+                </a:solidFill>
+              </a:rPr>
+              <a:t>: DAMAN WANG</a:t>
+            </a:r>
+            <a:br>
+              <a:rPr lang="en-US" altLang="zh-TW" dirty="0">
+                <a:solidFill>
+                  <a:srgbClr val="FFFF00"/>
+                </a:solidFill>
+              </a:rPr>
+            </a:br>
+            <a:r>
+              <a:rPr lang="zh-TW" altLang="en-US" dirty="0">
+                <a:solidFill>
+                  <a:srgbClr val="FFFF00"/>
+                </a:solidFill>
+              </a:rPr>
+              <a:t>身分證字號</a:t>
+            </a:r>
+            <a:r>
+              <a:rPr lang="en-US" altLang="zh-TW" dirty="0">
+                <a:solidFill>
+                  <a:srgbClr val="FFFF00"/>
+                </a:solidFill>
+              </a:rPr>
+              <a:t>: A123456788</a:t>
+            </a:r>
+            <a:br>
+              <a:rPr lang="en-US" altLang="zh-TW" dirty="0">
+                <a:solidFill>
+                  <a:srgbClr val="FFFF00"/>
+                </a:solidFill>
+              </a:rPr>
+            </a:br>
+            <a:r>
+              <a:rPr lang="en-US" altLang="zh-TW" dirty="0">
+                <a:solidFill>
+                  <a:srgbClr val="FFFF00"/>
+                </a:solidFill>
+              </a:rPr>
+              <a:t>…</a:t>
+            </a:r>
+            <a:r>
+              <a:rPr lang="en-US" altLang="zh-TW" dirty="0" err="1">
+                <a:solidFill>
+                  <a:srgbClr val="FFFF00"/>
+                </a:solidFill>
+              </a:rPr>
+              <a:t>etc</a:t>
+            </a:r>
+            <a:endParaRPr lang="en-US" altLang="zh-TW" dirty="0">
+              <a:solidFill>
+                <a:srgbClr val="FFFF00"/>
+              </a:solidFill>
+            </a:endParaRPr>
+          </a:p>
+        </p:txBody>
+      </p:sp>
+    </p:spTree>
+    <p:extLst>
+      <p:ext uri="{BB962C8B-B14F-4D97-AF65-F5344CB8AC3E}">
+        <p14:creationId xmlns:p14="http://schemas.microsoft.com/office/powerpoint/2010/main" val="1408581456"/>
+      </p:ext>
+    </p:extLst>
+  </p:cSld>
+  <p:clrMapOvr>
+    <a:masterClrMapping/>
+  </p:clrMapOvr>
+  <mc:AlternateContent xmlns:mc="http://schemas.openxmlformats.org/markup-compatibility/2006" xmlns:p14="http://schemas.microsoft.com/office/powerpoint/2010/main">
+    <mc:Choice Requires="p14">
+      <p:transition spd="med" p14:dur="700">
+        <p:fade/>
+      </p:transition>
+    </mc:Choice>
+    <mc:Fallback xmlns="">
+      <p:transition spd="med">
+        <p:fade/>
+      </p:transition>
+    </mc:Fallback>
+  </mc:AlternateContent>
+</p:sld>
+</file>
+
+<file path=ppt/slides/slide14.xml><?xml version="1.0" encoding="utf-8"?>
+<p:sld xmlns:a="http://schemas.openxmlformats.org/drawingml/2006/main" xmlns:r="http://schemas.openxmlformats.org/officeDocument/2006/relationships" xmlns:p="http://schemas.openxmlformats.org/presentationml/2006/main">
+  <p:cSld>
+    <p:spTree>
+      <p:nvGrpSpPr>
+        <p:cNvPr id="1" name=""/>
+        <p:cNvGrpSpPr/>
+        <p:nvPr/>
+      </p:nvGrpSpPr>
+      <p:grpSpPr>
+        <a:xfrm>
+          <a:off x="0" y="0"/>
+          <a:ext cx="0" cy="0"/>
+          <a:chOff x="0" y="0"/>
+          <a:chExt cx="0" cy="0"/>
+        </a:xfrm>
+      </p:grpSpPr>
+      <p:sp>
+        <p:nvSpPr>
+          <p:cNvPr id="2" name="標題 1">
+            <a:extLst>
+              <a:ext uri="{FF2B5EF4-FFF2-40B4-BE49-F238E27FC236}">
+                <a16:creationId xmlns:a16="http://schemas.microsoft.com/office/drawing/2014/main" id="{080AD0FA-61EC-422D-598D-6668B38AEF4B}"/>
+              </a:ext>
+            </a:extLst>
+          </p:cNvPr>
+          <p:cNvSpPr>
+            <a:spLocks noGrp="1"/>
+          </p:cNvSpPr>
+          <p:nvPr>
+            <p:ph type="title"/>
+          </p:nvPr>
+        </p:nvSpPr>
+        <p:spPr/>
+        <p:txBody>
+          <a:bodyPr/>
+          <a:lstStyle/>
+          <a:p>
+            <a:r>
+              <a:rPr lang="en-US" altLang="zh-TW" dirty="0"/>
+              <a:t>Writing Example</a:t>
+            </a:r>
+            <a:endParaRPr lang="zh-TW" altLang="en-US" dirty="0"/>
+          </a:p>
+        </p:txBody>
+      </p:sp>
+      <p:sp>
+        <p:nvSpPr>
+          <p:cNvPr id="3" name="內容版面配置區 2">
+            <a:extLst>
+              <a:ext uri="{FF2B5EF4-FFF2-40B4-BE49-F238E27FC236}">
+                <a16:creationId xmlns:a16="http://schemas.microsoft.com/office/drawing/2014/main" id="{5C7DEE75-4817-D943-6B28-8ECDA7D521EB}"/>
+              </a:ext>
+            </a:extLst>
+          </p:cNvPr>
+          <p:cNvSpPr>
+            <a:spLocks noGrp="1"/>
+          </p:cNvSpPr>
+          <p:nvPr>
+            <p:ph idx="1"/>
+          </p:nvPr>
+        </p:nvSpPr>
+        <p:spPr/>
+        <p:txBody>
+          <a:bodyPr/>
+          <a:lstStyle/>
+          <a:p>
+            <a:r>
+              <a:rPr lang="en-US" altLang="zh-TW" dirty="0"/>
+              <a:t>describe(‘</a:t>
+            </a:r>
+            <a:r>
+              <a:rPr lang="zh-TW" altLang="en-US" dirty="0">
+                <a:solidFill>
+                  <a:srgbClr val="FFFF00"/>
+                </a:solidFill>
+              </a:rPr>
+              <a:t>大方向主題</a:t>
+            </a:r>
+            <a:r>
+              <a:rPr lang="en-US" altLang="zh-TW" dirty="0"/>
+              <a:t>’, () =&gt; {</a:t>
+            </a:r>
+            <a:br>
+              <a:rPr lang="en-US" altLang="zh-TW" dirty="0"/>
+            </a:br>
+            <a:r>
+              <a:rPr lang="en-US" altLang="zh-TW" dirty="0"/>
+              <a:t>		it(‘</a:t>
+            </a:r>
+            <a:r>
+              <a:rPr lang="zh-TW" altLang="en-US" dirty="0">
+                <a:solidFill>
+                  <a:srgbClr val="FFFF00"/>
+                </a:solidFill>
+              </a:rPr>
+              <a:t>被保險人登打</a:t>
+            </a:r>
+            <a:r>
+              <a:rPr lang="en-US" altLang="zh-TW" dirty="0"/>
+              <a:t>’, () =&gt; {</a:t>
+            </a:r>
+            <a:br>
+              <a:rPr lang="en-US" altLang="zh-TW" dirty="0"/>
+            </a:br>
+            <a:br>
+              <a:rPr lang="en-US" altLang="zh-TW" dirty="0"/>
+            </a:br>
+            <a:r>
+              <a:rPr lang="en-US" altLang="zh-TW" dirty="0"/>
+              <a:t>// </a:t>
+            </a:r>
+            <a:r>
+              <a:rPr lang="zh-TW" altLang="en-US" dirty="0"/>
+              <a:t>插入斷言</a:t>
+            </a:r>
+            <a:br>
+              <a:rPr lang="en-US" altLang="zh-TW" dirty="0"/>
+            </a:br>
+            <a:r>
+              <a:rPr lang="en-US" altLang="zh-TW" dirty="0"/>
+              <a:t>		}</a:t>
+            </a:r>
+            <a:br>
+              <a:rPr lang="en-US" altLang="zh-TW" dirty="0"/>
+            </a:br>
+            <a:r>
+              <a:rPr lang="en-US" altLang="zh-TW" dirty="0"/>
+              <a:t>})</a:t>
+            </a:r>
+            <a:endParaRPr lang="zh-TW" altLang="en-US" dirty="0"/>
+          </a:p>
+        </p:txBody>
+      </p:sp>
+    </p:spTree>
+    <p:extLst>
+      <p:ext uri="{BB962C8B-B14F-4D97-AF65-F5344CB8AC3E}">
+        <p14:creationId xmlns:p14="http://schemas.microsoft.com/office/powerpoint/2010/main" val="1094756741"/>
       </p:ext>
     </p:extLst>
   </p:cSld>
@@ -8284,30 +9518,6 @@
                 <a:ea typeface="Microsoft JhengHei UI" panose="020B0604030504040204" pitchFamily="34" charset="-120"/>
               </a:rPr>
               <a:t>Cypress</a:t>
-            </a:r>
-            <a:r>
-              <a:rPr lang="zh-TW" altLang="en-US" dirty="0">
-                <a:latin typeface="Microsoft JhengHei UI" panose="020B0604030504040204" pitchFamily="34" charset="-120"/>
-                <a:ea typeface="Microsoft JhengHei UI" panose="020B0604030504040204" pitchFamily="34" charset="-120"/>
-              </a:rPr>
-              <a:t> </a:t>
-            </a:r>
-            <a:r>
-              <a:rPr lang="en-US" altLang="zh-TW" dirty="0">
-                <a:latin typeface="Microsoft JhengHei UI" panose="020B0604030504040204" pitchFamily="34" charset="-120"/>
-                <a:ea typeface="Microsoft JhengHei UI" panose="020B0604030504040204" pitchFamily="34" charset="-120"/>
-              </a:rPr>
-              <a:t>Training</a:t>
-            </a:r>
-          </a:p>
-          <a:p>
-            <a:pPr rtl="0"/>
-            <a:r>
-              <a:rPr lang="en-US" altLang="zh-TW" dirty="0">
-                <a:latin typeface="Microsoft JhengHei UI" panose="020B0604030504040204" pitchFamily="34" charset="-120"/>
-                <a:ea typeface="Microsoft JhengHei UI" panose="020B0604030504040204" pitchFamily="34" charset="-120"/>
-              </a:rPr>
-              <a:t>Karma</a:t>
             </a:r>
             <a:r>
               <a:rPr lang="zh-TW" altLang="en-US" dirty="0">
@@ -8475,11 +9685,27 @@
             </a:br>
             <a:r>
               <a:rPr lang="en-US" altLang="zh-TW" dirty="0">
+                <a:solidFill>
+                  <a:srgbClr val="E98052"/>
+                </a:solidFill>
                 <a:hlinkClick r:id="rId2"/>
               </a:rPr>
-              <a:t>https://download.cypress.io/desktop</a:t>
-            </a:r>
-            <a:endParaRPr lang="en-US" altLang="zh-TW" dirty="0"/>
+              <a:t>https://download.cypress.io</a:t>
+            </a:r>
+            <a:r>
+              <a:rPr lang="en-US" altLang="zh-TW" dirty="0">
+                <a:solidFill>
+                  <a:srgbClr val="FFFF00"/>
+                </a:solidFill>
+                <a:hlinkClick r:id="rId2"/>
+              </a:rPr>
+              <a:t>/app</a:t>
+            </a:r>
+            <a:endParaRPr lang="en-US" altLang="zh-TW" dirty="0">
+              <a:solidFill>
+                <a:srgbClr val="FFFF00"/>
+              </a:solidFill>
+            </a:endParaRPr>
           </a:p>
           <a:p>
             <a:r>
@@ -8520,6 +9746,58 @@
               <a:rPr lang="zh-TW" altLang="en-US" dirty="0"/>
               <a:t>執行  執行檔</a:t>
             </a:r>
+          </a:p>
+        </p:txBody>
+      </p:sp>
+      <p:sp>
+        <p:nvSpPr>
+          <p:cNvPr id="4" name="矩形 3">
+            <a:extLst>
+              <a:ext uri="{FF2B5EF4-FFF2-40B4-BE49-F238E27FC236}">
+                <a16:creationId xmlns:a16="http://schemas.microsoft.com/office/drawing/2014/main" id="{2A2E2188-5655-61F0-C712-AE49387BB886}"/>
+              </a:ext>
+            </a:extLst>
+          </p:cNvPr>
+          <p:cNvSpPr/>
+          <p:nvPr/>
+        </p:nvSpPr>
+        <p:spPr>
+          <a:xfrm>
+            <a:off x="1038285" y="2737301"/>
+            <a:ext cx="5399876" cy="831809"/>
+          </a:xfrm>
+          <a:prstGeom prst="rect">
+            <a:avLst/>
+          </a:prstGeom>
+          <a:noFill/>
+          <a:ln w="28575">
+            <a:solidFill>
+              <a:schemeClr val="accent1"/>
+            </a:solidFill>
+          </a:ln>
+        </p:spPr>
+        <p:style>
+          <a:lnRef idx="2">
+            <a:schemeClr val="accent1">
+              <a:shade val="15000"/>
+            </a:schemeClr>
+          </a:lnRef>
+          <a:fillRef idx="1">
+            <a:schemeClr val="accent1"/>
+          </a:fillRef>
+          <a:effectRef idx="0">
+            <a:schemeClr val="accent1"/>
+          </a:effectRef>
+          <a:fontRef idx="minor">
+            <a:schemeClr val="lt1"/>
+          </a:fontRef>
+        </p:style>
+        <p:txBody>
+          <a:bodyPr rtlCol="0" anchor="ctr"/>
+          <a:lstStyle/>
+          <a:p>
+            <a:pPr algn="ctr"/>
+            <a:endParaRPr lang="zh-TW" altLang="en-US"/>
           </a:p>
         </p:txBody>
       </p:sp>
@@ -8570,7 +9848,7 @@
           <p:cNvPr id="2" name="標題 1">
             <a:extLst>
               <a:ext uri="{FF2B5EF4-FFF2-40B4-BE49-F238E27FC236}">
-                <a16:creationId xmlns:a16="http://schemas.microsoft.com/office/drawing/2014/main" id="{4D2111AD-50C2-A99B-253B-AF3DCC03C043}"/>
+                <a16:creationId xmlns:a16="http://schemas.microsoft.com/office/drawing/2014/main" id="{ECC03A94-344E-38EC-62BE-6B4B54612F83}"/>
               </a:ext>
             </a:extLst>
           </p:cNvPr>
@@ -8588,15 +9866,7 @@
           <a:p>
             <a:r>
               <a:rPr lang="en-US" altLang="zh-TW" dirty="0"/>
-              <a:t>Cypress</a:t>
-            </a:r>
-            <a:r>
-              <a:rPr lang="zh-TW" altLang="en-US" dirty="0"/>
-              <a:t> </a:t>
-            </a:r>
-            <a:r>
-              <a:rPr lang="en-US" altLang="zh-TW" dirty="0"/>
-              <a:t>Training</a:t>
+              <a:t>visit</a:t>
             </a:r>
             <a:endParaRPr lang="zh-TW" altLang="en-US" dirty="0"/>
           </a:p>
@@ -8607,7 +9877,7 @@
           <p:cNvPr id="3" name="內容版面配置區 2">
             <a:extLst>
               <a:ext uri="{FF2B5EF4-FFF2-40B4-BE49-F238E27FC236}">
-                <a16:creationId xmlns:a16="http://schemas.microsoft.com/office/drawing/2014/main" id="{C91DF566-8477-F2ED-BEE0-0C1D8EE24AB9}"/>
+                <a16:creationId xmlns:a16="http://schemas.microsoft.com/office/drawing/2014/main" id="{B22DDFF3-165E-ED64-3B65-13223925E2B4}"/>
               </a:ext>
             </a:extLst>
           </p:cNvPr>
@@ -8625,75 +9895,103 @@
           <a:p>
             <a:r>
               <a:rPr lang="zh-TW" altLang="en-US" dirty="0"/>
-              <a:t>決定測試目標</a:t>
+              <a:t>用於打開網站</a:t>
             </a:r>
             <a:endParaRPr lang="en-US" altLang="zh-TW" dirty="0"/>
           </a:p>
           <a:p>
+            <a:pPr lvl="1"/>
+            <a:r>
+              <a:rPr lang="en-US" altLang="zh-TW" dirty="0" err="1"/>
+              <a:t>cy.</a:t>
+            </a:r>
+            <a:r>
+              <a:rPr lang="en-US" altLang="zh-TW" dirty="0" err="1">
+                <a:solidFill>
+                  <a:srgbClr val="C792EA"/>
+                </a:solidFill>
+              </a:rPr>
+              <a:t>visit</a:t>
+            </a:r>
+            <a:r>
+              <a:rPr lang="en-US" altLang="zh-TW" dirty="0"/>
+              <a:t>(</a:t>
+            </a:r>
+            <a:r>
+              <a:rPr lang="en-US" altLang="zh-TW" dirty="0" err="1"/>
+              <a:t>url</a:t>
+            </a:r>
+            <a:r>
+              <a:rPr lang="en-US" altLang="zh-TW" dirty="0"/>
+              <a:t>)</a:t>
+            </a:r>
+          </a:p>
+          <a:p>
+            <a:pPr lvl="1"/>
+            <a:r>
+              <a:rPr lang="en-US" altLang="zh-TW" dirty="0" err="1"/>
+              <a:t>cy.</a:t>
+            </a:r>
+            <a:r>
+              <a:rPr lang="en-US" altLang="zh-TW" dirty="0" err="1">
+                <a:solidFill>
+                  <a:srgbClr val="C792EA"/>
+                </a:solidFill>
+              </a:rPr>
+              <a:t>visit</a:t>
+            </a:r>
+            <a:r>
+              <a:rPr lang="en-US" altLang="zh-TW" dirty="0"/>
+              <a:t>(</a:t>
+            </a:r>
+            <a:r>
+              <a:rPr lang="en-US" altLang="zh-TW" dirty="0" err="1"/>
+              <a:t>url</a:t>
+            </a:r>
+            <a:r>
+              <a:rPr lang="en-US" altLang="zh-TW" dirty="0"/>
+              <a:t>, options)</a:t>
+            </a:r>
+          </a:p>
+          <a:p>
             <a:r>
               <a:rPr lang="zh-TW" altLang="en-US" dirty="0"/>
-              <a:t>預期測試結果</a:t>
-            </a:r>
-            <a:endParaRPr lang="en-US" altLang="zh-TW" dirty="0"/>
-          </a:p>
-          <a:p>
-            <a:r>
-              <a:rPr lang="zh-TW" altLang="en-US" dirty="0"/>
-              <a:t>回頭決定測試變數</a:t>
-            </a:r>
-            <a:endParaRPr lang="en-US" altLang="zh-TW" dirty="0"/>
-          </a:p>
-          <a:p>
-            <a:r>
-              <a:rPr lang="zh-TW" altLang="en-US" dirty="0"/>
-              <a:t>寫程式</a:t>
-            </a:r>
-            <a:br>
-              <a:rPr lang="en-US" altLang="zh-TW" dirty="0"/>
-            </a:br>
-            <a:r>
-              <a:rPr lang="en-US" altLang="zh-TW" dirty="0"/>
-              <a:t>loop{</a:t>
-            </a:r>
-            <a:br>
-              <a:rPr lang="en-US" altLang="zh-TW" dirty="0"/>
-            </a:br>
-            <a:r>
-              <a:rPr lang="en-US" altLang="zh-TW" dirty="0"/>
-              <a:t>	</a:t>
-            </a:r>
-            <a:r>
-              <a:rPr lang="zh-TW" altLang="en-US" dirty="0"/>
-              <a:t>尋找畫面元件位置</a:t>
-            </a:r>
-            <a:br>
-              <a:rPr lang="en-US" altLang="zh-TW" dirty="0"/>
-            </a:br>
-            <a:r>
-              <a:rPr lang="en-US" altLang="zh-TW" dirty="0"/>
-              <a:t>	</a:t>
-            </a:r>
-            <a:r>
-              <a:rPr lang="zh-TW" altLang="en-US" dirty="0"/>
-              <a:t>撰寫測試變數</a:t>
-            </a:r>
-            <a:br>
-              <a:rPr lang="en-US" altLang="zh-TW" dirty="0"/>
-            </a:br>
-            <a:r>
-              <a:rPr lang="en-US" altLang="zh-TW" dirty="0"/>
-              <a:t>	</a:t>
-            </a:r>
-            <a:r>
-              <a:rPr lang="zh-TW" altLang="en-US" dirty="0"/>
-              <a:t>下斷言</a:t>
-            </a:r>
-            <a:br>
-              <a:rPr lang="en-US" altLang="zh-TW" dirty="0"/>
-            </a:br>
-            <a:r>
-              <a:rPr lang="en-US" altLang="zh-TW" dirty="0"/>
-              <a:t>}</a:t>
+              <a:t>✅</a:t>
+            </a:r>
+            <a:r>
+              <a:rPr lang="en-US" altLang="zh-TW" dirty="0"/>
+              <a:t>Correct Usage</a:t>
+            </a:r>
+          </a:p>
+          <a:p>
+            <a:pPr lvl="1"/>
+            <a:r>
+              <a:rPr lang="en-US" altLang="zh-TW" dirty="0" err="1"/>
+              <a:t>cy.</a:t>
+            </a:r>
+            <a:r>
+              <a:rPr lang="en-US" altLang="zh-TW" dirty="0" err="1">
+                <a:solidFill>
+                  <a:srgbClr val="C792EA"/>
+                </a:solidFill>
+              </a:rPr>
+              <a:t>visit</a:t>
+            </a:r>
+            <a:r>
+              <a:rPr lang="en-US" altLang="zh-TW" dirty="0"/>
+              <a:t>(</a:t>
+            </a:r>
+            <a:r>
+              <a:rPr lang="en-US" altLang="zh-TW" dirty="0">
+                <a:solidFill>
+                  <a:srgbClr val="C3E88D"/>
+                </a:solidFill>
+              </a:rPr>
+              <a:t>'http://localhost:3000'</a:t>
+            </a:r>
+            <a:r>
+              <a:rPr lang="en-US" altLang="zh-TW" dirty="0"/>
+              <a:t>)</a:t>
             </a:r>
             <a:endParaRPr lang="zh-TW" altLang="en-US" dirty="0"/>
           </a:p>
@@ -8702,7 +10000,7 @@
     </p:spTree>
     <p:extLst>
       <p:ext uri="{BB962C8B-B14F-4D97-AF65-F5344CB8AC3E}">
-        <p14:creationId xmlns:p14="http://schemas.microsoft.com/office/powerpoint/2010/main" val="743323291"/>
+        <p14:creationId xmlns:p14="http://schemas.microsoft.com/office/powerpoint/2010/main" val="591961221"/>
       </p:ext>
     </p:extLst>
   </p:cSld>
@@ -8746,7 +10044,7 @@
           <p:cNvPr id="2" name="標題 1">
             <a:extLst>
               <a:ext uri="{FF2B5EF4-FFF2-40B4-BE49-F238E27FC236}">
-                <a16:creationId xmlns:a16="http://schemas.microsoft.com/office/drawing/2014/main" id="{9693FCA9-CA84-2991-FE2D-D71B336ED254}"/>
+                <a16:creationId xmlns:a16="http://schemas.microsoft.com/office/drawing/2014/main" id="{EB5AE77C-433B-E26C-EE21-19C6825BB81F}"/>
               </a:ext>
             </a:extLst>
           </p:cNvPr>
@@ -8764,7 +10062,7 @@
           <a:p>
             <a:r>
               <a:rPr lang="en-US" altLang="zh-TW" dirty="0"/>
-              <a:t>Start &amp; Thinking </a:t>
+              <a:t>get</a:t>
             </a:r>
             <a:endParaRPr lang="zh-TW" altLang="en-US" dirty="0"/>
           </a:p>
@@ -8775,7 +10073,7 @@
           <p:cNvPr id="3" name="內容版面配置區 2">
             <a:extLst>
               <a:ext uri="{FF2B5EF4-FFF2-40B4-BE49-F238E27FC236}">
-                <a16:creationId xmlns:a16="http://schemas.microsoft.com/office/drawing/2014/main" id="{F01BABB9-B22A-9D7F-B79A-BF1309EA2F3F}"/>
+                <a16:creationId xmlns:a16="http://schemas.microsoft.com/office/drawing/2014/main" id="{3DA67129-7E2B-CC7C-E356-4093CAD32518}"/>
               </a:ext>
             </a:extLst>
           </p:cNvPr>
@@ -8788,211 +10086,146 @@
         </p:nvSpPr>
         <p:spPr/>
         <p:txBody>
-          <a:bodyPr/>
+          <a:bodyPr>
+            <a:normAutofit lnSpcReduction="10000"/>
+          </a:bodyPr>
           <a:lstStyle/>
           <a:p>
             <a:r>
               <a:rPr lang="zh-TW" altLang="en-US" dirty="0"/>
-              <a:t>決定測試目標</a:t>
-            </a:r>
-            <a:br>
-              <a:rPr lang="en-US" altLang="zh-TW" dirty="0"/>
-            </a:br>
-            <a:r>
-              <a:rPr lang="zh-TW" altLang="en-US" dirty="0">
-                <a:solidFill>
-                  <a:srgbClr val="FFFF00"/>
+              <a:t>透過選擇器或別名取得一個或多個 </a:t>
+            </a:r>
+            <a:r>
+              <a:rPr lang="en-US" altLang="zh-TW" dirty="0"/>
+              <a:t>DOM </a:t>
+            </a:r>
+            <a:r>
+              <a:rPr lang="zh-TW" altLang="en-US" dirty="0"/>
+              <a:t>元素</a:t>
+            </a:r>
+            <a:endParaRPr lang="en-US" altLang="zh-TW" dirty="0"/>
+          </a:p>
+          <a:p>
+            <a:pPr lvl="1"/>
+            <a:r>
+              <a:rPr lang="en-US" altLang="zh-TW" dirty="0" err="1"/>
+              <a:t>cy.</a:t>
+            </a:r>
+            <a:r>
+              <a:rPr lang="en-US" altLang="zh-TW" dirty="0" err="1">
+                <a:solidFill>
+                  <a:srgbClr val="C792EA"/>
                 </a:solidFill>
               </a:rPr>
-              <a:t>完成被保險人登打</a:t>
-            </a:r>
-            <a:br>
+              <a:t>get</a:t>
+            </a:r>
+            <a:r>
+              <a:rPr lang="en-US" altLang="zh-TW" dirty="0"/>
+              <a:t>(selector)</a:t>
+            </a:r>
+          </a:p>
+          <a:p>
+            <a:pPr lvl="1"/>
+            <a:r>
+              <a:rPr lang="en-US" altLang="zh-TW" dirty="0" err="1"/>
+              <a:t>cy.</a:t>
+            </a:r>
+            <a:r>
+              <a:rPr lang="en-US" altLang="zh-TW" dirty="0" err="1">
+                <a:solidFill>
+                  <a:srgbClr val="C792EA"/>
+                </a:solidFill>
+              </a:rPr>
+              <a:t>get</a:t>
+            </a:r>
+            <a:r>
+              <a:rPr lang="en-US" altLang="zh-TW" dirty="0"/>
+              <a:t>(alias)</a:t>
+            </a:r>
+          </a:p>
+          <a:p>
+            <a:r>
+              <a:rPr lang="zh-TW" altLang="en-US" dirty="0"/>
+              <a:t>✅</a:t>
+            </a:r>
+            <a:r>
+              <a:rPr lang="en-US" altLang="zh-TW" dirty="0"/>
+              <a:t>Correct Usage</a:t>
+            </a:r>
+          </a:p>
+          <a:p>
+            <a:pPr lvl="1"/>
+            <a:r>
+              <a:rPr lang="en-US" altLang="zh-TW" dirty="0" err="1"/>
+              <a:t>cy.</a:t>
+            </a:r>
+            <a:r>
+              <a:rPr lang="en-US" altLang="zh-TW" dirty="0" err="1">
+                <a:solidFill>
+                  <a:srgbClr val="C792EA"/>
+                </a:solidFill>
+              </a:rPr>
+              <a:t>get</a:t>
+            </a:r>
+            <a:r>
+              <a:rPr lang="en-US" altLang="zh-TW" dirty="0"/>
+              <a:t>(</a:t>
+            </a:r>
+            <a:r>
               <a:rPr lang="en-US" altLang="zh-TW" dirty="0">
                 <a:solidFill>
-                  <a:srgbClr val="FFFF00"/>
+                  <a:srgbClr val="C3E88D"/>
                 </a:solidFill>
               </a:rPr>
-            </a:br>
-            <a:endParaRPr lang="en-US" altLang="zh-TW" dirty="0">
-              <a:solidFill>
-                <a:srgbClr val="FFFF00"/>
-              </a:solidFill>
-            </a:endParaRPr>
+              <a:t>'.list &gt; li'</a:t>
+            </a:r>
+            <a:r>
+              <a:rPr lang="en-US" altLang="zh-TW" dirty="0"/>
+              <a:t>) // Yield the &lt;li&gt;'s in .list</a:t>
+            </a:r>
           </a:p>
           <a:p>
             <a:r>
               <a:rPr lang="zh-TW" altLang="en-US" dirty="0"/>
-              <a:t>預期測試結果</a:t>
-            </a:r>
-            <a:br>
-              <a:rPr lang="en-US" altLang="zh-TW" dirty="0"/>
-            </a:br>
-            <a:r>
-              <a:rPr lang="zh-TW" altLang="en-US" dirty="0">
-                <a:solidFill>
-                  <a:srgbClr val="FFFF00"/>
-                </a:solidFill>
-              </a:rPr>
-              <a:t>按下</a:t>
-            </a:r>
-            <a:r>
-              <a:rPr lang="en-US" altLang="zh-TW" dirty="0">
-                <a:solidFill>
-                  <a:srgbClr val="FFFF00"/>
-                </a:solidFill>
-              </a:rPr>
-              <a:t>”</a:t>
-            </a:r>
-            <a:r>
-              <a:rPr lang="zh-TW" altLang="en-US" dirty="0">
-                <a:solidFill>
-                  <a:srgbClr val="FFFF00"/>
-                </a:solidFill>
-              </a:rPr>
-              <a:t>檢核暫存</a:t>
-            </a:r>
-            <a:r>
-              <a:rPr lang="en-US" altLang="zh-TW" dirty="0">
-                <a:solidFill>
-                  <a:srgbClr val="FFFF00"/>
-                </a:solidFill>
-              </a:rPr>
-              <a:t>”</a:t>
-            </a:r>
-            <a:r>
-              <a:rPr lang="zh-TW" altLang="en-US" dirty="0">
-                <a:solidFill>
-                  <a:srgbClr val="FFFF00"/>
-                </a:solidFill>
-              </a:rPr>
-              <a:t>可存檔，進入要保人頁面</a:t>
-            </a:r>
-            <a:br>
-              <a:rPr lang="en-US" altLang="zh-TW" dirty="0">
-                <a:solidFill>
-                  <a:srgbClr val="FFFF00"/>
-                </a:solidFill>
-              </a:rPr>
-            </a:br>
-            <a:endParaRPr lang="en-US" altLang="zh-TW" dirty="0">
-              <a:solidFill>
-                <a:srgbClr val="FFFF00"/>
-              </a:solidFill>
-            </a:endParaRPr>
-          </a:p>
-          <a:p>
-            <a:r>
-              <a:rPr lang="zh-TW" altLang="en-US" dirty="0"/>
-              <a:t>回頭決定測試變數</a:t>
-            </a:r>
-            <a:br>
-              <a:rPr lang="en-US" altLang="zh-TW" dirty="0"/>
-            </a:br>
-            <a:r>
-              <a:rPr lang="zh-TW" altLang="en-US" dirty="0">
-                <a:solidFill>
-                  <a:srgbClr val="FFFF00"/>
-                </a:solidFill>
-              </a:rPr>
-              <a:t>被保險人姓名</a:t>
-            </a:r>
-            <a:r>
-              <a:rPr lang="en-US" altLang="zh-TW" dirty="0">
-                <a:solidFill>
-                  <a:srgbClr val="FFFF00"/>
-                </a:solidFill>
-              </a:rPr>
-              <a:t>: </a:t>
-            </a:r>
-            <a:r>
-              <a:rPr lang="zh-TW" altLang="en-US" dirty="0">
-                <a:solidFill>
-                  <a:srgbClr val="FFFF00"/>
-                </a:solidFill>
-              </a:rPr>
-              <a:t>王大蠻</a:t>
-            </a:r>
-            <a:br>
-              <a:rPr lang="en-US" altLang="zh-TW" dirty="0">
-                <a:solidFill>
-                  <a:srgbClr val="FFFF00"/>
-                </a:solidFill>
-              </a:rPr>
-            </a:br>
-            <a:r>
-              <a:rPr lang="zh-TW" altLang="en-US" dirty="0">
-                <a:solidFill>
-                  <a:srgbClr val="FFFF00"/>
-                </a:solidFill>
-              </a:rPr>
-              <a:t>原住民姓名</a:t>
-            </a:r>
-            <a:r>
-              <a:rPr lang="en-US" altLang="zh-TW" dirty="0">
-                <a:solidFill>
-                  <a:srgbClr val="FFFF00"/>
-                </a:solidFill>
-              </a:rPr>
-              <a:t>: DAMAN WANG</a:t>
-            </a:r>
-            <a:br>
-              <a:rPr lang="en-US" altLang="zh-TW" dirty="0">
-                <a:solidFill>
-                  <a:srgbClr val="FFFF00"/>
-                </a:solidFill>
-              </a:rPr>
-            </a:br>
-            <a:r>
-              <a:rPr lang="zh-TW" altLang="en-US" dirty="0">
-                <a:solidFill>
-                  <a:srgbClr val="FFFF00"/>
-                </a:solidFill>
-              </a:rPr>
-              <a:t>身分證字號</a:t>
-            </a:r>
-            <a:r>
-              <a:rPr lang="en-US" altLang="zh-TW" dirty="0">
-                <a:solidFill>
-                  <a:srgbClr val="FFFF00"/>
-                </a:solidFill>
-              </a:rPr>
-              <a:t>: A123456788</a:t>
-            </a:r>
-            <a:br>
-              <a:rPr lang="en-US" altLang="zh-TW" dirty="0">
-                <a:solidFill>
-                  <a:srgbClr val="FFFF00"/>
-                </a:solidFill>
-              </a:rPr>
-            </a:br>
-            <a:r>
-              <a:rPr lang="en-US" altLang="zh-TW" dirty="0">
-                <a:solidFill>
-                  <a:srgbClr val="FFFF00"/>
-                </a:solidFill>
-              </a:rPr>
-              <a:t>…</a:t>
-            </a:r>
-            <a:r>
-              <a:rPr lang="en-US" altLang="zh-TW" dirty="0" err="1">
-                <a:solidFill>
-                  <a:srgbClr val="FFFF00"/>
-                </a:solidFill>
-              </a:rPr>
-              <a:t>etc</a:t>
-            </a:r>
-            <a:endParaRPr lang="en-US" altLang="zh-TW" dirty="0">
-              <a:solidFill>
-                <a:srgbClr val="FFFF00"/>
-              </a:solidFill>
-            </a:endParaRPr>
+              <a:t>支援語法</a:t>
+            </a:r>
+            <a:endParaRPr lang="en-US" altLang="zh-TW" dirty="0"/>
+          </a:p>
+          <a:p>
+            <a:pPr lvl="1"/>
+            <a:r>
+              <a:rPr lang="en-US" altLang="zh-TW" dirty="0"/>
+              <a:t>#id</a:t>
+            </a:r>
+          </a:p>
+          <a:p>
+            <a:pPr lvl="1"/>
+            <a:r>
+              <a:rPr lang="en-US" altLang="zh-TW" dirty="0"/>
+              <a:t>.class</a:t>
+            </a:r>
+          </a:p>
+          <a:p>
+            <a:pPr lvl="1"/>
+            <a:r>
+              <a:rPr lang="en-US" altLang="zh-TW" dirty="0"/>
+              <a:t>Attributes</a:t>
+            </a:r>
+          </a:p>
+          <a:p>
+            <a:pPr lvl="1"/>
+            <a:r>
+              <a:rPr lang="en-US" altLang="zh-TW" dirty="0"/>
+              <a:t>:nth-child(n)</a:t>
+            </a:r>
+            <a:endParaRPr lang="zh-TW" altLang="en-US" dirty="0"/>
           </a:p>
         </p:txBody>
       </p:sp>
     </p:spTree>
     <p:extLst>
       <p:ext uri="{BB962C8B-B14F-4D97-AF65-F5344CB8AC3E}">
-        <p14:creationId xmlns:p14="http://schemas.microsoft.com/office/powerpoint/2010/main" val="1408581456"/>
+        <p14:creationId xmlns:p14="http://schemas.microsoft.com/office/powerpoint/2010/main" val="419733672"/>
       </p:ext>
     </p:extLst>
   </p:cSld>
@@ -9036,7 +10269,7 @@
           <p:cNvPr id="2" name="標題 1">
             <a:extLst>
               <a:ext uri="{FF2B5EF4-FFF2-40B4-BE49-F238E27FC236}">
-                <a16:creationId xmlns:a16="http://schemas.microsoft.com/office/drawing/2014/main" id="{080AD0FA-61EC-422D-598D-6668B38AEF4B}"/>
+                <a16:creationId xmlns:a16="http://schemas.microsoft.com/office/drawing/2014/main" id="{75AFDBF1-FECF-6723-1095-18C5A329CF3A}"/>
               </a:ext>
             </a:extLst>
           </p:cNvPr>
@@ -9054,7 +10287,7 @@
           <a:p>
             <a:r>
               <a:rPr lang="en-US" altLang="zh-TW" dirty="0"/>
-              <a:t>Writing Example</a:t>
+              <a:t>click</a:t>
             </a:r>
             <a:endParaRPr lang="zh-TW" altLang="en-US" dirty="0"/>
           </a:p>
@@ -9065,7 +10298,7 @@
           <p:cNvPr id="3" name="內容版面配置區 2">
             <a:extLst>
               <a:ext uri="{FF2B5EF4-FFF2-40B4-BE49-F238E27FC236}">
-                <a16:creationId xmlns:a16="http://schemas.microsoft.com/office/drawing/2014/main" id="{5C7DEE75-4817-D943-6B28-8ECDA7D521EB}"/>
+                <a16:creationId xmlns:a16="http://schemas.microsoft.com/office/drawing/2014/main" id="{B28A0A8A-E63F-524C-D052-60FBF7E2CDFD}"/>
               </a:ext>
             </a:extLst>
           </p:cNvPr>
@@ -9078,80 +10311,956 @@
         </p:nvSpPr>
         <p:spPr/>
         <p:txBody>
-          <a:bodyPr/>
+          <a:bodyPr>
+            <a:normAutofit/>
+          </a:bodyPr>
           <a:lstStyle/>
           <a:p>
             <a:r>
-              <a:rPr lang="en-US" altLang="zh-TW" dirty="0"/>
-              <a:t>describe(‘</a:t>
-            </a:r>
-            <a:r>
-              <a:rPr lang="zh-TW" altLang="en-US" dirty="0">
-                <a:solidFill>
-                  <a:srgbClr val="FFFF00"/>
+              <a:rPr lang="zh-TW" altLang="en-US" dirty="0"/>
+              <a:t>單擊要使用的 </a:t>
+            </a:r>
+            <a:r>
+              <a:rPr lang="en-US" altLang="zh-TW" dirty="0"/>
+              <a:t>DOM </a:t>
+            </a:r>
+            <a:r>
+              <a:rPr lang="zh-TW" altLang="en-US" dirty="0"/>
+              <a:t>元素</a:t>
+            </a:r>
+            <a:endParaRPr lang="en-US" altLang="zh-TW" dirty="0"/>
+          </a:p>
+          <a:p>
+            <a:pPr lvl="1"/>
+            <a:r>
+              <a:rPr lang="en-US" altLang="zh-TW" dirty="0"/>
+              <a:t>.</a:t>
+            </a:r>
+            <a:r>
+              <a:rPr lang="en-US" altLang="zh-TW" dirty="0">
+                <a:solidFill>
+                  <a:srgbClr val="C792EA"/>
                 </a:solidFill>
               </a:rPr>
-              <a:t>大方向主題</a:t>
-            </a:r>
-            <a:r>
-              <a:rPr lang="en-US" altLang="zh-TW" dirty="0"/>
-              <a:t>’, () =&gt; {</a:t>
-            </a:r>
-            <a:br>
-              <a:rPr lang="en-US" altLang="zh-TW" dirty="0"/>
-            </a:br>
-            <a:r>
-              <a:rPr lang="en-US" altLang="zh-TW" dirty="0"/>
-              <a:t>		it(‘</a:t>
-            </a:r>
-            <a:r>
-              <a:rPr lang="zh-TW" altLang="en-US" dirty="0">
-                <a:solidFill>
-                  <a:srgbClr val="FFFF00"/>
+              <a:t>click</a:t>
+            </a:r>
+            <a:r>
+              <a:rPr lang="en-US" altLang="zh-TW" dirty="0"/>
+              <a:t>()</a:t>
+            </a:r>
+          </a:p>
+          <a:p>
+            <a:pPr lvl="1"/>
+            <a:r>
+              <a:rPr lang="en-US" altLang="zh-TW" dirty="0"/>
+              <a:t>.</a:t>
+            </a:r>
+            <a:r>
+              <a:rPr lang="en-US" altLang="zh-TW" dirty="0">
+                <a:solidFill>
+                  <a:srgbClr val="C792EA"/>
                 </a:solidFill>
               </a:rPr>
-              <a:t>被保險人登打</a:t>
-            </a:r>
-            <a:r>
-              <a:rPr lang="en-US" altLang="zh-TW" dirty="0"/>
-              <a:t>’, () =&gt; {</a:t>
-            </a:r>
-            <a:br>
-              <a:rPr lang="en-US" altLang="zh-TW" dirty="0"/>
-            </a:br>
-            <a:br>
-              <a:rPr lang="en-US" altLang="zh-TW" dirty="0"/>
-            </a:br>
-            <a:r>
-              <a:rPr lang="en-US" altLang="zh-TW" dirty="0"/>
-              <a:t>// </a:t>
-            </a:r>
+              <a:t>click</a:t>
+            </a:r>
+            <a:r>
+              <a:rPr lang="en-US" altLang="zh-TW" dirty="0"/>
+              <a:t>(position, options) </a:t>
+            </a:r>
+          </a:p>
+          <a:p>
+            <a:pPr lvl="1"/>
+            <a:r>
+              <a:rPr lang="en-US" altLang="zh-TW" dirty="0"/>
+              <a:t>.</a:t>
+            </a:r>
+            <a:r>
+              <a:rPr lang="en-US" altLang="zh-TW" dirty="0">
+                <a:solidFill>
+                  <a:srgbClr val="C792EA"/>
+                </a:solidFill>
+              </a:rPr>
+              <a:t>click</a:t>
+            </a:r>
+            <a:r>
+              <a:rPr lang="en-US" altLang="zh-TW" dirty="0"/>
+              <a:t>(x, y) </a:t>
+            </a:r>
+          </a:p>
+          <a:p>
+            <a:pPr lvl="1"/>
+            <a:r>
+              <a:rPr lang="en-US" altLang="zh-TW" dirty="0"/>
+              <a:t>.</a:t>
+            </a:r>
+            <a:r>
+              <a:rPr lang="en-US" altLang="zh-TW" dirty="0">
+                <a:solidFill>
+                  <a:srgbClr val="C792EA"/>
+                </a:solidFill>
+              </a:rPr>
+              <a:t>click</a:t>
+            </a:r>
+            <a:r>
+              <a:rPr lang="en-US" altLang="zh-TW" dirty="0"/>
+              <a:t>(x, y, options)</a:t>
+            </a:r>
+          </a:p>
+          <a:p>
             <a:r>
               <a:rPr lang="zh-TW" altLang="en-US" dirty="0"/>
-              <a:t>插入斷言</a:t>
-            </a:r>
-            <a:br>
-              <a:rPr lang="en-US" altLang="zh-TW" dirty="0"/>
-            </a:br>
-            <a:r>
-              <a:rPr lang="en-US" altLang="zh-TW" dirty="0"/>
-              <a:t>		}</a:t>
-            </a:r>
-            <a:br>
-              <a:rPr lang="en-US" altLang="zh-TW" dirty="0"/>
-            </a:br>
-            <a:r>
-              <a:rPr lang="en-US" altLang="zh-TW" dirty="0"/>
-              <a:t>})</a:t>
-            </a:r>
-            <a:endParaRPr lang="zh-TW" altLang="en-US" dirty="0"/>
+              <a:t>✅</a:t>
+            </a:r>
+            <a:r>
+              <a:rPr lang="en-US" altLang="zh-TW" dirty="0"/>
+              <a:t>Correct Usage</a:t>
+            </a:r>
+          </a:p>
+          <a:p>
+            <a:pPr lvl="1"/>
+            <a:r>
+              <a:rPr lang="en-US" altLang="zh-TW" dirty="0" err="1"/>
+              <a:t>cy.</a:t>
+            </a:r>
+            <a:r>
+              <a:rPr lang="en-US" altLang="zh-TW" dirty="0" err="1">
+                <a:solidFill>
+                  <a:srgbClr val="C792EA"/>
+                </a:solidFill>
+              </a:rPr>
+              <a:t>get</a:t>
+            </a:r>
+            <a:r>
+              <a:rPr lang="en-US" altLang="zh-TW" dirty="0"/>
+              <a:t>(</a:t>
+            </a:r>
+            <a:r>
+              <a:rPr lang="en-US" altLang="zh-TW" dirty="0">
+                <a:solidFill>
+                  <a:srgbClr val="C3E88D"/>
+                </a:solidFill>
+              </a:rPr>
+              <a:t>'.</a:t>
+            </a:r>
+            <a:r>
+              <a:rPr lang="en-US" altLang="zh-TW" dirty="0" err="1">
+                <a:solidFill>
+                  <a:srgbClr val="C3E88D"/>
+                </a:solidFill>
+              </a:rPr>
+              <a:t>btn</a:t>
+            </a:r>
+            <a:r>
+              <a:rPr lang="en-US" altLang="zh-TW" dirty="0">
+                <a:solidFill>
+                  <a:srgbClr val="C3E88D"/>
+                </a:solidFill>
+              </a:rPr>
+              <a:t>'</a:t>
+            </a:r>
+            <a:r>
+              <a:rPr lang="en-US" altLang="zh-TW" dirty="0"/>
+              <a:t>).</a:t>
+            </a:r>
+            <a:r>
+              <a:rPr lang="en-US" altLang="zh-TW" dirty="0">
+                <a:solidFill>
+                  <a:srgbClr val="C792EA"/>
+                </a:solidFill>
+              </a:rPr>
+              <a:t>click</a:t>
+            </a:r>
+            <a:r>
+              <a:rPr lang="en-US" altLang="zh-TW" dirty="0"/>
+              <a:t>() // Click on button</a:t>
+            </a:r>
+          </a:p>
+          <a:p>
+            <a:pPr lvl="1"/>
+            <a:r>
+              <a:rPr lang="en-US" altLang="zh-TW" dirty="0" err="1"/>
+              <a:t>cy.</a:t>
+            </a:r>
+            <a:r>
+              <a:rPr lang="en-US" altLang="zh-TW" dirty="0" err="1">
+                <a:solidFill>
+                  <a:srgbClr val="C792EA"/>
+                </a:solidFill>
+              </a:rPr>
+              <a:t>focused</a:t>
+            </a:r>
+            <a:r>
+              <a:rPr lang="en-US" altLang="zh-TW" dirty="0"/>
+              <a:t>().</a:t>
+            </a:r>
+            <a:r>
+              <a:rPr lang="en-US" altLang="zh-TW" dirty="0">
+                <a:solidFill>
+                  <a:srgbClr val="C792EA"/>
+                </a:solidFill>
+              </a:rPr>
+              <a:t>click</a:t>
+            </a:r>
+            <a:r>
+              <a:rPr lang="en-US" altLang="zh-TW" dirty="0"/>
+              <a:t>() // Click on </a:t>
+            </a:r>
+            <a:r>
+              <a:rPr lang="en-US" altLang="zh-TW" dirty="0" err="1"/>
+              <a:t>el</a:t>
+            </a:r>
+            <a:r>
+              <a:rPr lang="en-US" altLang="zh-TW" dirty="0"/>
+              <a:t> with focus</a:t>
+            </a:r>
+          </a:p>
+          <a:p>
+            <a:pPr lvl="1"/>
+            <a:r>
+              <a:rPr lang="en-US" altLang="zh-TW" dirty="0" err="1"/>
+              <a:t>cy.</a:t>
+            </a:r>
+            <a:r>
+              <a:rPr lang="en-US" altLang="zh-TW" dirty="0" err="1">
+                <a:solidFill>
+                  <a:srgbClr val="C792EA"/>
+                </a:solidFill>
+              </a:rPr>
+              <a:t>contains</a:t>
+            </a:r>
+            <a:r>
+              <a:rPr lang="en-US" altLang="zh-TW" dirty="0"/>
+              <a:t>(</a:t>
+            </a:r>
+            <a:r>
+              <a:rPr lang="en-US" altLang="zh-TW" dirty="0">
+                <a:solidFill>
+                  <a:srgbClr val="C3E88D"/>
+                </a:solidFill>
+              </a:rPr>
+              <a:t>'Welcome'</a:t>
+            </a:r>
+            <a:r>
+              <a:rPr lang="en-US" altLang="zh-TW" dirty="0"/>
+              <a:t>).</a:t>
+            </a:r>
+            <a:r>
+              <a:rPr lang="en-US" altLang="zh-TW" dirty="0">
+                <a:solidFill>
+                  <a:srgbClr val="C792EA"/>
+                </a:solidFill>
+              </a:rPr>
+              <a:t>click</a:t>
+            </a:r>
+            <a:r>
+              <a:rPr lang="en-US" altLang="zh-TW" dirty="0"/>
+              <a:t>() // Click on first </a:t>
+            </a:r>
+            <a:r>
+              <a:rPr lang="en-US" altLang="zh-TW" dirty="0" err="1"/>
+              <a:t>el</a:t>
+            </a:r>
+            <a:r>
+              <a:rPr lang="en-US" altLang="zh-TW" dirty="0"/>
+              <a:t> containing 'Welcome'</a:t>
+            </a:r>
           </a:p>
         </p:txBody>
       </p:sp>
     </p:spTree>
     <p:extLst>
       <p:ext uri="{BB962C8B-B14F-4D97-AF65-F5344CB8AC3E}">
-        <p14:creationId xmlns:p14="http://schemas.microsoft.com/office/powerpoint/2010/main" val="1094756741"/>
+        <p14:creationId xmlns:p14="http://schemas.microsoft.com/office/powerpoint/2010/main" val="2394020136"/>
+      </p:ext>
+    </p:extLst>
+  </p:cSld>
+  <p:clrMapOvr>
+    <a:masterClrMapping/>
+  </p:clrMapOvr>
+  <mc:AlternateContent xmlns:mc="http://schemas.openxmlformats.org/markup-compatibility/2006" xmlns:p14="http://schemas.microsoft.com/office/powerpoint/2010/main">
+    <mc:Choice Requires="p14">
+      <p:transition spd="med" p14:dur="700">
+        <p:fade/>
+      </p:transition>
+    </mc:Choice>
+    <mc:Fallback xmlns="">
+      <p:transition spd="med">
+        <p:fade/>
+      </p:transition>
+    </mc:Fallback>
+  </mc:AlternateContent>
+</p:sld>
+</file>
+
+<file path=ppt/slides/slide7.xml><?xml version="1.0" encoding="utf-8"?>
+<p:sld xmlns:a="http://schemas.openxmlformats.org/drawingml/2006/main" xmlns:r="http://schemas.openxmlformats.org/officeDocument/2006/relationships" xmlns:p="http://schemas.openxmlformats.org/presentationml/2006/main">
+  <p:cSld>
+    <p:spTree>
+      <p:nvGrpSpPr>
+        <p:cNvPr id="1" name=""/>
+        <p:cNvGrpSpPr/>
+        <p:nvPr/>
+      </p:nvGrpSpPr>
+      <p:grpSpPr>
+        <a:xfrm>
+          <a:off x="0" y="0"/>
+          <a:ext cx="0" cy="0"/>
+          <a:chOff x="0" y="0"/>
+          <a:chExt cx="0" cy="0"/>
+        </a:xfrm>
+      </p:grpSpPr>
+      <p:sp>
+        <p:nvSpPr>
+          <p:cNvPr id="2" name="標題 1">
+            <a:extLst>
+              <a:ext uri="{FF2B5EF4-FFF2-40B4-BE49-F238E27FC236}">
+                <a16:creationId xmlns:a16="http://schemas.microsoft.com/office/drawing/2014/main" id="{5EBAB03E-58B3-1007-B5B7-C622834FEAB7}"/>
+              </a:ext>
+            </a:extLst>
+          </p:cNvPr>
+          <p:cNvSpPr>
+            <a:spLocks noGrp="1"/>
+          </p:cNvSpPr>
+          <p:nvPr>
+            <p:ph type="title"/>
+          </p:nvPr>
+        </p:nvSpPr>
+        <p:spPr/>
+        <p:txBody>
+          <a:bodyPr/>
+          <a:lstStyle/>
+          <a:p>
+            <a:r>
+              <a:rPr lang="en-US" altLang="zh-TW" dirty="0"/>
+              <a:t>type</a:t>
+            </a:r>
+            <a:endParaRPr lang="zh-TW" altLang="en-US" dirty="0"/>
+          </a:p>
+        </p:txBody>
+      </p:sp>
+      <p:sp>
+        <p:nvSpPr>
+          <p:cNvPr id="3" name="內容版面配置區 2">
+            <a:extLst>
+              <a:ext uri="{FF2B5EF4-FFF2-40B4-BE49-F238E27FC236}">
+                <a16:creationId xmlns:a16="http://schemas.microsoft.com/office/drawing/2014/main" id="{15AE9A5C-D036-0878-AAA7-3DE416FE07ED}"/>
+              </a:ext>
+            </a:extLst>
+          </p:cNvPr>
+          <p:cNvSpPr>
+            <a:spLocks noGrp="1"/>
+          </p:cNvSpPr>
+          <p:nvPr>
+            <p:ph idx="1"/>
+          </p:nvPr>
+        </p:nvSpPr>
+        <p:spPr/>
+        <p:txBody>
+          <a:bodyPr/>
+          <a:lstStyle/>
+          <a:p>
+            <a:r>
+              <a:rPr lang="zh-TW" altLang="en-US" dirty="0"/>
+              <a:t>填滿所需 </a:t>
+            </a:r>
+            <a:r>
+              <a:rPr lang="en-US" altLang="zh-TW" dirty="0"/>
+              <a:t>DOM </a:t>
+            </a:r>
+            <a:r>
+              <a:rPr lang="zh-TW" altLang="en-US" dirty="0"/>
+              <a:t>元素</a:t>
+            </a:r>
+            <a:endParaRPr lang="en-US" altLang="zh-TW" dirty="0"/>
+          </a:p>
+          <a:p>
+            <a:pPr lvl="1"/>
+            <a:r>
+              <a:rPr lang="en-US" altLang="zh-TW" dirty="0"/>
+              <a:t>.</a:t>
+            </a:r>
+            <a:r>
+              <a:rPr lang="en-US" altLang="zh-TW" dirty="0">
+                <a:solidFill>
+                  <a:srgbClr val="C792EA"/>
+                </a:solidFill>
+              </a:rPr>
+              <a:t>type</a:t>
+            </a:r>
+            <a:r>
+              <a:rPr lang="en-US" altLang="zh-TW" dirty="0"/>
+              <a:t>(text)</a:t>
+            </a:r>
+          </a:p>
+          <a:p>
+            <a:pPr lvl="1"/>
+            <a:r>
+              <a:rPr lang="en-US" altLang="zh-TW" dirty="0"/>
+              <a:t>.</a:t>
+            </a:r>
+            <a:r>
+              <a:rPr lang="en-US" altLang="zh-TW" dirty="0">
+                <a:solidFill>
+                  <a:srgbClr val="C792EA"/>
+                </a:solidFill>
+              </a:rPr>
+              <a:t>type</a:t>
+            </a:r>
+            <a:r>
+              <a:rPr lang="en-US" altLang="zh-TW" dirty="0"/>
+              <a:t>(text, options)</a:t>
+            </a:r>
+          </a:p>
+          <a:p>
+            <a:r>
+              <a:rPr lang="zh-TW" altLang="en-US" dirty="0"/>
+              <a:t>✅</a:t>
+            </a:r>
+            <a:r>
+              <a:rPr lang="en-US" altLang="zh-TW" dirty="0"/>
+              <a:t>Correct Usage</a:t>
+            </a:r>
+          </a:p>
+          <a:p>
+            <a:pPr lvl="1"/>
+            <a:r>
+              <a:rPr lang="en-US" altLang="zh-TW" dirty="0" err="1"/>
+              <a:t>cy.</a:t>
+            </a:r>
+            <a:r>
+              <a:rPr lang="en-US" altLang="zh-TW" dirty="0" err="1">
+                <a:solidFill>
+                  <a:srgbClr val="C792EA"/>
+                </a:solidFill>
+              </a:rPr>
+              <a:t>get</a:t>
+            </a:r>
+            <a:r>
+              <a:rPr lang="en-US" altLang="zh-TW" dirty="0"/>
+              <a:t>(</a:t>
+            </a:r>
+            <a:r>
+              <a:rPr lang="en-US" altLang="zh-TW" dirty="0">
+                <a:solidFill>
+                  <a:srgbClr val="C3E88D"/>
+                </a:solidFill>
+              </a:rPr>
+              <a:t>'input'</a:t>
+            </a:r>
+            <a:r>
+              <a:rPr lang="en-US" altLang="zh-TW" dirty="0"/>
+              <a:t>).</a:t>
+            </a:r>
+            <a:r>
+              <a:rPr lang="en-US" altLang="zh-TW" dirty="0">
+                <a:solidFill>
+                  <a:srgbClr val="C792EA"/>
+                </a:solidFill>
+              </a:rPr>
+              <a:t>type</a:t>
+            </a:r>
+            <a:r>
+              <a:rPr lang="en-US" altLang="zh-TW" dirty="0"/>
+              <a:t>(</a:t>
+            </a:r>
+            <a:r>
+              <a:rPr lang="en-US" altLang="zh-TW" dirty="0">
+                <a:solidFill>
+                  <a:srgbClr val="C3E88D"/>
+                </a:solidFill>
+              </a:rPr>
+              <a:t>'Hello, World'</a:t>
+            </a:r>
+            <a:r>
+              <a:rPr lang="en-US" altLang="zh-TW" dirty="0"/>
+              <a:t>) // Type 'Hello, World' into the 'input'</a:t>
+            </a:r>
+          </a:p>
+        </p:txBody>
+      </p:sp>
+    </p:spTree>
+    <p:extLst>
+      <p:ext uri="{BB962C8B-B14F-4D97-AF65-F5344CB8AC3E}">
+        <p14:creationId xmlns:p14="http://schemas.microsoft.com/office/powerpoint/2010/main" val="2688066183"/>
+      </p:ext>
+    </p:extLst>
+  </p:cSld>
+  <p:clrMapOvr>
+    <a:masterClrMapping/>
+  </p:clrMapOvr>
+  <mc:AlternateContent xmlns:mc="http://schemas.openxmlformats.org/markup-compatibility/2006" xmlns:p14="http://schemas.microsoft.com/office/powerpoint/2010/main">
+    <mc:Choice Requires="p14">
+      <p:transition spd="med" p14:dur="700">
+        <p:fade/>
+      </p:transition>
+    </mc:Choice>
+    <mc:Fallback xmlns="">
+      <p:transition spd="med">
+        <p:fade/>
+      </p:transition>
+    </mc:Fallback>
+  </mc:AlternateContent>
+</p:sld>
+</file>
+
+<file path=ppt/slides/slide8.xml><?xml version="1.0" encoding="utf-8"?>
+<p:sld xmlns:a="http://schemas.openxmlformats.org/drawingml/2006/main" xmlns:r="http://schemas.openxmlformats.org/officeDocument/2006/relationships" xmlns:p="http://schemas.openxmlformats.org/presentationml/2006/main">
+  <p:cSld>
+    <p:spTree>
+      <p:nvGrpSpPr>
+        <p:cNvPr id="1" name=""/>
+        <p:cNvGrpSpPr/>
+        <p:nvPr/>
+      </p:nvGrpSpPr>
+      <p:grpSpPr>
+        <a:xfrm>
+          <a:off x="0" y="0"/>
+          <a:ext cx="0" cy="0"/>
+          <a:chOff x="0" y="0"/>
+          <a:chExt cx="0" cy="0"/>
+        </a:xfrm>
+      </p:grpSpPr>
+      <p:sp>
+        <p:nvSpPr>
+          <p:cNvPr id="2" name="標題 1">
+            <a:extLst>
+              <a:ext uri="{FF2B5EF4-FFF2-40B4-BE49-F238E27FC236}">
+                <a16:creationId xmlns:a16="http://schemas.microsoft.com/office/drawing/2014/main" id="{5C197964-5331-C529-1701-716D63EE8DFC}"/>
+              </a:ext>
+            </a:extLst>
+          </p:cNvPr>
+          <p:cNvSpPr>
+            <a:spLocks noGrp="1"/>
+          </p:cNvSpPr>
+          <p:nvPr>
+            <p:ph type="title"/>
+          </p:nvPr>
+        </p:nvSpPr>
+        <p:spPr/>
+        <p:txBody>
+          <a:bodyPr/>
+          <a:lstStyle/>
+          <a:p>
+            <a:r>
+              <a:rPr lang="en-US" altLang="zh-TW" dirty="0"/>
+              <a:t>check</a:t>
+            </a:r>
+            <a:endParaRPr lang="zh-TW" altLang="en-US" dirty="0"/>
+          </a:p>
+        </p:txBody>
+      </p:sp>
+      <p:sp>
+        <p:nvSpPr>
+          <p:cNvPr id="3" name="內容版面配置區 2">
+            <a:extLst>
+              <a:ext uri="{FF2B5EF4-FFF2-40B4-BE49-F238E27FC236}">
+                <a16:creationId xmlns:a16="http://schemas.microsoft.com/office/drawing/2014/main" id="{A0E3D85B-B25B-222F-0159-B0D9ADCE6B39}"/>
+              </a:ext>
+            </a:extLst>
+          </p:cNvPr>
+          <p:cNvSpPr>
+            <a:spLocks noGrp="1"/>
+          </p:cNvSpPr>
+          <p:nvPr>
+            <p:ph idx="1"/>
+          </p:nvPr>
+        </p:nvSpPr>
+        <p:spPr/>
+        <p:txBody>
+          <a:bodyPr/>
+          <a:lstStyle/>
+          <a:p>
+            <a:r>
+              <a:rPr lang="zh-TW" altLang="en-US" dirty="0"/>
+              <a:t>勾選所需 </a:t>
+            </a:r>
+            <a:r>
+              <a:rPr lang="en-US" altLang="zh-TW" dirty="0"/>
+              <a:t>DOM</a:t>
+            </a:r>
+            <a:r>
+              <a:rPr lang="zh-TW" altLang="en-US" dirty="0"/>
+              <a:t> 元素</a:t>
+            </a:r>
+            <a:endParaRPr lang="en-US" altLang="zh-TW" dirty="0"/>
+          </a:p>
+          <a:p>
+            <a:pPr lvl="1"/>
+            <a:r>
+              <a:rPr lang="en-US" altLang="zh-TW" dirty="0"/>
+              <a:t>.</a:t>
+            </a:r>
+            <a:r>
+              <a:rPr lang="en-US" altLang="zh-TW" dirty="0">
+                <a:solidFill>
+                  <a:srgbClr val="C792EA"/>
+                </a:solidFill>
+              </a:rPr>
+              <a:t>check</a:t>
+            </a:r>
+            <a:r>
+              <a:rPr lang="en-US" altLang="zh-TW" dirty="0"/>
+              <a:t>()</a:t>
+            </a:r>
+          </a:p>
+          <a:p>
+            <a:pPr lvl="1"/>
+            <a:r>
+              <a:rPr lang="en-US" altLang="zh-TW" dirty="0"/>
+              <a:t>.</a:t>
+            </a:r>
+            <a:r>
+              <a:rPr lang="en-US" altLang="zh-TW" dirty="0">
+                <a:solidFill>
+                  <a:srgbClr val="C792EA"/>
+                </a:solidFill>
+              </a:rPr>
+              <a:t>check</a:t>
+            </a:r>
+            <a:r>
+              <a:rPr lang="en-US" altLang="zh-TW" dirty="0"/>
+              <a:t>(text, options)</a:t>
+            </a:r>
+          </a:p>
+          <a:p>
+            <a:r>
+              <a:rPr lang="zh-TW" altLang="en-US" dirty="0"/>
+              <a:t>✅</a:t>
+            </a:r>
+            <a:r>
+              <a:rPr lang="en-US" altLang="zh-TW" dirty="0"/>
+              <a:t>Correct Usage</a:t>
+            </a:r>
+          </a:p>
+          <a:p>
+            <a:pPr lvl="1"/>
+            <a:r>
+              <a:rPr lang="en-US" altLang="zh-TW" dirty="0" err="1"/>
+              <a:t>cy.</a:t>
+            </a:r>
+            <a:r>
+              <a:rPr lang="en-US" altLang="zh-TW" dirty="0" err="1">
+                <a:solidFill>
+                  <a:srgbClr val="C792EA"/>
+                </a:solidFill>
+              </a:rPr>
+              <a:t>get</a:t>
+            </a:r>
+            <a:r>
+              <a:rPr lang="en-US" altLang="zh-TW" dirty="0"/>
+              <a:t>(</a:t>
+            </a:r>
+            <a:r>
+              <a:rPr lang="en-US" altLang="zh-TW" dirty="0">
+                <a:solidFill>
+                  <a:srgbClr val="C3E88D"/>
+                </a:solidFill>
+              </a:rPr>
+              <a:t>'[type="checkbox"]'</a:t>
+            </a:r>
+            <a:r>
+              <a:rPr lang="en-US" altLang="zh-TW" dirty="0"/>
+              <a:t>).</a:t>
+            </a:r>
+            <a:r>
+              <a:rPr lang="en-US" altLang="zh-TW" dirty="0">
+                <a:solidFill>
+                  <a:srgbClr val="C792EA"/>
+                </a:solidFill>
+              </a:rPr>
+              <a:t>check</a:t>
+            </a:r>
+            <a:r>
+              <a:rPr lang="en-US" altLang="zh-TW" dirty="0"/>
+              <a:t>() // Check checkbox element</a:t>
+            </a:r>
+          </a:p>
+          <a:p>
+            <a:pPr lvl="1"/>
+            <a:r>
+              <a:rPr lang="en-US" altLang="zh-TW" dirty="0" err="1"/>
+              <a:t>cy.</a:t>
+            </a:r>
+            <a:r>
+              <a:rPr lang="en-US" altLang="zh-TW" dirty="0" err="1">
+                <a:solidFill>
+                  <a:srgbClr val="C792EA"/>
+                </a:solidFill>
+              </a:rPr>
+              <a:t>get</a:t>
+            </a:r>
+            <a:r>
+              <a:rPr lang="en-US" altLang="zh-TW" dirty="0"/>
+              <a:t>(</a:t>
+            </a:r>
+            <a:r>
+              <a:rPr lang="en-US" altLang="zh-TW" dirty="0">
+                <a:solidFill>
+                  <a:srgbClr val="C3E88D"/>
+                </a:solidFill>
+              </a:rPr>
+              <a:t>'[type="radio"]'</a:t>
+            </a:r>
+            <a:r>
+              <a:rPr lang="en-US" altLang="zh-TW" dirty="0"/>
+              <a:t>).</a:t>
+            </a:r>
+            <a:r>
+              <a:rPr lang="en-US" altLang="zh-TW" dirty="0">
+                <a:solidFill>
+                  <a:srgbClr val="C792EA"/>
+                </a:solidFill>
+              </a:rPr>
+              <a:t>first</a:t>
+            </a:r>
+            <a:r>
+              <a:rPr lang="en-US" altLang="zh-TW" dirty="0"/>
+              <a:t>().</a:t>
+            </a:r>
+            <a:r>
+              <a:rPr lang="en-US" altLang="zh-TW" dirty="0">
+                <a:solidFill>
+                  <a:srgbClr val="C792EA"/>
+                </a:solidFill>
+              </a:rPr>
+              <a:t>check</a:t>
+            </a:r>
+            <a:r>
+              <a:rPr lang="en-US" altLang="zh-TW" dirty="0"/>
+              <a:t>() // Check first radio element</a:t>
+            </a:r>
+          </a:p>
+        </p:txBody>
+      </p:sp>
+    </p:spTree>
+    <p:extLst>
+      <p:ext uri="{BB962C8B-B14F-4D97-AF65-F5344CB8AC3E}">
+        <p14:creationId xmlns:p14="http://schemas.microsoft.com/office/powerpoint/2010/main" val="3321241520"/>
+      </p:ext>
+    </p:extLst>
+  </p:cSld>
+  <p:clrMapOvr>
+    <a:masterClrMapping/>
+  </p:clrMapOvr>
+  <mc:AlternateContent xmlns:mc="http://schemas.openxmlformats.org/markup-compatibility/2006" xmlns:p14="http://schemas.microsoft.com/office/powerpoint/2010/main">
+    <mc:Choice Requires="p14">
+      <p:transition spd="med" p14:dur="700">
+        <p:fade/>
+      </p:transition>
+    </mc:Choice>
+    <mc:Fallback xmlns="">
+      <p:transition spd="med">
+        <p:fade/>
+      </p:transition>
+    </mc:Fallback>
+  </mc:AlternateContent>
+</p:sld>
+</file>
+
+<file path=ppt/slides/slide9.xml><?xml version="1.0" encoding="utf-8"?>
+<p:sld xmlns:a="http://schemas.openxmlformats.org/drawingml/2006/main" xmlns:r="http://schemas.openxmlformats.org/officeDocument/2006/relationships" xmlns:p="http://schemas.openxmlformats.org/presentationml/2006/main">
+  <p:cSld>
+    <p:spTree>
+      <p:nvGrpSpPr>
+        <p:cNvPr id="1" name=""/>
+        <p:cNvGrpSpPr/>
+        <p:nvPr/>
+      </p:nvGrpSpPr>
+      <p:grpSpPr>
+        <a:xfrm>
+          <a:off x="0" y="0"/>
+          <a:ext cx="0" cy="0"/>
+          <a:chOff x="0" y="0"/>
+          <a:chExt cx="0" cy="0"/>
+        </a:xfrm>
+      </p:grpSpPr>
+      <p:sp>
+        <p:nvSpPr>
+          <p:cNvPr id="2" name="標題 1">
+            <a:extLst>
+              <a:ext uri="{FF2B5EF4-FFF2-40B4-BE49-F238E27FC236}">
+                <a16:creationId xmlns:a16="http://schemas.microsoft.com/office/drawing/2014/main" id="{9CBFFC8C-FABA-EE41-63FF-BB1674F79167}"/>
+              </a:ext>
+            </a:extLst>
+          </p:cNvPr>
+          <p:cNvSpPr>
+            <a:spLocks noGrp="1"/>
+          </p:cNvSpPr>
+          <p:nvPr>
+            <p:ph type="title"/>
+          </p:nvPr>
+        </p:nvSpPr>
+        <p:spPr/>
+        <p:txBody>
+          <a:bodyPr/>
+          <a:lstStyle/>
+          <a:p>
+            <a:r>
+              <a:rPr lang="en-US" altLang="zh-TW" dirty="0"/>
+              <a:t>select</a:t>
+            </a:r>
+            <a:endParaRPr lang="zh-TW" altLang="en-US" dirty="0"/>
+          </a:p>
+        </p:txBody>
+      </p:sp>
+      <p:sp>
+        <p:nvSpPr>
+          <p:cNvPr id="3" name="內容版面配置區 2">
+            <a:extLst>
+              <a:ext uri="{FF2B5EF4-FFF2-40B4-BE49-F238E27FC236}">
+                <a16:creationId xmlns:a16="http://schemas.microsoft.com/office/drawing/2014/main" id="{3D478A9D-E89E-DA58-3A2F-2B15D0A4347B}"/>
+              </a:ext>
+            </a:extLst>
+          </p:cNvPr>
+          <p:cNvSpPr>
+            <a:spLocks noGrp="1"/>
+          </p:cNvSpPr>
+          <p:nvPr>
+            <p:ph idx="1"/>
+          </p:nvPr>
+        </p:nvSpPr>
+        <p:spPr/>
+        <p:txBody>
+          <a:bodyPr/>
+          <a:lstStyle/>
+          <a:p>
+            <a:r>
+              <a:rPr lang="zh-TW" altLang="en-US" dirty="0"/>
+              <a:t>在 </a:t>
+            </a:r>
+            <a:r>
+              <a:rPr lang="en-US" altLang="zh-TW" dirty="0"/>
+              <a:t>&lt;select&gt; </a:t>
+            </a:r>
+            <a:r>
+              <a:rPr lang="zh-TW" altLang="en-US" dirty="0"/>
+              <a:t>中選擇一個 </a:t>
+            </a:r>
+            <a:r>
+              <a:rPr lang="en-US" altLang="zh-TW" dirty="0"/>
+              <a:t>&lt;option&gt;</a:t>
+            </a:r>
+          </a:p>
+          <a:p>
+            <a:r>
+              <a:rPr lang="zh-TW" altLang="en-US" dirty="0"/>
+              <a:t>一定要先找到</a:t>
+            </a:r>
+            <a:r>
+              <a:rPr lang="en-US" altLang="zh-TW" dirty="0"/>
+              <a:t>&lt;select&gt;</a:t>
+            </a:r>
+          </a:p>
+          <a:p>
+            <a:pPr lvl="1"/>
+            <a:r>
+              <a:rPr lang="en-US" altLang="zh-TW" dirty="0"/>
+              <a:t>.</a:t>
+            </a:r>
+            <a:r>
+              <a:rPr lang="en-US" altLang="zh-TW" dirty="0">
+                <a:solidFill>
+                  <a:srgbClr val="C792EA"/>
+                </a:solidFill>
+              </a:rPr>
+              <a:t>select</a:t>
+            </a:r>
+            <a:r>
+              <a:rPr lang="en-US" altLang="zh-TW" dirty="0"/>
+              <a:t>(value)</a:t>
+            </a:r>
+          </a:p>
+          <a:p>
+            <a:pPr lvl="1"/>
+            <a:r>
+              <a:rPr lang="en-US" altLang="zh-TW" dirty="0"/>
+              <a:t>.</a:t>
+            </a:r>
+            <a:r>
+              <a:rPr lang="en-US" altLang="zh-TW" dirty="0">
+                <a:solidFill>
+                  <a:srgbClr val="C792EA"/>
+                </a:solidFill>
+              </a:rPr>
+              <a:t>select</a:t>
+            </a:r>
+            <a:r>
+              <a:rPr lang="en-US" altLang="zh-TW" dirty="0"/>
+              <a:t>(value, options)</a:t>
+            </a:r>
+          </a:p>
+          <a:p>
+            <a:r>
+              <a:rPr lang="zh-TW" altLang="en-US" dirty="0"/>
+              <a:t>✅</a:t>
+            </a:r>
+            <a:r>
+              <a:rPr lang="en-US" altLang="zh-TW" dirty="0"/>
+              <a:t>Correct Usage</a:t>
+            </a:r>
+          </a:p>
+          <a:p>
+            <a:pPr lvl="1"/>
+            <a:r>
+              <a:rPr lang="en-US" altLang="zh-TW" dirty="0" err="1"/>
+              <a:t>cy.</a:t>
+            </a:r>
+            <a:r>
+              <a:rPr lang="en-US" altLang="zh-TW" dirty="0" err="1">
+                <a:solidFill>
+                  <a:srgbClr val="C792EA"/>
+                </a:solidFill>
+              </a:rPr>
+              <a:t>get</a:t>
+            </a:r>
+            <a:r>
+              <a:rPr lang="en-US" altLang="zh-TW" dirty="0"/>
+              <a:t>(</a:t>
+            </a:r>
+            <a:r>
+              <a:rPr lang="en-US" altLang="zh-TW" dirty="0">
+                <a:solidFill>
+                  <a:srgbClr val="C3E88D"/>
+                </a:solidFill>
+              </a:rPr>
+              <a:t>'select'</a:t>
+            </a:r>
+            <a:r>
+              <a:rPr lang="en-US" altLang="zh-TW" dirty="0"/>
+              <a:t>).</a:t>
+            </a:r>
+            <a:r>
+              <a:rPr lang="en-US" altLang="zh-TW" dirty="0">
+                <a:solidFill>
+                  <a:srgbClr val="C792EA"/>
+                </a:solidFill>
+              </a:rPr>
+              <a:t>select</a:t>
+            </a:r>
+            <a:r>
+              <a:rPr lang="en-US" altLang="zh-TW" dirty="0"/>
+              <a:t>(</a:t>
+            </a:r>
+            <a:r>
+              <a:rPr lang="en-US" altLang="zh-TW" dirty="0">
+                <a:solidFill>
+                  <a:srgbClr val="C3E88D"/>
+                </a:solidFill>
+              </a:rPr>
+              <a:t>'user-1'</a:t>
+            </a:r>
+            <a:r>
+              <a:rPr lang="en-US" altLang="zh-TW" dirty="0"/>
+              <a:t>) // Select the 'user-1' option</a:t>
+            </a:r>
+            <a:endParaRPr lang="zh-TW" altLang="en-US" dirty="0"/>
+          </a:p>
+        </p:txBody>
+      </p:sp>
+    </p:spTree>
+    <p:extLst>
+      <p:ext uri="{BB962C8B-B14F-4D97-AF65-F5344CB8AC3E}">
+        <p14:creationId xmlns:p14="http://schemas.microsoft.com/office/powerpoint/2010/main" val="921425100"/>
       </p:ext>
     </p:extLst>
   </p:cSld>

--- a/docs/cypress練習.pptx
+++ b/docs/cypress練習.pptx
@@ -5,26 +5,30 @@
     <p:sldMasterId id="2147483684" r:id="rId1"/>
   </p:sldMasterIdLst>
   <p:notesMasterIdLst>
-    <p:notesMasterId r:id="rId16"/>
+    <p:notesMasterId r:id="rId20"/>
   </p:notesMasterIdLst>
   <p:handoutMasterIdLst>
-    <p:handoutMasterId r:id="rId17"/>
+    <p:handoutMasterId r:id="rId21"/>
   </p:handoutMasterIdLst>
   <p:sldIdLst>
     <p:sldId id="270" r:id="rId2"/>
     <p:sldId id="271" r:id="rId3"/>
     <p:sldId id="275" r:id="rId4"/>
-    <p:sldId id="276" r:id="rId5"/>
-    <p:sldId id="280" r:id="rId6"/>
-    <p:sldId id="277" r:id="rId7"/>
-    <p:sldId id="278" r:id="rId8"/>
-    <p:sldId id="279" r:id="rId9"/>
-    <p:sldId id="283" r:id="rId10"/>
-    <p:sldId id="281" r:id="rId11"/>
-    <p:sldId id="282" r:id="rId12"/>
-    <p:sldId id="272" r:id="rId13"/>
-    <p:sldId id="273" r:id="rId14"/>
-    <p:sldId id="274" r:id="rId15"/>
+    <p:sldId id="284" r:id="rId5"/>
+    <p:sldId id="285" r:id="rId6"/>
+    <p:sldId id="286" r:id="rId7"/>
+    <p:sldId id="287" r:id="rId8"/>
+    <p:sldId id="276" r:id="rId9"/>
+    <p:sldId id="280" r:id="rId10"/>
+    <p:sldId id="277" r:id="rId11"/>
+    <p:sldId id="278" r:id="rId12"/>
+    <p:sldId id="279" r:id="rId13"/>
+    <p:sldId id="283" r:id="rId14"/>
+    <p:sldId id="281" r:id="rId15"/>
+    <p:sldId id="282" r:id="rId16"/>
+    <p:sldId id="272" r:id="rId17"/>
+    <p:sldId id="273" r:id="rId18"/>
+    <p:sldId id="274" r:id="rId19"/>
   </p:sldIdLst>
   <p:sldSz cx="12192000" cy="6858000"/>
   <p:notesSz cx="6858000" cy="9144000"/>
@@ -131,6 +135,14 @@
             <p14:sldId id="270"/>
             <p14:sldId id="271"/>
             <p14:sldId id="275"/>
+          </p14:sldIdLst>
+        </p14:section>
+        <p14:section name="開啟cypress" id="{689BA565-9E88-4215-B4EB-82A457FFEDCF}">
+          <p14:sldIdLst>
+            <p14:sldId id="284"/>
+            <p14:sldId id="285"/>
+            <p14:sldId id="286"/>
+            <p14:sldId id="287"/>
           </p14:sldIdLst>
         </p14:section>
         <p14:section name="語法" id="{7B0C799C-ECB0-4D23-A10C-B847B7A18162}">
@@ -8279,16 +8291,12 @@
   <p:clrMapOvr>
     <a:masterClrMapping/>
   </p:clrMapOvr>
-  <mc:AlternateContent xmlns:mc="http://schemas.openxmlformats.org/markup-compatibility/2006" xmlns:p14="http://schemas.microsoft.com/office/powerpoint/2010/main">
-    <mc:Choice Requires="p14">
-      <p:transition spd="med" p14:dur="700">
-        <p:fade/>
-      </p:transition>
+  <mc:AlternateContent xmlns:mc="http://schemas.openxmlformats.org/markup-compatibility/2006">
+    <mc:Choice xmlns:p14="http://schemas.microsoft.com/office/powerpoint/2010/main" Requires="p14">
+      <p:transition p14:dur="0"/>
     </mc:Choice>
-    <mc:Fallback xmlns="">
-      <p:transition spd="med">
-        <p:fade/>
-      </p:transition>
+    <mc:Fallback>
+      <p:transition/>
     </mc:Fallback>
   </mc:AlternateContent>
 </p:sld>
@@ -8316,7 +8324,7 @@
           <p:cNvPr id="2" name="標題 1">
             <a:extLst>
               <a:ext uri="{FF2B5EF4-FFF2-40B4-BE49-F238E27FC236}">
-                <a16:creationId xmlns:a16="http://schemas.microsoft.com/office/drawing/2014/main" id="{9C268AA6-36D7-3636-50CF-470EC0E1EA3F}"/>
+                <a16:creationId xmlns:a16="http://schemas.microsoft.com/office/drawing/2014/main" xmlns="" id="{75AFDBF1-FECF-6723-1095-18C5A329CF3A}"/>
               </a:ext>
             </a:extLst>
           </p:cNvPr>
@@ -8334,7 +8342,7 @@
           <a:p>
             <a:r>
               <a:rPr lang="en-US" altLang="zh-TW" dirty="0"/>
-              <a:t>find</a:t>
+              <a:t>click</a:t>
             </a:r>
             <a:endParaRPr lang="zh-TW" altLang="en-US" dirty="0"/>
           </a:p>
@@ -8345,7 +8353,7 @@
           <p:cNvPr id="3" name="內容版面配置區 2">
             <a:extLst>
               <a:ext uri="{FF2B5EF4-FFF2-40B4-BE49-F238E27FC236}">
-                <a16:creationId xmlns:a16="http://schemas.microsoft.com/office/drawing/2014/main" id="{31F09977-A59C-DAA6-28E1-C722F4CF9A29}"/>
+                <a16:creationId xmlns:a16="http://schemas.microsoft.com/office/drawing/2014/main" xmlns="" id="{B28A0A8A-E63F-524C-D052-60FBF7E2CDFD}"/>
               </a:ext>
             </a:extLst>
           </p:cNvPr>
@@ -8358,12 +8366,14 @@
         </p:nvSpPr>
         <p:spPr/>
         <p:txBody>
-          <a:bodyPr/>
+          <a:bodyPr>
+            <a:normAutofit/>
+          </a:bodyPr>
           <a:lstStyle/>
           <a:p>
             <a:r>
               <a:rPr lang="zh-TW" altLang="en-US" dirty="0"/>
-              <a:t>取得特定選擇器的後代 </a:t>
+              <a:t>單擊要使用的 </a:t>
             </a:r>
             <a:r>
               <a:rPr lang="en-US" altLang="zh-TW" dirty="0"/>
@@ -8376,13 +8386,6 @@
             <a:endParaRPr lang="en-US" altLang="zh-TW" dirty="0"/>
           </a:p>
           <a:p>
-            <a:r>
-              <a:rPr lang="zh-TW" altLang="en-US" dirty="0"/>
-              <a:t>一定要先有前面的元素</a:t>
-            </a:r>
-            <a:endParaRPr lang="en-US" altLang="zh-TW" dirty="0"/>
-          </a:p>
-          <a:p>
             <a:pPr lvl="1"/>
             <a:r>
               <a:rPr lang="en-US" altLang="zh-TW" dirty="0"/>
@@ -8394,11 +8397,11 @@
                   <a:srgbClr val="C792EA"/>
                 </a:solidFill>
               </a:rPr>
-              <a:t>find</a:t>
-            </a:r>
-            <a:r>
-              <a:rPr lang="en-US" altLang="zh-TW" dirty="0"/>
-              <a:t>(selector)</a:t>
+              <a:t>click</a:t>
+            </a:r>
+            <a:r>
+              <a:rPr lang="en-US" altLang="zh-TW" dirty="0"/>
+              <a:t>()</a:t>
             </a:r>
           </a:p>
           <a:p>
@@ -8413,11 +8416,49 @@
                   <a:srgbClr val="C792EA"/>
                 </a:solidFill>
               </a:rPr>
-              <a:t>find</a:t>
-            </a:r>
-            <a:r>
-              <a:rPr lang="en-US" altLang="zh-TW" dirty="0"/>
-              <a:t>(selector, options)</a:t>
+              <a:t>click</a:t>
+            </a:r>
+            <a:r>
+              <a:rPr lang="en-US" altLang="zh-TW" dirty="0"/>
+              <a:t>(position, options) </a:t>
+            </a:r>
+          </a:p>
+          <a:p>
+            <a:pPr lvl="1"/>
+            <a:r>
+              <a:rPr lang="en-US" altLang="zh-TW" dirty="0"/>
+              <a:t>.</a:t>
+            </a:r>
+            <a:r>
+              <a:rPr lang="en-US" altLang="zh-TW" dirty="0">
+                <a:solidFill>
+                  <a:srgbClr val="C792EA"/>
+                </a:solidFill>
+              </a:rPr>
+              <a:t>click</a:t>
+            </a:r>
+            <a:r>
+              <a:rPr lang="en-US" altLang="zh-TW" dirty="0"/>
+              <a:t>(x, y) </a:t>
+            </a:r>
+          </a:p>
+          <a:p>
+            <a:pPr lvl="1"/>
+            <a:r>
+              <a:rPr lang="en-US" altLang="zh-TW" dirty="0"/>
+              <a:t>.</a:t>
+            </a:r>
+            <a:r>
+              <a:rPr lang="en-US" altLang="zh-TW" dirty="0">
+                <a:solidFill>
+                  <a:srgbClr val="C792EA"/>
+                </a:solidFill>
+              </a:rPr>
+              <a:t>click</a:t>
+            </a:r>
+            <a:r>
+              <a:rPr lang="en-US" altLang="zh-TW" dirty="0"/>
+              <a:t>(x, y, options)</a:t>
             </a:r>
           </a:p>
           <a:p>
@@ -8454,7 +8495,23 @@
                   <a:srgbClr val="C3E88D"/>
                 </a:solidFill>
               </a:rPr>
-              <a:t>'.article'</a:t>
+              <a:t>'.</a:t>
+            </a:r>
+            <a:r>
+              <a:rPr lang="en-US" altLang="zh-TW" dirty="0" err="1">
+                <a:solidFill>
+                  <a:srgbClr val="C3E88D"/>
+                </a:solidFill>
+              </a:rPr>
+              <a:t>btn</a:t>
+            </a:r>
+            <a:r>
+              <a:rPr lang="en-US" altLang="zh-TW" dirty="0">
+                <a:solidFill>
+                  <a:srgbClr val="C3E88D"/>
+                </a:solidFill>
+              </a:rPr>
+              <a:t>'</a:t>
             </a:r>
             <a:r>
               <a:rPr lang="en-US" altLang="zh-TW" dirty="0"/>
@@ -8466,7 +8523,65 @@
                   <a:srgbClr val="C792EA"/>
                 </a:solidFill>
               </a:rPr>
-              <a:t>find</a:t>
+              <a:t>click</a:t>
+            </a:r>
+            <a:r>
+              <a:rPr lang="en-US" altLang="zh-TW" dirty="0"/>
+              <a:t>() // Click on button</a:t>
+            </a:r>
+          </a:p>
+          <a:p>
+            <a:pPr lvl="1"/>
+            <a:r>
+              <a:rPr lang="en-US" altLang="zh-TW" dirty="0" err="1"/>
+              <a:t>cy.</a:t>
+            </a:r>
+            <a:r>
+              <a:rPr lang="en-US" altLang="zh-TW" dirty="0" err="1">
+                <a:solidFill>
+                  <a:srgbClr val="C792EA"/>
+                </a:solidFill>
+              </a:rPr>
+              <a:t>focused</a:t>
+            </a:r>
+            <a:r>
+              <a:rPr lang="en-US" altLang="zh-TW" dirty="0"/>
+              <a:t>().</a:t>
+            </a:r>
+            <a:r>
+              <a:rPr lang="en-US" altLang="zh-TW" dirty="0">
+                <a:solidFill>
+                  <a:srgbClr val="C792EA"/>
+                </a:solidFill>
+              </a:rPr>
+              <a:t>click</a:t>
+            </a:r>
+            <a:r>
+              <a:rPr lang="en-US" altLang="zh-TW" dirty="0"/>
+              <a:t>() // Click on </a:t>
+            </a:r>
+            <a:r>
+              <a:rPr lang="en-US" altLang="zh-TW" dirty="0" err="1"/>
+              <a:t>el</a:t>
+            </a:r>
+            <a:r>
+              <a:rPr lang="en-US" altLang="zh-TW" dirty="0"/>
+              <a:t> with focus</a:t>
+            </a:r>
+          </a:p>
+          <a:p>
+            <a:pPr lvl="1"/>
+            <a:r>
+              <a:rPr lang="en-US" altLang="zh-TW" dirty="0" err="1"/>
+              <a:t>cy.</a:t>
+            </a:r>
+            <a:r>
+              <a:rPr lang="en-US" altLang="zh-TW" dirty="0" err="1">
+                <a:solidFill>
+                  <a:srgbClr val="C792EA"/>
+                </a:solidFill>
+              </a:rPr>
+              <a:t>contains</a:t>
             </a:r>
             <a:r>
               <a:rPr lang="en-US" altLang="zh-TW" dirty="0"/>
@@ -8478,38 +8593,77 @@
                   <a:srgbClr val="C3E88D"/>
                 </a:solidFill>
               </a:rPr>
-              <a:t>'footer'</a:t>
-            </a:r>
-            <a:r>
-              <a:rPr lang="en-US" altLang="zh-TW" dirty="0"/>
-              <a:t>) // Yield 'footer' within '.article'</a:t>
-            </a:r>
-            <a:endParaRPr lang="zh-TW" altLang="en-US" dirty="0"/>
-          </a:p>
-        </p:txBody>
-      </p:sp>
+              <a:t>'Welcome'</a:t>
+            </a:r>
+            <a:r>
+              <a:rPr lang="en-US" altLang="zh-TW" dirty="0"/>
+              <a:t>).</a:t>
+            </a:r>
+            <a:r>
+              <a:rPr lang="en-US" altLang="zh-TW" dirty="0">
+                <a:solidFill>
+                  <a:srgbClr val="C792EA"/>
+                </a:solidFill>
+              </a:rPr>
+              <a:t>click</a:t>
+            </a:r>
+            <a:r>
+              <a:rPr lang="en-US" altLang="zh-TW" dirty="0" smtClean="0"/>
+              <a:t>()</a:t>
+            </a:r>
+            <a:endParaRPr lang="en-US" altLang="zh-TW" dirty="0"/>
+          </a:p>
+        </p:txBody>
+      </p:sp>
+      <p:pic>
+        <p:nvPicPr>
+          <p:cNvPr id="4" name="圖片 3"/>
+          <p:cNvPicPr>
+            <a:picLocks noChangeAspect="1"/>
+          </p:cNvPicPr>
+          <p:nvPr/>
+        </p:nvPicPr>
+        <p:blipFill>
+          <a:blip r:embed="rId2"/>
+          <a:stretch>
+            <a:fillRect/>
+          </a:stretch>
+        </p:blipFill>
+        <p:spPr>
+          <a:xfrm>
+            <a:off x="4777304" y="1580050"/>
+            <a:ext cx="7224903" cy="4792758"/>
+          </a:xfrm>
+          <a:prstGeom prst="rect">
+            <a:avLst/>
+          </a:prstGeom>
+        </p:spPr>
+      </p:pic>
     </p:spTree>
     <p:extLst>
       <p:ext uri="{BB962C8B-B14F-4D97-AF65-F5344CB8AC3E}">
-        <p14:creationId xmlns:p14="http://schemas.microsoft.com/office/powerpoint/2010/main" val="3909513770"/>
+        <p14:creationId xmlns:p14="http://schemas.microsoft.com/office/powerpoint/2010/main" val="2394020136"/>
       </p:ext>
     </p:extLst>
   </p:cSld>
   <p:clrMapOvr>
     <a:masterClrMapping/>
   </p:clrMapOvr>
-  <mc:AlternateContent xmlns:mc="http://schemas.openxmlformats.org/markup-compatibility/2006" xmlns:p14="http://schemas.microsoft.com/office/powerpoint/2010/main">
-    <mc:Choice Requires="p14">
-      <p:transition spd="med" p14:dur="700">
-        <p:fade/>
-      </p:transition>
+  <mc:AlternateContent xmlns:mc="http://schemas.openxmlformats.org/markup-compatibility/2006">
+    <mc:Choice xmlns:p14="http://schemas.microsoft.com/office/powerpoint/2010/main" Requires="p14">
+      <p:transition p14:dur="0"/>
     </mc:Choice>
-    <mc:Fallback xmlns="">
-      <p:transition spd="med">
-        <p:fade/>
-      </p:transition>
+    <mc:Fallback>
+      <p:transition/>
     </mc:Fallback>
   </mc:AlternateContent>
+  <p:timing>
+    <p:tnLst>
+      <p:par>
+        <p:cTn id="1" dur="indefinite" restart="never" nodeType="tmRoot"/>
+      </p:par>
+    </p:tnLst>
+  </p:timing>
 </p:sld>
 </file>
 
@@ -8535,7 +8689,7 @@
           <p:cNvPr id="2" name="標題 1">
             <a:extLst>
               <a:ext uri="{FF2B5EF4-FFF2-40B4-BE49-F238E27FC236}">
-                <a16:creationId xmlns:a16="http://schemas.microsoft.com/office/drawing/2014/main" id="{E153B9BB-0562-A3AF-3444-1F34AB999432}"/>
+                <a16:creationId xmlns:a16="http://schemas.microsoft.com/office/drawing/2014/main" xmlns="" id="{5EBAB03E-58B3-1007-B5B7-C622834FEAB7}"/>
               </a:ext>
             </a:extLst>
           </p:cNvPr>
@@ -8553,7 +8707,7 @@
           <a:p>
             <a:r>
               <a:rPr lang="en-US" altLang="zh-TW" dirty="0"/>
-              <a:t>wait</a:t>
+              <a:t>type</a:t>
             </a:r>
             <a:endParaRPr lang="zh-TW" altLang="en-US" dirty="0"/>
           </a:p>
@@ -8564,7 +8718,7 @@
           <p:cNvPr id="3" name="內容版面配置區 2">
             <a:extLst>
               <a:ext uri="{FF2B5EF4-FFF2-40B4-BE49-F238E27FC236}">
-                <a16:creationId xmlns:a16="http://schemas.microsoft.com/office/drawing/2014/main" id="{E5EC9B84-E0C9-D666-E2C0-B78D43A01394}"/>
+                <a16:creationId xmlns:a16="http://schemas.microsoft.com/office/drawing/2014/main" xmlns="" id="{15AE9A5C-D036-0878-AAA7-3DE416FE07ED}"/>
               </a:ext>
             </a:extLst>
           </p:cNvPr>
@@ -8582,52 +8736,65 @@
           <a:p>
             <a:r>
               <a:rPr lang="zh-TW" altLang="en-US" dirty="0"/>
-              <a:t>等待幾毫秒或等待別名資源解析，然後再繼續執行下一個指令</a:t>
+              <a:t>填滿所需 </a:t>
+            </a:r>
+            <a:r>
+              <a:rPr lang="en-US" altLang="zh-TW" dirty="0"/>
+              <a:t>DOM </a:t>
+            </a:r>
+            <a:r>
+              <a:rPr lang="zh-TW" altLang="en-US" dirty="0"/>
+              <a:t>元素</a:t>
             </a:r>
             <a:endParaRPr lang="en-US" altLang="zh-TW" dirty="0"/>
           </a:p>
           <a:p>
-            <a:r>
-              <a:rPr lang="en-US" altLang="zh-TW" dirty="0"/>
-              <a:t>Cypress</a:t>
-            </a:r>
+            <a:pPr lvl="1"/>
+            <a:r>
+              <a:rPr lang="en-US" altLang="zh-TW" dirty="0"/>
+              <a:t>.</a:t>
+            </a:r>
+            <a:r>
+              <a:rPr lang="en-US" altLang="zh-TW" dirty="0">
+                <a:solidFill>
+                  <a:srgbClr val="C792EA"/>
+                </a:solidFill>
+              </a:rPr>
+              <a:t>type</a:t>
+            </a:r>
+            <a:r>
+              <a:rPr lang="en-US" altLang="zh-TW" dirty="0"/>
+              <a:t>(text)</a:t>
+            </a:r>
+          </a:p>
+          <a:p>
+            <a:pPr lvl="1"/>
+            <a:r>
+              <a:rPr lang="en-US" altLang="zh-TW" dirty="0"/>
+              <a:t>.</a:t>
+            </a:r>
+            <a:r>
+              <a:rPr lang="en-US" altLang="zh-TW" dirty="0">
+                <a:solidFill>
+                  <a:srgbClr val="C792EA"/>
+                </a:solidFill>
+              </a:rPr>
+              <a:t>type</a:t>
+            </a:r>
+            <a:r>
+              <a:rPr lang="en-US" altLang="zh-TW" dirty="0"/>
+              <a:t>(text, options)</a:t>
+            </a:r>
+          </a:p>
+          <a:p>
             <a:r>
               <a:rPr lang="zh-TW" altLang="en-US" dirty="0"/>
-              <a:t>原本就會等待</a:t>
-            </a:r>
-            <a:r>
-              <a:rPr lang="en-US" altLang="zh-TW" dirty="0"/>
-              <a:t>request</a:t>
-            </a:r>
-            <a:r>
-              <a:rPr lang="zh-TW" altLang="en-US" dirty="0"/>
-              <a:t>回來</a:t>
-            </a:r>
-            <a:r>
-              <a:rPr lang="en-US" altLang="zh-TW" dirty="0"/>
-              <a:t>(5</a:t>
-            </a:r>
-            <a:r>
-              <a:rPr lang="zh-TW" altLang="en-US" dirty="0"/>
-              <a:t>秒內</a:t>
-            </a:r>
-            <a:r>
-              <a:rPr lang="en-US" altLang="zh-TW" dirty="0"/>
-              <a:t>)</a:t>
-            </a:r>
-            <a:r>
-              <a:rPr lang="zh-TW" altLang="en-US" dirty="0"/>
-              <a:t>，但是</a:t>
-            </a:r>
-            <a:r>
-              <a:rPr lang="en-US" altLang="zh-TW" dirty="0"/>
-              <a:t>!!</a:t>
-            </a:r>
-            <a:r>
-              <a:rPr lang="zh-TW" altLang="en-US" dirty="0"/>
-              <a:t> 頁面渲染或等待運算不在等待時間內</a:t>
-            </a:r>
-            <a:endParaRPr lang="en-US" altLang="zh-TW" dirty="0"/>
+              <a:t>✅</a:t>
+            </a:r>
+            <a:r>
+              <a:rPr lang="en-US" altLang="zh-TW" dirty="0"/>
+              <a:t>Correct Usage</a:t>
+            </a:r>
           </a:p>
           <a:p>
             <a:pPr lvl="1"/>
@@ -8641,55 +8808,31 @@
                   <a:srgbClr val="C792EA"/>
                 </a:solidFill>
               </a:rPr>
-              <a:t>wait</a:t>
-            </a:r>
-            <a:r>
-              <a:rPr lang="en-US" altLang="zh-TW" dirty="0"/>
-              <a:t>(time)</a:t>
-            </a:r>
-          </a:p>
-          <a:p>
-            <a:pPr lvl="1"/>
-            <a:r>
-              <a:rPr lang="en-US" altLang="zh-TW" dirty="0" err="1"/>
-              <a:t>cy.</a:t>
-            </a:r>
-            <a:r>
-              <a:rPr lang="en-US" altLang="zh-TW" dirty="0" err="1">
+              <a:t>get</a:t>
+            </a:r>
+            <a:r>
+              <a:rPr lang="en-US" altLang="zh-TW" dirty="0"/>
+              <a:t>(</a:t>
+            </a:r>
+            <a:r>
+              <a:rPr lang="en-US" altLang="zh-TW" dirty="0">
+                <a:solidFill>
+                  <a:srgbClr val="C3E88D"/>
+                </a:solidFill>
+              </a:rPr>
+              <a:t>'input'</a:t>
+            </a:r>
+            <a:r>
+              <a:rPr lang="en-US" altLang="zh-TW" dirty="0"/>
+              <a:t>).</a:t>
+            </a:r>
+            <a:r>
+              <a:rPr lang="en-US" altLang="zh-TW" dirty="0">
                 <a:solidFill>
                   <a:srgbClr val="C792EA"/>
                 </a:solidFill>
               </a:rPr>
-              <a:t>wait</a:t>
-            </a:r>
-            <a:r>
-              <a:rPr lang="en-US" altLang="zh-TW" dirty="0"/>
-              <a:t>(alias)</a:t>
-            </a:r>
-          </a:p>
-          <a:p>
-            <a:r>
-              <a:rPr lang="zh-TW" altLang="en-US" dirty="0"/>
-              <a:t>✅</a:t>
-            </a:r>
-            <a:r>
-              <a:rPr lang="en-US" altLang="zh-TW" dirty="0"/>
-              <a:t>Correct Usage</a:t>
-            </a:r>
-          </a:p>
-          <a:p>
-            <a:pPr lvl="1"/>
-            <a:r>
-              <a:rPr lang="en-US" altLang="zh-TW" dirty="0" err="1"/>
-              <a:t>cy.</a:t>
-            </a:r>
-            <a:r>
-              <a:rPr lang="en-US" altLang="zh-TW" dirty="0" err="1">
-                <a:solidFill>
-                  <a:srgbClr val="C792EA"/>
-                </a:solidFill>
-              </a:rPr>
-              <a:t>wait</a:t>
+              <a:t>type</a:t>
             </a:r>
             <a:r>
               <a:rPr lang="en-US" altLang="zh-TW" dirty="0"/>
@@ -8701,109 +8844,73 @@
                   <a:srgbClr val="C3E88D"/>
                 </a:solidFill>
               </a:rPr>
-              <a:t>500</a:t>
-            </a:r>
-            <a:r>
-              <a:rPr lang="en-US" altLang="zh-TW" dirty="0"/>
+              <a:t>'Hello, World</a:t>
+            </a:r>
+            <a:r>
+              <a:rPr lang="en-US" altLang="zh-TW" dirty="0" smtClean="0">
+                <a:solidFill>
+                  <a:srgbClr val="C3E88D"/>
+                </a:solidFill>
+              </a:rPr>
+              <a:t>'</a:t>
+            </a:r>
+            <a:r>
+              <a:rPr lang="en-US" altLang="zh-TW" dirty="0" smtClean="0"/>
               <a:t>)</a:t>
             </a:r>
-          </a:p>
-          <a:p>
-            <a:pPr lvl="1"/>
-            <a:r>
-              <a:rPr lang="en-US" altLang="zh-TW" dirty="0" err="1"/>
-              <a:t>cy.</a:t>
-            </a:r>
-            <a:r>
-              <a:rPr lang="en-US" altLang="zh-TW" dirty="0" err="1">
-                <a:solidFill>
-                  <a:srgbClr val="C792EA"/>
-                </a:solidFill>
-              </a:rPr>
-              <a:t>wait</a:t>
-            </a:r>
-            <a:r>
-              <a:rPr lang="en-US" altLang="zh-TW" dirty="0"/>
-              <a:t>(</a:t>
-            </a:r>
-            <a:r>
-              <a:rPr lang="en-US" altLang="zh-TW" dirty="0">
-                <a:solidFill>
-                  <a:srgbClr val="C3E88D"/>
-                </a:solidFill>
-              </a:rPr>
-              <a:t>'@</a:t>
-            </a:r>
-            <a:r>
-              <a:rPr lang="en-US" altLang="zh-TW" dirty="0" err="1">
-                <a:solidFill>
-                  <a:srgbClr val="C3E88D"/>
-                </a:solidFill>
-              </a:rPr>
-              <a:t>getProfile</a:t>
-            </a:r>
-            <a:r>
-              <a:rPr lang="en-US" altLang="zh-TW" dirty="0">
-                <a:solidFill>
-                  <a:srgbClr val="C3E88D"/>
-                </a:solidFill>
-              </a:rPr>
-              <a:t>’</a:t>
-            </a:r>
-            <a:r>
-              <a:rPr lang="en-US" altLang="zh-TW" dirty="0"/>
-              <a:t>).</a:t>
-            </a:r>
-            <a:r>
-              <a:rPr lang="en-US" altLang="zh-TW" dirty="0">
-                <a:solidFill>
-                  <a:srgbClr val="C792EA"/>
-                </a:solidFill>
-              </a:rPr>
-              <a:t>wait</a:t>
-            </a:r>
-            <a:r>
-              <a:rPr lang="en-US" altLang="zh-TW" dirty="0"/>
-              <a:t>(</a:t>
-            </a:r>
-            <a:r>
-              <a:rPr lang="en-US" altLang="zh-TW" dirty="0">
-                <a:solidFill>
-                  <a:srgbClr val="C3E88D"/>
-                </a:solidFill>
-              </a:rPr>
-              <a:t>500</a:t>
-            </a:r>
-            <a:r>
-              <a:rPr lang="en-US" altLang="zh-TW" dirty="0"/>
-              <a:t>)</a:t>
-            </a:r>
-            <a:endParaRPr lang="zh-TW" altLang="en-US" dirty="0"/>
-          </a:p>
-        </p:txBody>
-      </p:sp>
+            <a:endParaRPr lang="en-US" altLang="zh-TW" dirty="0"/>
+          </a:p>
+        </p:txBody>
+      </p:sp>
+      <p:pic>
+        <p:nvPicPr>
+          <p:cNvPr id="4" name="圖片 3"/>
+          <p:cNvPicPr>
+            <a:picLocks noChangeAspect="1"/>
+          </p:cNvPicPr>
+          <p:nvPr/>
+        </p:nvPicPr>
+        <p:blipFill>
+          <a:blip r:embed="rId2"/>
+          <a:stretch>
+            <a:fillRect/>
+          </a:stretch>
+        </p:blipFill>
+        <p:spPr>
+          <a:xfrm>
+            <a:off x="5529793" y="1520117"/>
+            <a:ext cx="6454927" cy="5235246"/>
+          </a:xfrm>
+          <a:prstGeom prst="rect">
+            <a:avLst/>
+          </a:prstGeom>
+        </p:spPr>
+      </p:pic>
     </p:spTree>
     <p:extLst>
       <p:ext uri="{BB962C8B-B14F-4D97-AF65-F5344CB8AC3E}">
-        <p14:creationId xmlns:p14="http://schemas.microsoft.com/office/powerpoint/2010/main" val="3020010978"/>
+        <p14:creationId xmlns:p14="http://schemas.microsoft.com/office/powerpoint/2010/main" val="2688066183"/>
       </p:ext>
     </p:extLst>
   </p:cSld>
   <p:clrMapOvr>
     <a:masterClrMapping/>
   </p:clrMapOvr>
-  <mc:AlternateContent xmlns:mc="http://schemas.openxmlformats.org/markup-compatibility/2006" xmlns:p14="http://schemas.microsoft.com/office/powerpoint/2010/main">
-    <mc:Choice Requires="p14">
-      <p:transition spd="med" p14:dur="700">
-        <p:fade/>
-      </p:transition>
+  <mc:AlternateContent xmlns:mc="http://schemas.openxmlformats.org/markup-compatibility/2006">
+    <mc:Choice xmlns:p14="http://schemas.microsoft.com/office/powerpoint/2010/main" Requires="p14">
+      <p:transition p14:dur="0"/>
     </mc:Choice>
-    <mc:Fallback xmlns="">
-      <p:transition spd="med">
-        <p:fade/>
-      </p:transition>
+    <mc:Fallback>
+      <p:transition/>
     </mc:Fallback>
   </mc:AlternateContent>
+  <p:timing>
+    <p:tnLst>
+      <p:par>
+        <p:cTn id="1" dur="indefinite" restart="never" nodeType="tmRoot"/>
+      </p:par>
+    </p:tnLst>
+  </p:timing>
 </p:sld>
 </file>
 
@@ -8829,7 +8936,7 @@
           <p:cNvPr id="2" name="標題 1">
             <a:extLst>
               <a:ext uri="{FF2B5EF4-FFF2-40B4-BE49-F238E27FC236}">
-                <a16:creationId xmlns:a16="http://schemas.microsoft.com/office/drawing/2014/main" id="{4D2111AD-50C2-A99B-253B-AF3DCC03C043}"/>
+                <a16:creationId xmlns:a16="http://schemas.microsoft.com/office/drawing/2014/main" xmlns="" id="{5C197964-5331-C529-1701-716D63EE8DFC}"/>
               </a:ext>
             </a:extLst>
           </p:cNvPr>
@@ -8847,15 +8954,7 @@
           <a:p>
             <a:r>
               <a:rPr lang="en-US" altLang="zh-TW" dirty="0"/>
-              <a:t>Cypress</a:t>
-            </a:r>
-            <a:r>
-              <a:rPr lang="zh-TW" altLang="en-US" dirty="0"/>
-              <a:t> </a:t>
-            </a:r>
-            <a:r>
-              <a:rPr lang="en-US" altLang="zh-TW" dirty="0"/>
-              <a:t>Training</a:t>
+              <a:t>check</a:t>
             </a:r>
             <a:endParaRPr lang="zh-TW" altLang="en-US" dirty="0"/>
           </a:p>
@@ -8866,7 +8965,7 @@
           <p:cNvPr id="3" name="內容版面配置區 2">
             <a:extLst>
               <a:ext uri="{FF2B5EF4-FFF2-40B4-BE49-F238E27FC236}">
-                <a16:creationId xmlns:a16="http://schemas.microsoft.com/office/drawing/2014/main" id="{C91DF566-8477-F2ED-BEE0-0C1D8EE24AB9}"/>
+                <a16:creationId xmlns:a16="http://schemas.microsoft.com/office/drawing/2014/main" xmlns="" id="{A0E3D85B-B25B-222F-0159-B0D9ADCE6B39}"/>
               </a:ext>
             </a:extLst>
           </p:cNvPr>
@@ -8884,102 +8983,215 @@
           <a:p>
             <a:r>
               <a:rPr lang="zh-TW" altLang="en-US" dirty="0"/>
-              <a:t>決定測試目標</a:t>
+              <a:t>勾選所需 </a:t>
+            </a:r>
+            <a:r>
+              <a:rPr lang="en-US" altLang="zh-TW" dirty="0"/>
+              <a:t>DOM</a:t>
+            </a:r>
+            <a:r>
+              <a:rPr lang="zh-TW" altLang="en-US" dirty="0"/>
+              <a:t> 元素</a:t>
             </a:r>
             <a:endParaRPr lang="en-US" altLang="zh-TW" dirty="0"/>
           </a:p>
           <a:p>
+            <a:pPr lvl="1"/>
+            <a:r>
+              <a:rPr lang="en-US" altLang="zh-TW" dirty="0"/>
+              <a:t>.</a:t>
+            </a:r>
+            <a:r>
+              <a:rPr lang="en-US" altLang="zh-TW" dirty="0">
+                <a:solidFill>
+                  <a:srgbClr val="C792EA"/>
+                </a:solidFill>
+              </a:rPr>
+              <a:t>check</a:t>
+            </a:r>
+            <a:r>
+              <a:rPr lang="en-US" altLang="zh-TW" dirty="0"/>
+              <a:t>()</a:t>
+            </a:r>
+          </a:p>
+          <a:p>
+            <a:pPr lvl="1"/>
+            <a:r>
+              <a:rPr lang="en-US" altLang="zh-TW" dirty="0"/>
+              <a:t>.</a:t>
+            </a:r>
+            <a:r>
+              <a:rPr lang="en-US" altLang="zh-TW" dirty="0">
+                <a:solidFill>
+                  <a:srgbClr val="C792EA"/>
+                </a:solidFill>
+              </a:rPr>
+              <a:t>check</a:t>
+            </a:r>
+            <a:r>
+              <a:rPr lang="en-US" altLang="zh-TW" dirty="0"/>
+              <a:t>(text, options)</a:t>
+            </a:r>
+          </a:p>
+          <a:p>
             <a:r>
               <a:rPr lang="zh-TW" altLang="en-US" dirty="0"/>
-              <a:t>預期測試結果</a:t>
-            </a:r>
-            <a:endParaRPr lang="en-US" altLang="zh-TW" dirty="0"/>
-          </a:p>
-          <a:p>
-            <a:r>
-              <a:rPr lang="zh-TW" altLang="en-US" dirty="0"/>
-              <a:t>回頭決定測試變數</a:t>
-            </a:r>
-            <a:endParaRPr lang="en-US" altLang="zh-TW" dirty="0"/>
-          </a:p>
-          <a:p>
-            <a:r>
-              <a:rPr lang="zh-TW" altLang="en-US" dirty="0"/>
-              <a:t>寫程式</a:t>
-            </a:r>
-            <a:br>
-              <a:rPr lang="en-US" altLang="zh-TW" dirty="0"/>
-            </a:br>
-            <a:r>
-              <a:rPr lang="en-US" altLang="zh-TW" dirty="0"/>
-              <a:t>loop{</a:t>
-            </a:r>
-            <a:br>
-              <a:rPr lang="en-US" altLang="zh-TW" dirty="0"/>
-            </a:br>
-            <a:r>
-              <a:rPr lang="en-US" altLang="zh-TW" dirty="0"/>
-              <a:t>	</a:t>
-            </a:r>
-            <a:r>
-              <a:rPr lang="zh-TW" altLang="en-US" dirty="0"/>
-              <a:t>尋找畫面元件位置</a:t>
-            </a:r>
-            <a:br>
-              <a:rPr lang="en-US" altLang="zh-TW" dirty="0"/>
-            </a:br>
-            <a:r>
-              <a:rPr lang="en-US" altLang="zh-TW" dirty="0"/>
-              <a:t>	</a:t>
-            </a:r>
-            <a:r>
-              <a:rPr lang="zh-TW" altLang="en-US" dirty="0"/>
-              <a:t>撰寫測試變數</a:t>
-            </a:r>
-            <a:br>
-              <a:rPr lang="en-US" altLang="zh-TW" dirty="0"/>
-            </a:br>
-            <a:r>
-              <a:rPr lang="en-US" altLang="zh-TW" dirty="0"/>
-              <a:t>	</a:t>
-            </a:r>
-            <a:r>
-              <a:rPr lang="zh-TW" altLang="en-US" dirty="0"/>
-              <a:t>下斷言</a:t>
-            </a:r>
-            <a:br>
-              <a:rPr lang="en-US" altLang="zh-TW" dirty="0"/>
-            </a:br>
-            <a:r>
-              <a:rPr lang="en-US" altLang="zh-TW" dirty="0"/>
-              <a:t>}</a:t>
-            </a:r>
-            <a:endParaRPr lang="zh-TW" altLang="en-US" dirty="0"/>
-          </a:p>
-        </p:txBody>
-      </p:sp>
+              <a:t>✅</a:t>
+            </a:r>
+            <a:r>
+              <a:rPr lang="en-US" altLang="zh-TW" dirty="0"/>
+              <a:t>Correct Usage</a:t>
+            </a:r>
+          </a:p>
+          <a:p>
+            <a:pPr lvl="1"/>
+            <a:r>
+              <a:rPr lang="en-US" altLang="zh-TW" dirty="0" err="1"/>
+              <a:t>cy.</a:t>
+            </a:r>
+            <a:r>
+              <a:rPr lang="en-US" altLang="zh-TW" dirty="0" err="1">
+                <a:solidFill>
+                  <a:srgbClr val="C792EA"/>
+                </a:solidFill>
+              </a:rPr>
+              <a:t>get</a:t>
+            </a:r>
+            <a:r>
+              <a:rPr lang="en-US" altLang="zh-TW" dirty="0"/>
+              <a:t>(</a:t>
+            </a:r>
+            <a:r>
+              <a:rPr lang="en-US" altLang="zh-TW" dirty="0">
+                <a:solidFill>
+                  <a:srgbClr val="C3E88D"/>
+                </a:solidFill>
+              </a:rPr>
+              <a:t>'[type="checkbox"]'</a:t>
+            </a:r>
+            <a:r>
+              <a:rPr lang="en-US" altLang="zh-TW" dirty="0"/>
+              <a:t>).</a:t>
+            </a:r>
+            <a:r>
+              <a:rPr lang="en-US" altLang="zh-TW" dirty="0">
+                <a:solidFill>
+                  <a:srgbClr val="C792EA"/>
+                </a:solidFill>
+              </a:rPr>
+              <a:t>check</a:t>
+            </a:r>
+            <a:r>
+              <a:rPr lang="en-US" altLang="zh-TW" dirty="0"/>
+              <a:t>() // Check checkbox element</a:t>
+            </a:r>
+          </a:p>
+          <a:p>
+            <a:pPr lvl="1"/>
+            <a:r>
+              <a:rPr lang="en-US" altLang="zh-TW" dirty="0" err="1"/>
+              <a:t>cy.</a:t>
+            </a:r>
+            <a:r>
+              <a:rPr lang="en-US" altLang="zh-TW" dirty="0" err="1">
+                <a:solidFill>
+                  <a:srgbClr val="C792EA"/>
+                </a:solidFill>
+              </a:rPr>
+              <a:t>get</a:t>
+            </a:r>
+            <a:r>
+              <a:rPr lang="en-US" altLang="zh-TW" dirty="0"/>
+              <a:t>(</a:t>
+            </a:r>
+            <a:r>
+              <a:rPr lang="en-US" altLang="zh-TW" dirty="0">
+                <a:solidFill>
+                  <a:srgbClr val="C3E88D"/>
+                </a:solidFill>
+              </a:rPr>
+              <a:t>'[type="radio"]'</a:t>
+            </a:r>
+            <a:r>
+              <a:rPr lang="en-US" altLang="zh-TW" dirty="0"/>
+              <a:t>).</a:t>
+            </a:r>
+            <a:r>
+              <a:rPr lang="en-US" altLang="zh-TW" dirty="0">
+                <a:solidFill>
+                  <a:srgbClr val="C792EA"/>
+                </a:solidFill>
+              </a:rPr>
+              <a:t>first</a:t>
+            </a:r>
+            <a:r>
+              <a:rPr lang="en-US" altLang="zh-TW" dirty="0"/>
+              <a:t>().</a:t>
+            </a:r>
+            <a:r>
+              <a:rPr lang="en-US" altLang="zh-TW" dirty="0">
+                <a:solidFill>
+                  <a:srgbClr val="C792EA"/>
+                </a:solidFill>
+              </a:rPr>
+              <a:t>check</a:t>
+            </a:r>
+            <a:r>
+              <a:rPr lang="en-US" altLang="zh-TW" dirty="0"/>
+              <a:t>() // Check first radio element</a:t>
+            </a:r>
+          </a:p>
+        </p:txBody>
+      </p:sp>
+      <p:pic>
+        <p:nvPicPr>
+          <p:cNvPr id="4" name="圖片 3"/>
+          <p:cNvPicPr>
+            <a:picLocks noChangeAspect="1"/>
+          </p:cNvPicPr>
+          <p:nvPr/>
+        </p:nvPicPr>
+        <p:blipFill>
+          <a:blip r:embed="rId2"/>
+          <a:stretch>
+            <a:fillRect/>
+          </a:stretch>
+        </p:blipFill>
+        <p:spPr>
+          <a:xfrm>
+            <a:off x="5738327" y="1580050"/>
+            <a:ext cx="6227028" cy="5073648"/>
+          </a:xfrm>
+          <a:prstGeom prst="rect">
+            <a:avLst/>
+          </a:prstGeom>
+        </p:spPr>
+      </p:pic>
     </p:spTree>
     <p:extLst>
       <p:ext uri="{BB962C8B-B14F-4D97-AF65-F5344CB8AC3E}">
-        <p14:creationId xmlns:p14="http://schemas.microsoft.com/office/powerpoint/2010/main" val="743323291"/>
+        <p14:creationId xmlns:p14="http://schemas.microsoft.com/office/powerpoint/2010/main" val="3321241520"/>
       </p:ext>
     </p:extLst>
   </p:cSld>
   <p:clrMapOvr>
     <a:masterClrMapping/>
   </p:clrMapOvr>
-  <mc:AlternateContent xmlns:mc="http://schemas.openxmlformats.org/markup-compatibility/2006" xmlns:p14="http://schemas.microsoft.com/office/powerpoint/2010/main">
-    <mc:Choice Requires="p14">
-      <p:transition spd="med" p14:dur="700">
-        <p:fade/>
-      </p:transition>
+  <mc:AlternateContent xmlns:mc="http://schemas.openxmlformats.org/markup-compatibility/2006">
+    <mc:Choice xmlns:p14="http://schemas.microsoft.com/office/powerpoint/2010/main" Requires="p14">
+      <p:transition p14:dur="0"/>
     </mc:Choice>
-    <mc:Fallback xmlns="">
-      <p:transition spd="med">
-        <p:fade/>
-      </p:transition>
+    <mc:Fallback>
+      <p:transition/>
     </mc:Fallback>
   </mc:AlternateContent>
+  <p:timing>
+    <p:tnLst>
+      <p:par>
+        <p:cTn id="1" dur="indefinite" restart="never" nodeType="tmRoot"/>
+      </p:par>
+    </p:tnLst>
+  </p:timing>
 </p:sld>
 </file>
 
@@ -9005,7 +9217,7 @@
           <p:cNvPr id="2" name="標題 1">
             <a:extLst>
               <a:ext uri="{FF2B5EF4-FFF2-40B4-BE49-F238E27FC236}">
-                <a16:creationId xmlns:a16="http://schemas.microsoft.com/office/drawing/2014/main" id="{9693FCA9-CA84-2991-FE2D-D71B336ED254}"/>
+                <a16:creationId xmlns:a16="http://schemas.microsoft.com/office/drawing/2014/main" xmlns="" id="{9CBFFC8C-FABA-EE41-63FF-BB1674F79167}"/>
               </a:ext>
             </a:extLst>
           </p:cNvPr>
@@ -9023,7 +9235,7 @@
           <a:p>
             <a:r>
               <a:rPr lang="en-US" altLang="zh-TW" dirty="0"/>
-              <a:t>Start &amp; Thinking </a:t>
+              <a:t>select</a:t>
             </a:r>
             <a:endParaRPr lang="zh-TW" altLang="en-US" dirty="0"/>
           </a:p>
@@ -9034,7 +9246,7 @@
           <p:cNvPr id="3" name="內容版面配置區 2">
             <a:extLst>
               <a:ext uri="{FF2B5EF4-FFF2-40B4-BE49-F238E27FC236}">
-                <a16:creationId xmlns:a16="http://schemas.microsoft.com/office/drawing/2014/main" id="{F01BABB9-B22A-9D7F-B79A-BF1309EA2F3F}"/>
+                <a16:creationId xmlns:a16="http://schemas.microsoft.com/office/drawing/2014/main" xmlns="" id="{3D478A9D-E89E-DA58-3A2F-2B15D0A4347B}"/>
               </a:ext>
             </a:extLst>
           </p:cNvPr>
@@ -9052,224 +9264,201 @@
           <a:p>
             <a:r>
               <a:rPr lang="zh-TW" altLang="en-US" dirty="0"/>
-              <a:t>決定測試目標</a:t>
+              <a:t>在 </a:t>
+            </a:r>
+            <a:r>
+              <a:rPr lang="en-US" altLang="zh-TW" dirty="0"/>
+              <a:t>&lt;select&gt; </a:t>
+            </a:r>
+            <a:r>
+              <a:rPr lang="zh-TW" altLang="en-US" dirty="0"/>
+              <a:t>中選擇</a:t>
+            </a:r>
+            <a:r>
+              <a:rPr lang="zh-TW" altLang="en-US" dirty="0" smtClean="0"/>
+              <a:t>一個</a:t>
+            </a:r>
+            <a:r>
+              <a:rPr lang="en-US" altLang="zh-TW" dirty="0" smtClean="0"/>
+              <a:t/>
             </a:r>
             <a:br>
-              <a:rPr lang="en-US" altLang="zh-TW" dirty="0"/>
+              <a:rPr lang="en-US" altLang="zh-TW" dirty="0" smtClean="0"/>
             </a:br>
             <a:r>
-              <a:rPr lang="zh-TW" altLang="en-US" dirty="0">
-                <a:solidFill>
-                  <a:srgbClr val="FFFF00"/>
-                </a:solidFill>
-              </a:rPr>
-              <a:t>完成被保險人登打</a:t>
-            </a:r>
-            <a:br>
+              <a:rPr lang="zh-TW" altLang="en-US" dirty="0" smtClean="0"/>
+              <a:t> </a:t>
+            </a:r>
+            <a:r>
+              <a:rPr lang="en-US" altLang="zh-TW" dirty="0"/>
+              <a:t>&lt;option&gt;</a:t>
+            </a:r>
+          </a:p>
+          <a:p>
+            <a:r>
+              <a:rPr lang="zh-TW" altLang="en-US" dirty="0"/>
+              <a:t>一定要先找到</a:t>
+            </a:r>
+            <a:r>
+              <a:rPr lang="en-US" altLang="zh-TW" dirty="0"/>
+              <a:t>&lt;select&gt;</a:t>
+            </a:r>
+          </a:p>
+          <a:p>
+            <a:pPr lvl="1"/>
+            <a:r>
+              <a:rPr lang="en-US" altLang="zh-TW" dirty="0"/>
+              <a:t>.</a:t>
+            </a:r>
+            <a:r>
               <a:rPr lang="en-US" altLang="zh-TW" dirty="0">
                 <a:solidFill>
-                  <a:srgbClr val="FFFF00"/>
-                </a:solidFill>
-              </a:rPr>
-            </a:br>
-            <a:endParaRPr lang="en-US" altLang="zh-TW" dirty="0">
-              <a:solidFill>
-                <a:srgbClr val="FFFF00"/>
-              </a:solidFill>
-            </a:endParaRPr>
+                  <a:srgbClr val="C792EA"/>
+                </a:solidFill>
+              </a:rPr>
+              <a:t>select</a:t>
+            </a:r>
+            <a:r>
+              <a:rPr lang="en-US" altLang="zh-TW" dirty="0"/>
+              <a:t>(value)</a:t>
+            </a:r>
+          </a:p>
+          <a:p>
+            <a:pPr lvl="1"/>
+            <a:r>
+              <a:rPr lang="en-US" altLang="zh-TW" dirty="0"/>
+              <a:t>.</a:t>
+            </a:r>
+            <a:r>
+              <a:rPr lang="en-US" altLang="zh-TW" dirty="0">
+                <a:solidFill>
+                  <a:srgbClr val="C792EA"/>
+                </a:solidFill>
+              </a:rPr>
+              <a:t>select</a:t>
+            </a:r>
+            <a:r>
+              <a:rPr lang="en-US" altLang="zh-TW" dirty="0"/>
+              <a:t>(value, options)</a:t>
+            </a:r>
           </a:p>
           <a:p>
             <a:r>
               <a:rPr lang="zh-TW" altLang="en-US" dirty="0"/>
-              <a:t>預期測試結果</a:t>
-            </a:r>
-            <a:br>
-              <a:rPr lang="en-US" altLang="zh-TW" dirty="0"/>
-            </a:br>
-            <a:r>
-              <a:rPr lang="zh-TW" altLang="en-US" dirty="0">
-                <a:solidFill>
-                  <a:srgbClr val="FFFF00"/>
-                </a:solidFill>
-              </a:rPr>
-              <a:t>按下</a:t>
+              <a:t>✅</a:t>
+            </a:r>
+            <a:r>
+              <a:rPr lang="en-US" altLang="zh-TW" dirty="0"/>
+              <a:t>Correct Usage</a:t>
+            </a:r>
+          </a:p>
+          <a:p>
+            <a:pPr lvl="1"/>
+            <a:r>
+              <a:rPr lang="en-US" altLang="zh-TW" dirty="0" err="1"/>
+              <a:t>cy.</a:t>
+            </a:r>
+            <a:r>
+              <a:rPr lang="en-US" altLang="zh-TW" dirty="0" err="1">
+                <a:solidFill>
+                  <a:srgbClr val="C792EA"/>
+                </a:solidFill>
+              </a:rPr>
+              <a:t>get</a:t>
+            </a:r>
+            <a:r>
+              <a:rPr lang="en-US" altLang="zh-TW" dirty="0"/>
+              <a:t>(</a:t>
             </a:r>
             <a:r>
               <a:rPr lang="en-US" altLang="zh-TW" dirty="0">
                 <a:solidFill>
-                  <a:srgbClr val="FFFF00"/>
-                </a:solidFill>
-              </a:rPr>
-              <a:t>”</a:t>
-            </a:r>
-            <a:r>
-              <a:rPr lang="zh-TW" altLang="en-US" dirty="0">
-                <a:solidFill>
-                  <a:srgbClr val="FFFF00"/>
-                </a:solidFill>
-              </a:rPr>
-              <a:t>檢核暫存</a:t>
+                  <a:srgbClr val="C3E88D"/>
+                </a:solidFill>
+              </a:rPr>
+              <a:t>'select'</a:t>
+            </a:r>
+            <a:r>
+              <a:rPr lang="en-US" altLang="zh-TW" dirty="0"/>
+              <a:t>).</a:t>
             </a:r>
             <a:r>
               <a:rPr lang="en-US" altLang="zh-TW" dirty="0">
                 <a:solidFill>
-                  <a:srgbClr val="FFFF00"/>
-                </a:solidFill>
-              </a:rPr>
-              <a:t>”</a:t>
-            </a:r>
-            <a:r>
-              <a:rPr lang="zh-TW" altLang="en-US" dirty="0">
-                <a:solidFill>
-                  <a:srgbClr val="FFFF00"/>
-                </a:solidFill>
-              </a:rPr>
-              <a:t>可存檔，進入要保人頁面</a:t>
-            </a:r>
-            <a:br>
+                  <a:srgbClr val="C792EA"/>
+                </a:solidFill>
+              </a:rPr>
+              <a:t>select</a:t>
+            </a:r>
+            <a:r>
+              <a:rPr lang="en-US" altLang="zh-TW" dirty="0"/>
+              <a:t>(</a:t>
+            </a:r>
+            <a:r>
               <a:rPr lang="en-US" altLang="zh-TW" dirty="0">
                 <a:solidFill>
-                  <a:srgbClr val="FFFF00"/>
-                </a:solidFill>
-              </a:rPr>
-            </a:br>
-            <a:endParaRPr lang="en-US" altLang="zh-TW" dirty="0">
-              <a:solidFill>
-                <a:srgbClr val="FFFF00"/>
-              </a:solidFill>
-            </a:endParaRPr>
-          </a:p>
-          <a:p>
-            <a:r>
-              <a:rPr lang="zh-TW" altLang="en-US" dirty="0"/>
-              <a:t>回頭決定測試變數</a:t>
-            </a:r>
-            <a:br>
-              <a:rPr lang="en-US" altLang="zh-TW" dirty="0"/>
-            </a:br>
-            <a:r>
-              <a:rPr lang="zh-TW" altLang="en-US" dirty="0">
-                <a:solidFill>
-                  <a:srgbClr val="FFFF00"/>
-                </a:solidFill>
-              </a:rPr>
-              <a:t>被保險人姓名</a:t>
-            </a:r>
-            <a:r>
-              <a:rPr lang="en-US" altLang="zh-TW" dirty="0">
-                <a:solidFill>
-                  <a:srgbClr val="FFFF00"/>
-                </a:solidFill>
-              </a:rPr>
-              <a:t>: </a:t>
-            </a:r>
-            <a:r>
-              <a:rPr lang="zh-TW" altLang="en-US" dirty="0">
-                <a:solidFill>
-                  <a:srgbClr val="FFFF00"/>
-                </a:solidFill>
-              </a:rPr>
-              <a:t>王大蠻</a:t>
-            </a:r>
-            <a:br>
-              <a:rPr lang="en-US" altLang="zh-TW" dirty="0">
-                <a:solidFill>
-                  <a:srgbClr val="FFFF00"/>
-                </a:solidFill>
-              </a:rPr>
-            </a:br>
-            <a:r>
-              <a:rPr lang="zh-TW" altLang="en-US" dirty="0">
-                <a:solidFill>
-                  <a:srgbClr val="FFFF00"/>
-                </a:solidFill>
-              </a:rPr>
-              <a:t>原住民姓名</a:t>
-            </a:r>
-            <a:r>
-              <a:rPr lang="en-US" altLang="zh-TW" dirty="0">
-                <a:solidFill>
-                  <a:srgbClr val="FFFF00"/>
-                </a:solidFill>
-              </a:rPr>
-              <a:t>: DAMAN WANG</a:t>
-            </a:r>
-            <a:br>
-              <a:rPr lang="en-US" altLang="zh-TW" dirty="0">
-                <a:solidFill>
-                  <a:srgbClr val="FFFF00"/>
-                </a:solidFill>
-              </a:rPr>
-            </a:br>
-            <a:r>
-              <a:rPr lang="zh-TW" altLang="en-US" dirty="0">
-                <a:solidFill>
-                  <a:srgbClr val="FFFF00"/>
-                </a:solidFill>
-              </a:rPr>
-              <a:t>身分證字號</a:t>
-            </a:r>
-            <a:r>
-              <a:rPr lang="en-US" altLang="zh-TW" dirty="0">
-                <a:solidFill>
-                  <a:srgbClr val="FFFF00"/>
-                </a:solidFill>
-              </a:rPr>
-              <a:t>: A123456788</a:t>
-            </a:r>
-            <a:br>
-              <a:rPr lang="en-US" altLang="zh-TW" dirty="0">
-                <a:solidFill>
-                  <a:srgbClr val="FFFF00"/>
-                </a:solidFill>
-              </a:rPr>
-            </a:br>
-            <a:r>
-              <a:rPr lang="en-US" altLang="zh-TW" dirty="0">
-                <a:solidFill>
-                  <a:srgbClr val="FFFF00"/>
-                </a:solidFill>
-              </a:rPr>
-              <a:t>…</a:t>
-            </a:r>
-            <a:r>
-              <a:rPr lang="en-US" altLang="zh-TW" dirty="0" err="1">
-                <a:solidFill>
-                  <a:srgbClr val="FFFF00"/>
-                </a:solidFill>
-              </a:rPr>
-              <a:t>etc</a:t>
-            </a:r>
-            <a:endParaRPr lang="en-US" altLang="zh-TW" dirty="0">
-              <a:solidFill>
-                <a:srgbClr val="FFFF00"/>
-              </a:solidFill>
-            </a:endParaRPr>
-          </a:p>
-        </p:txBody>
-      </p:sp>
+                  <a:srgbClr val="C3E88D"/>
+                </a:solidFill>
+              </a:rPr>
+              <a:t>'user-1'</a:t>
+            </a:r>
+            <a:r>
+              <a:rPr lang="en-US" altLang="zh-TW" dirty="0"/>
+              <a:t>) // Select the 'user-1' option</a:t>
+            </a:r>
+            <a:endParaRPr lang="zh-TW" altLang="en-US" dirty="0"/>
+          </a:p>
+        </p:txBody>
+      </p:sp>
+      <p:pic>
+        <p:nvPicPr>
+          <p:cNvPr id="4" name="圖片 3"/>
+          <p:cNvPicPr>
+            <a:picLocks noChangeAspect="1"/>
+          </p:cNvPicPr>
+          <p:nvPr/>
+        </p:nvPicPr>
+        <p:blipFill>
+          <a:blip r:embed="rId2"/>
+          <a:stretch>
+            <a:fillRect/>
+          </a:stretch>
+        </p:blipFill>
+        <p:spPr>
+          <a:xfrm>
+            <a:off x="4421354" y="1580050"/>
+            <a:ext cx="7593363" cy="3856337"/>
+          </a:xfrm>
+          <a:prstGeom prst="rect">
+            <a:avLst/>
+          </a:prstGeom>
+        </p:spPr>
+      </p:pic>
     </p:spTree>
     <p:extLst>
       <p:ext uri="{BB962C8B-B14F-4D97-AF65-F5344CB8AC3E}">
-        <p14:creationId xmlns:p14="http://schemas.microsoft.com/office/powerpoint/2010/main" val="1408581456"/>
+        <p14:creationId xmlns:p14="http://schemas.microsoft.com/office/powerpoint/2010/main" val="921425100"/>
       </p:ext>
     </p:extLst>
   </p:cSld>
   <p:clrMapOvr>
     <a:masterClrMapping/>
   </p:clrMapOvr>
-  <mc:AlternateContent xmlns:mc="http://schemas.openxmlformats.org/markup-compatibility/2006" xmlns:p14="http://schemas.microsoft.com/office/powerpoint/2010/main">
-    <mc:Choice Requires="p14">
-      <p:transition spd="med" p14:dur="700">
-        <p:fade/>
-      </p:transition>
+  <mc:AlternateContent xmlns:mc="http://schemas.openxmlformats.org/markup-compatibility/2006">
+    <mc:Choice xmlns:p14="http://schemas.microsoft.com/office/powerpoint/2010/main" Requires="p14">
+      <p:transition p14:dur="0"/>
     </mc:Choice>
-    <mc:Fallback xmlns="">
-      <p:transition spd="med">
-        <p:fade/>
-      </p:transition>
+    <mc:Fallback>
+      <p:transition/>
     </mc:Fallback>
   </mc:AlternateContent>
+  <p:timing>
+    <p:tnLst>
+      <p:par>
+        <p:cTn id="1" dur="indefinite" restart="never" nodeType="tmRoot"/>
+      </p:par>
+    </p:tnLst>
+  </p:timing>
 </p:sld>
 </file>
 
@@ -9295,7 +9484,7 @@
           <p:cNvPr id="2" name="標題 1">
             <a:extLst>
               <a:ext uri="{FF2B5EF4-FFF2-40B4-BE49-F238E27FC236}">
-                <a16:creationId xmlns:a16="http://schemas.microsoft.com/office/drawing/2014/main" id="{080AD0FA-61EC-422D-598D-6668B38AEF4B}"/>
+                <a16:creationId xmlns:a16="http://schemas.microsoft.com/office/drawing/2014/main" xmlns="" id="{9C268AA6-36D7-3636-50CF-470EC0E1EA3F}"/>
               </a:ext>
             </a:extLst>
           </p:cNvPr>
@@ -9313,7 +9502,7 @@
           <a:p>
             <a:r>
               <a:rPr lang="en-US" altLang="zh-TW" dirty="0"/>
-              <a:t>Writing Example</a:t>
+              <a:t>find</a:t>
             </a:r>
             <a:endParaRPr lang="zh-TW" altLang="en-US" dirty="0"/>
           </a:p>
@@ -9324,7 +9513,7 @@
           <p:cNvPr id="3" name="內容版面配置區 2">
             <a:extLst>
               <a:ext uri="{FF2B5EF4-FFF2-40B4-BE49-F238E27FC236}">
-                <a16:creationId xmlns:a16="http://schemas.microsoft.com/office/drawing/2014/main" id="{5C7DEE75-4817-D943-6B28-8ECDA7D521EB}"/>
+                <a16:creationId xmlns:a16="http://schemas.microsoft.com/office/drawing/2014/main" xmlns="" id="{31F09977-A59C-DAA6-28E1-C722F4CF9A29}"/>
               </a:ext>
             </a:extLst>
           </p:cNvPr>
@@ -9341,6 +9530,1095 @@
           <a:lstStyle/>
           <a:p>
             <a:r>
+              <a:rPr lang="zh-TW" altLang="en-US" dirty="0"/>
+              <a:t>取得特定選擇器的後代 </a:t>
+            </a:r>
+            <a:r>
+              <a:rPr lang="en-US" altLang="zh-TW" dirty="0"/>
+              <a:t>DOM </a:t>
+            </a:r>
+            <a:r>
+              <a:rPr lang="zh-TW" altLang="en-US" dirty="0"/>
+              <a:t>元素</a:t>
+            </a:r>
+            <a:endParaRPr lang="en-US" altLang="zh-TW" dirty="0"/>
+          </a:p>
+          <a:p>
+            <a:r>
+              <a:rPr lang="zh-TW" altLang="en-US" dirty="0"/>
+              <a:t>一定要先有前面的元素</a:t>
+            </a:r>
+            <a:endParaRPr lang="en-US" altLang="zh-TW" dirty="0"/>
+          </a:p>
+          <a:p>
+            <a:pPr lvl="1"/>
+            <a:r>
+              <a:rPr lang="en-US" altLang="zh-TW" dirty="0"/>
+              <a:t>.</a:t>
+            </a:r>
+            <a:r>
+              <a:rPr lang="en-US" altLang="zh-TW" dirty="0">
+                <a:solidFill>
+                  <a:srgbClr val="C792EA"/>
+                </a:solidFill>
+              </a:rPr>
+              <a:t>find</a:t>
+            </a:r>
+            <a:r>
+              <a:rPr lang="en-US" altLang="zh-TW" dirty="0"/>
+              <a:t>(selector)</a:t>
+            </a:r>
+          </a:p>
+          <a:p>
+            <a:pPr lvl="1"/>
+            <a:r>
+              <a:rPr lang="en-US" altLang="zh-TW" dirty="0"/>
+              <a:t>.</a:t>
+            </a:r>
+            <a:r>
+              <a:rPr lang="en-US" altLang="zh-TW" dirty="0">
+                <a:solidFill>
+                  <a:srgbClr val="C792EA"/>
+                </a:solidFill>
+              </a:rPr>
+              <a:t>find</a:t>
+            </a:r>
+            <a:r>
+              <a:rPr lang="en-US" altLang="zh-TW" dirty="0"/>
+              <a:t>(selector, options)</a:t>
+            </a:r>
+          </a:p>
+          <a:p>
+            <a:r>
+              <a:rPr lang="zh-TW" altLang="en-US" dirty="0"/>
+              <a:t>✅</a:t>
+            </a:r>
+            <a:r>
+              <a:rPr lang="en-US" altLang="zh-TW" dirty="0"/>
+              <a:t>Correct Usage</a:t>
+            </a:r>
+          </a:p>
+          <a:p>
+            <a:pPr lvl="1"/>
+            <a:r>
+              <a:rPr lang="en-US" altLang="zh-TW" dirty="0" err="1"/>
+              <a:t>cy.</a:t>
+            </a:r>
+            <a:r>
+              <a:rPr lang="en-US" altLang="zh-TW" dirty="0" err="1">
+                <a:solidFill>
+                  <a:srgbClr val="C792EA"/>
+                </a:solidFill>
+              </a:rPr>
+              <a:t>get</a:t>
+            </a:r>
+            <a:r>
+              <a:rPr lang="en-US" altLang="zh-TW" dirty="0"/>
+              <a:t>(</a:t>
+            </a:r>
+            <a:r>
+              <a:rPr lang="en-US" altLang="zh-TW" dirty="0">
+                <a:solidFill>
+                  <a:srgbClr val="C3E88D"/>
+                </a:solidFill>
+              </a:rPr>
+              <a:t>'app-accordion-items'</a:t>
+            </a:r>
+            <a:r>
+              <a:rPr lang="en-US" altLang="zh-TW" dirty="0" smtClean="0"/>
+              <a:t>).</a:t>
+            </a:r>
+            <a:r>
+              <a:rPr lang="en-US" altLang="zh-TW" dirty="0">
+                <a:solidFill>
+                  <a:srgbClr val="C792EA"/>
+                </a:solidFill>
+              </a:rPr>
+              <a:t>find</a:t>
+            </a:r>
+            <a:r>
+              <a:rPr lang="en-US" altLang="zh-TW" dirty="0"/>
+              <a:t>(</a:t>
+            </a:r>
+            <a:r>
+              <a:rPr lang="en-US" altLang="zh-TW" dirty="0">
+                <a:solidFill>
+                  <a:srgbClr val="C3E88D"/>
+                </a:solidFill>
+              </a:rPr>
+              <a:t>'</a:t>
+            </a:r>
+            <a:r>
+              <a:rPr lang="en-US" altLang="zh-TW" dirty="0" err="1">
+                <a:solidFill>
+                  <a:srgbClr val="C3E88D"/>
+                </a:solidFill>
+              </a:rPr>
+              <a:t>tbody</a:t>
+            </a:r>
+            <a:r>
+              <a:rPr lang="en-US" altLang="zh-TW" dirty="0">
+                <a:solidFill>
+                  <a:srgbClr val="C3E88D"/>
+                </a:solidFill>
+              </a:rPr>
+              <a:t> &gt; </a:t>
+            </a:r>
+            <a:r>
+              <a:rPr lang="en-US" altLang="zh-TW" dirty="0" err="1">
+                <a:solidFill>
+                  <a:srgbClr val="C3E88D"/>
+                </a:solidFill>
+              </a:rPr>
+              <a:t>tr</a:t>
+            </a:r>
+            <a:r>
+              <a:rPr lang="en-US" altLang="zh-TW" dirty="0">
+                <a:solidFill>
+                  <a:srgbClr val="C3E88D"/>
+                </a:solidFill>
+              </a:rPr>
+              <a:t> &gt; :nth-child(3)'</a:t>
+            </a:r>
+            <a:r>
+              <a:rPr lang="en-US" altLang="zh-TW" dirty="0" smtClean="0"/>
+              <a:t>) </a:t>
+            </a:r>
+            <a:r>
+              <a:rPr lang="en-US" altLang="zh-TW" dirty="0"/>
+              <a:t>// Yield 'footer' within '.article'</a:t>
+            </a:r>
+            <a:endParaRPr lang="zh-TW" altLang="en-US" dirty="0"/>
+          </a:p>
+        </p:txBody>
+      </p:sp>
+      <p:pic>
+        <p:nvPicPr>
+          <p:cNvPr id="4" name="圖片 3"/>
+          <p:cNvPicPr>
+            <a:picLocks noChangeAspect="1"/>
+          </p:cNvPicPr>
+          <p:nvPr/>
+        </p:nvPicPr>
+        <p:blipFill>
+          <a:blip r:embed="rId2"/>
+          <a:stretch>
+            <a:fillRect/>
+          </a:stretch>
+        </p:blipFill>
+        <p:spPr>
+          <a:xfrm>
+            <a:off x="5185995" y="1580050"/>
+            <a:ext cx="6754078" cy="1965583"/>
+          </a:xfrm>
+          <a:prstGeom prst="rect">
+            <a:avLst/>
+          </a:prstGeom>
+        </p:spPr>
+      </p:pic>
+    </p:spTree>
+    <p:extLst>
+      <p:ext uri="{BB962C8B-B14F-4D97-AF65-F5344CB8AC3E}">
+        <p14:creationId xmlns:p14="http://schemas.microsoft.com/office/powerpoint/2010/main" val="3909513770"/>
+      </p:ext>
+    </p:extLst>
+  </p:cSld>
+  <p:clrMapOvr>
+    <a:masterClrMapping/>
+  </p:clrMapOvr>
+  <mc:AlternateContent xmlns:mc="http://schemas.openxmlformats.org/markup-compatibility/2006">
+    <mc:Choice xmlns:p14="http://schemas.microsoft.com/office/powerpoint/2010/main" Requires="p14">
+      <p:transition p14:dur="0"/>
+    </mc:Choice>
+    <mc:Fallback>
+      <p:transition/>
+    </mc:Fallback>
+  </mc:AlternateContent>
+  <p:timing>
+    <p:tnLst>
+      <p:par>
+        <p:cTn id="1" dur="indefinite" restart="never" nodeType="tmRoot"/>
+      </p:par>
+    </p:tnLst>
+  </p:timing>
+</p:sld>
+</file>
+
+<file path=ppt/slides/slide15.xml><?xml version="1.0" encoding="utf-8"?>
+<p:sld xmlns:a="http://schemas.openxmlformats.org/drawingml/2006/main" xmlns:r="http://schemas.openxmlformats.org/officeDocument/2006/relationships" xmlns:p="http://schemas.openxmlformats.org/presentationml/2006/main">
+  <p:cSld>
+    <p:spTree>
+      <p:nvGrpSpPr>
+        <p:cNvPr id="1" name=""/>
+        <p:cNvGrpSpPr/>
+        <p:nvPr/>
+      </p:nvGrpSpPr>
+      <p:grpSpPr>
+        <a:xfrm>
+          <a:off x="0" y="0"/>
+          <a:ext cx="0" cy="0"/>
+          <a:chOff x="0" y="0"/>
+          <a:chExt cx="0" cy="0"/>
+        </a:xfrm>
+      </p:grpSpPr>
+      <p:sp>
+        <p:nvSpPr>
+          <p:cNvPr id="2" name="標題 1">
+            <a:extLst>
+              <a:ext uri="{FF2B5EF4-FFF2-40B4-BE49-F238E27FC236}">
+                <a16:creationId xmlns:a16="http://schemas.microsoft.com/office/drawing/2014/main" xmlns="" id="{E153B9BB-0562-A3AF-3444-1F34AB999432}"/>
+              </a:ext>
+            </a:extLst>
+          </p:cNvPr>
+          <p:cNvSpPr>
+            <a:spLocks noGrp="1"/>
+          </p:cNvSpPr>
+          <p:nvPr>
+            <p:ph type="title"/>
+          </p:nvPr>
+        </p:nvSpPr>
+        <p:spPr/>
+        <p:txBody>
+          <a:bodyPr/>
+          <a:lstStyle/>
+          <a:p>
+            <a:r>
+              <a:rPr lang="en-US" altLang="zh-TW" dirty="0"/>
+              <a:t>wait</a:t>
+            </a:r>
+            <a:endParaRPr lang="zh-TW" altLang="en-US" dirty="0"/>
+          </a:p>
+        </p:txBody>
+      </p:sp>
+      <p:sp>
+        <p:nvSpPr>
+          <p:cNvPr id="3" name="內容版面配置區 2">
+            <a:extLst>
+              <a:ext uri="{FF2B5EF4-FFF2-40B4-BE49-F238E27FC236}">
+                <a16:creationId xmlns:a16="http://schemas.microsoft.com/office/drawing/2014/main" xmlns="" id="{E5EC9B84-E0C9-D666-E2C0-B78D43A01394}"/>
+              </a:ext>
+            </a:extLst>
+          </p:cNvPr>
+          <p:cNvSpPr>
+            <a:spLocks noGrp="1"/>
+          </p:cNvSpPr>
+          <p:nvPr>
+            <p:ph idx="1"/>
+          </p:nvPr>
+        </p:nvSpPr>
+        <p:spPr/>
+        <p:txBody>
+          <a:bodyPr/>
+          <a:lstStyle/>
+          <a:p>
+            <a:r>
+              <a:rPr lang="zh-TW" altLang="en-US" dirty="0"/>
+              <a:t>等待幾毫秒或等待別名資源解析，然後再繼續執行下一個指令</a:t>
+            </a:r>
+            <a:endParaRPr lang="en-US" altLang="zh-TW" dirty="0"/>
+          </a:p>
+          <a:p>
+            <a:r>
+              <a:rPr lang="en-US" altLang="zh-TW" dirty="0"/>
+              <a:t>Cypress</a:t>
+            </a:r>
+            <a:r>
+              <a:rPr lang="zh-TW" altLang="en-US" dirty="0"/>
+              <a:t>原本就會等待</a:t>
+            </a:r>
+            <a:r>
+              <a:rPr lang="en-US" altLang="zh-TW" dirty="0"/>
+              <a:t>request</a:t>
+            </a:r>
+            <a:r>
+              <a:rPr lang="zh-TW" altLang="en-US" dirty="0"/>
+              <a:t>回來</a:t>
+            </a:r>
+            <a:r>
+              <a:rPr lang="en-US" altLang="zh-TW" dirty="0"/>
+              <a:t>(5</a:t>
+            </a:r>
+            <a:r>
+              <a:rPr lang="zh-TW" altLang="en-US" dirty="0"/>
+              <a:t>秒內</a:t>
+            </a:r>
+            <a:r>
+              <a:rPr lang="en-US" altLang="zh-TW" dirty="0"/>
+              <a:t>)</a:t>
+            </a:r>
+            <a:r>
+              <a:rPr lang="zh-TW" altLang="en-US" dirty="0"/>
+              <a:t>，但是</a:t>
+            </a:r>
+            <a:r>
+              <a:rPr lang="en-US" altLang="zh-TW" dirty="0"/>
+              <a:t>!!</a:t>
+            </a:r>
+            <a:r>
+              <a:rPr lang="zh-TW" altLang="en-US" dirty="0"/>
+              <a:t> 頁面渲染或等待運算不在等待時間內</a:t>
+            </a:r>
+            <a:endParaRPr lang="en-US" altLang="zh-TW" dirty="0"/>
+          </a:p>
+          <a:p>
+            <a:pPr lvl="1"/>
+            <a:r>
+              <a:rPr lang="en-US" altLang="zh-TW" dirty="0" err="1"/>
+              <a:t>cy.</a:t>
+            </a:r>
+            <a:r>
+              <a:rPr lang="en-US" altLang="zh-TW" dirty="0" err="1">
+                <a:solidFill>
+                  <a:srgbClr val="C792EA"/>
+                </a:solidFill>
+              </a:rPr>
+              <a:t>wait</a:t>
+            </a:r>
+            <a:r>
+              <a:rPr lang="en-US" altLang="zh-TW" dirty="0"/>
+              <a:t>(time)</a:t>
+            </a:r>
+          </a:p>
+          <a:p>
+            <a:pPr lvl="1"/>
+            <a:r>
+              <a:rPr lang="en-US" altLang="zh-TW" dirty="0" err="1"/>
+              <a:t>cy.</a:t>
+            </a:r>
+            <a:r>
+              <a:rPr lang="en-US" altLang="zh-TW" dirty="0" err="1">
+                <a:solidFill>
+                  <a:srgbClr val="C792EA"/>
+                </a:solidFill>
+              </a:rPr>
+              <a:t>wait</a:t>
+            </a:r>
+            <a:r>
+              <a:rPr lang="en-US" altLang="zh-TW" dirty="0"/>
+              <a:t>(alias)</a:t>
+            </a:r>
+          </a:p>
+          <a:p>
+            <a:r>
+              <a:rPr lang="zh-TW" altLang="en-US" dirty="0"/>
+              <a:t>✅</a:t>
+            </a:r>
+            <a:r>
+              <a:rPr lang="en-US" altLang="zh-TW" dirty="0"/>
+              <a:t>Correct Usage</a:t>
+            </a:r>
+          </a:p>
+          <a:p>
+            <a:pPr lvl="1"/>
+            <a:r>
+              <a:rPr lang="en-US" altLang="zh-TW" dirty="0" err="1"/>
+              <a:t>cy.</a:t>
+            </a:r>
+            <a:r>
+              <a:rPr lang="en-US" altLang="zh-TW" dirty="0" err="1">
+                <a:solidFill>
+                  <a:srgbClr val="C792EA"/>
+                </a:solidFill>
+              </a:rPr>
+              <a:t>wait</a:t>
+            </a:r>
+            <a:r>
+              <a:rPr lang="en-US" altLang="zh-TW" dirty="0"/>
+              <a:t>(</a:t>
+            </a:r>
+            <a:r>
+              <a:rPr lang="en-US" altLang="zh-TW" dirty="0">
+                <a:solidFill>
+                  <a:srgbClr val="C3E88D"/>
+                </a:solidFill>
+              </a:rPr>
+              <a:t>500</a:t>
+            </a:r>
+            <a:r>
+              <a:rPr lang="en-US" altLang="zh-TW" dirty="0"/>
+              <a:t>)</a:t>
+            </a:r>
+          </a:p>
+          <a:p>
+            <a:pPr lvl="1"/>
+            <a:r>
+              <a:rPr lang="en-US" altLang="zh-TW" dirty="0" err="1"/>
+              <a:t>cy.</a:t>
+            </a:r>
+            <a:r>
+              <a:rPr lang="en-US" altLang="zh-TW" dirty="0" err="1">
+                <a:solidFill>
+                  <a:srgbClr val="C792EA"/>
+                </a:solidFill>
+              </a:rPr>
+              <a:t>wait</a:t>
+            </a:r>
+            <a:r>
+              <a:rPr lang="en-US" altLang="zh-TW" dirty="0"/>
+              <a:t>(</a:t>
+            </a:r>
+            <a:r>
+              <a:rPr lang="en-US" altLang="zh-TW" dirty="0">
+                <a:solidFill>
+                  <a:srgbClr val="C3E88D"/>
+                </a:solidFill>
+              </a:rPr>
+              <a:t>'@</a:t>
+            </a:r>
+            <a:r>
+              <a:rPr lang="en-US" altLang="zh-TW" dirty="0" err="1">
+                <a:solidFill>
+                  <a:srgbClr val="C3E88D"/>
+                </a:solidFill>
+              </a:rPr>
+              <a:t>getProfile</a:t>
+            </a:r>
+            <a:r>
+              <a:rPr lang="en-US" altLang="zh-TW" dirty="0">
+                <a:solidFill>
+                  <a:srgbClr val="C3E88D"/>
+                </a:solidFill>
+              </a:rPr>
+              <a:t>’</a:t>
+            </a:r>
+            <a:r>
+              <a:rPr lang="en-US" altLang="zh-TW" dirty="0"/>
+              <a:t>).</a:t>
+            </a:r>
+            <a:r>
+              <a:rPr lang="en-US" altLang="zh-TW" dirty="0">
+                <a:solidFill>
+                  <a:srgbClr val="C792EA"/>
+                </a:solidFill>
+              </a:rPr>
+              <a:t>wait</a:t>
+            </a:r>
+            <a:r>
+              <a:rPr lang="en-US" altLang="zh-TW" dirty="0"/>
+              <a:t>(</a:t>
+            </a:r>
+            <a:r>
+              <a:rPr lang="en-US" altLang="zh-TW" dirty="0">
+                <a:solidFill>
+                  <a:srgbClr val="C3E88D"/>
+                </a:solidFill>
+              </a:rPr>
+              <a:t>500</a:t>
+            </a:r>
+            <a:r>
+              <a:rPr lang="en-US" altLang="zh-TW" dirty="0"/>
+              <a:t>)</a:t>
+            </a:r>
+            <a:endParaRPr lang="zh-TW" altLang="en-US" dirty="0"/>
+          </a:p>
+        </p:txBody>
+      </p:sp>
+    </p:spTree>
+    <p:extLst>
+      <p:ext uri="{BB962C8B-B14F-4D97-AF65-F5344CB8AC3E}">
+        <p14:creationId xmlns:p14="http://schemas.microsoft.com/office/powerpoint/2010/main" val="3020010978"/>
+      </p:ext>
+    </p:extLst>
+  </p:cSld>
+  <p:clrMapOvr>
+    <a:masterClrMapping/>
+  </p:clrMapOvr>
+  <mc:AlternateContent xmlns:mc="http://schemas.openxmlformats.org/markup-compatibility/2006">
+    <mc:Choice xmlns:p14="http://schemas.microsoft.com/office/powerpoint/2010/main" Requires="p14">
+      <p:transition p14:dur="0"/>
+    </mc:Choice>
+    <mc:Fallback>
+      <p:transition/>
+    </mc:Fallback>
+  </mc:AlternateContent>
+  <p:timing>
+    <p:tnLst>
+      <p:par>
+        <p:cTn id="1" dur="indefinite" restart="never" nodeType="tmRoot"/>
+      </p:par>
+    </p:tnLst>
+  </p:timing>
+</p:sld>
+</file>
+
+<file path=ppt/slides/slide16.xml><?xml version="1.0" encoding="utf-8"?>
+<p:sld xmlns:a="http://schemas.openxmlformats.org/drawingml/2006/main" xmlns:r="http://schemas.openxmlformats.org/officeDocument/2006/relationships" xmlns:p="http://schemas.openxmlformats.org/presentationml/2006/main">
+  <p:cSld>
+    <p:spTree>
+      <p:nvGrpSpPr>
+        <p:cNvPr id="1" name=""/>
+        <p:cNvGrpSpPr/>
+        <p:nvPr/>
+      </p:nvGrpSpPr>
+      <p:grpSpPr>
+        <a:xfrm>
+          <a:off x="0" y="0"/>
+          <a:ext cx="0" cy="0"/>
+          <a:chOff x="0" y="0"/>
+          <a:chExt cx="0" cy="0"/>
+        </a:xfrm>
+      </p:grpSpPr>
+      <p:sp>
+        <p:nvSpPr>
+          <p:cNvPr id="2" name="標題 1">
+            <a:extLst>
+              <a:ext uri="{FF2B5EF4-FFF2-40B4-BE49-F238E27FC236}">
+                <a16:creationId xmlns:a16="http://schemas.microsoft.com/office/drawing/2014/main" xmlns="" id="{4D2111AD-50C2-A99B-253B-AF3DCC03C043}"/>
+              </a:ext>
+            </a:extLst>
+          </p:cNvPr>
+          <p:cNvSpPr>
+            <a:spLocks noGrp="1"/>
+          </p:cNvSpPr>
+          <p:nvPr>
+            <p:ph type="title"/>
+          </p:nvPr>
+        </p:nvSpPr>
+        <p:spPr/>
+        <p:txBody>
+          <a:bodyPr/>
+          <a:lstStyle/>
+          <a:p>
+            <a:r>
+              <a:rPr lang="en-US" altLang="zh-TW" dirty="0"/>
+              <a:t>Cypress</a:t>
+            </a:r>
+            <a:r>
+              <a:rPr lang="zh-TW" altLang="en-US" dirty="0"/>
+              <a:t> </a:t>
+            </a:r>
+            <a:r>
+              <a:rPr lang="en-US" altLang="zh-TW" dirty="0"/>
+              <a:t>Training</a:t>
+            </a:r>
+            <a:endParaRPr lang="zh-TW" altLang="en-US" dirty="0"/>
+          </a:p>
+        </p:txBody>
+      </p:sp>
+      <p:sp>
+        <p:nvSpPr>
+          <p:cNvPr id="3" name="內容版面配置區 2">
+            <a:extLst>
+              <a:ext uri="{FF2B5EF4-FFF2-40B4-BE49-F238E27FC236}">
+                <a16:creationId xmlns:a16="http://schemas.microsoft.com/office/drawing/2014/main" xmlns="" id="{C91DF566-8477-F2ED-BEE0-0C1D8EE24AB9}"/>
+              </a:ext>
+            </a:extLst>
+          </p:cNvPr>
+          <p:cNvSpPr>
+            <a:spLocks noGrp="1"/>
+          </p:cNvSpPr>
+          <p:nvPr>
+            <p:ph idx="1"/>
+          </p:nvPr>
+        </p:nvSpPr>
+        <p:spPr/>
+        <p:txBody>
+          <a:bodyPr/>
+          <a:lstStyle/>
+          <a:p>
+            <a:r>
+              <a:rPr lang="zh-TW" altLang="en-US" dirty="0"/>
+              <a:t>決定測試目標</a:t>
+            </a:r>
+            <a:endParaRPr lang="en-US" altLang="zh-TW" dirty="0"/>
+          </a:p>
+          <a:p>
+            <a:r>
+              <a:rPr lang="zh-TW" altLang="en-US" dirty="0"/>
+              <a:t>預期測試結果</a:t>
+            </a:r>
+            <a:endParaRPr lang="en-US" altLang="zh-TW" dirty="0"/>
+          </a:p>
+          <a:p>
+            <a:r>
+              <a:rPr lang="zh-TW" altLang="en-US" dirty="0"/>
+              <a:t>回頭決定測試變數</a:t>
+            </a:r>
+            <a:endParaRPr lang="en-US" altLang="zh-TW" dirty="0"/>
+          </a:p>
+          <a:p>
+            <a:r>
+              <a:rPr lang="zh-TW" altLang="en-US" dirty="0"/>
+              <a:t>寫程式</a:t>
+            </a:r>
+            <a:r>
+              <a:rPr lang="en-US" altLang="zh-TW" dirty="0"/>
+              <a:t/>
+            </a:r>
+            <a:br>
+              <a:rPr lang="en-US" altLang="zh-TW" dirty="0"/>
+            </a:br>
+            <a:r>
+              <a:rPr lang="en-US" altLang="zh-TW" dirty="0"/>
+              <a:t>loop{</a:t>
+            </a:r>
+            <a:br>
+              <a:rPr lang="en-US" altLang="zh-TW" dirty="0"/>
+            </a:br>
+            <a:r>
+              <a:rPr lang="en-US" altLang="zh-TW" dirty="0"/>
+              <a:t>	</a:t>
+            </a:r>
+            <a:r>
+              <a:rPr lang="zh-TW" altLang="en-US" dirty="0"/>
+              <a:t>尋找畫面元件位置</a:t>
+            </a:r>
+            <a:r>
+              <a:rPr lang="en-US" altLang="zh-TW" dirty="0"/>
+              <a:t/>
+            </a:r>
+            <a:br>
+              <a:rPr lang="en-US" altLang="zh-TW" dirty="0"/>
+            </a:br>
+            <a:r>
+              <a:rPr lang="en-US" altLang="zh-TW" dirty="0"/>
+              <a:t>	</a:t>
+            </a:r>
+            <a:r>
+              <a:rPr lang="zh-TW" altLang="en-US" dirty="0"/>
+              <a:t>撰寫測試變數</a:t>
+            </a:r>
+            <a:r>
+              <a:rPr lang="en-US" altLang="zh-TW" dirty="0"/>
+              <a:t/>
+            </a:r>
+            <a:br>
+              <a:rPr lang="en-US" altLang="zh-TW" dirty="0"/>
+            </a:br>
+            <a:r>
+              <a:rPr lang="en-US" altLang="zh-TW" dirty="0"/>
+              <a:t>	</a:t>
+            </a:r>
+            <a:r>
+              <a:rPr lang="zh-TW" altLang="en-US" dirty="0"/>
+              <a:t>下斷言</a:t>
+            </a:r>
+            <a:r>
+              <a:rPr lang="en-US" altLang="zh-TW" dirty="0"/>
+              <a:t/>
+            </a:r>
+            <a:br>
+              <a:rPr lang="en-US" altLang="zh-TW" dirty="0"/>
+            </a:br>
+            <a:r>
+              <a:rPr lang="en-US" altLang="zh-TW" dirty="0"/>
+              <a:t>}</a:t>
+            </a:r>
+            <a:endParaRPr lang="zh-TW" altLang="en-US" dirty="0"/>
+          </a:p>
+        </p:txBody>
+      </p:sp>
+    </p:spTree>
+    <p:extLst>
+      <p:ext uri="{BB962C8B-B14F-4D97-AF65-F5344CB8AC3E}">
+        <p14:creationId xmlns:p14="http://schemas.microsoft.com/office/powerpoint/2010/main" val="743323291"/>
+      </p:ext>
+    </p:extLst>
+  </p:cSld>
+  <p:clrMapOvr>
+    <a:masterClrMapping/>
+  </p:clrMapOvr>
+  <mc:AlternateContent xmlns:mc="http://schemas.openxmlformats.org/markup-compatibility/2006">
+    <mc:Choice xmlns:p14="http://schemas.microsoft.com/office/powerpoint/2010/main" Requires="p14">
+      <p:transition p14:dur="0"/>
+    </mc:Choice>
+    <mc:Fallback>
+      <p:transition/>
+    </mc:Fallback>
+  </mc:AlternateContent>
+</p:sld>
+</file>
+
+<file path=ppt/slides/slide17.xml><?xml version="1.0" encoding="utf-8"?>
+<p:sld xmlns:a="http://schemas.openxmlformats.org/drawingml/2006/main" xmlns:r="http://schemas.openxmlformats.org/officeDocument/2006/relationships" xmlns:p="http://schemas.openxmlformats.org/presentationml/2006/main">
+  <p:cSld>
+    <p:spTree>
+      <p:nvGrpSpPr>
+        <p:cNvPr id="1" name=""/>
+        <p:cNvGrpSpPr/>
+        <p:nvPr/>
+      </p:nvGrpSpPr>
+      <p:grpSpPr>
+        <a:xfrm>
+          <a:off x="0" y="0"/>
+          <a:ext cx="0" cy="0"/>
+          <a:chOff x="0" y="0"/>
+          <a:chExt cx="0" cy="0"/>
+        </a:xfrm>
+      </p:grpSpPr>
+      <p:sp>
+        <p:nvSpPr>
+          <p:cNvPr id="2" name="標題 1">
+            <a:extLst>
+              <a:ext uri="{FF2B5EF4-FFF2-40B4-BE49-F238E27FC236}">
+                <a16:creationId xmlns:a16="http://schemas.microsoft.com/office/drawing/2014/main" xmlns="" id="{9693FCA9-CA84-2991-FE2D-D71B336ED254}"/>
+              </a:ext>
+            </a:extLst>
+          </p:cNvPr>
+          <p:cNvSpPr>
+            <a:spLocks noGrp="1"/>
+          </p:cNvSpPr>
+          <p:nvPr>
+            <p:ph type="title"/>
+          </p:nvPr>
+        </p:nvSpPr>
+        <p:spPr/>
+        <p:txBody>
+          <a:bodyPr/>
+          <a:lstStyle/>
+          <a:p>
+            <a:r>
+              <a:rPr lang="en-US" altLang="zh-TW" dirty="0"/>
+              <a:t>Start &amp; Thinking </a:t>
+            </a:r>
+            <a:endParaRPr lang="zh-TW" altLang="en-US" dirty="0"/>
+          </a:p>
+        </p:txBody>
+      </p:sp>
+      <p:sp>
+        <p:nvSpPr>
+          <p:cNvPr id="3" name="內容版面配置區 2">
+            <a:extLst>
+              <a:ext uri="{FF2B5EF4-FFF2-40B4-BE49-F238E27FC236}">
+                <a16:creationId xmlns:a16="http://schemas.microsoft.com/office/drawing/2014/main" xmlns="" id="{F01BABB9-B22A-9D7F-B79A-BF1309EA2F3F}"/>
+              </a:ext>
+            </a:extLst>
+          </p:cNvPr>
+          <p:cNvSpPr>
+            <a:spLocks noGrp="1"/>
+          </p:cNvSpPr>
+          <p:nvPr>
+            <p:ph idx="1"/>
+          </p:nvPr>
+        </p:nvSpPr>
+        <p:spPr/>
+        <p:txBody>
+          <a:bodyPr/>
+          <a:lstStyle/>
+          <a:p>
+            <a:r>
+              <a:rPr lang="zh-TW" altLang="en-US" dirty="0"/>
+              <a:t>決定測試目標</a:t>
+            </a:r>
+            <a:r>
+              <a:rPr lang="en-US" altLang="zh-TW" dirty="0"/>
+              <a:t/>
+            </a:r>
+            <a:br>
+              <a:rPr lang="en-US" altLang="zh-TW" dirty="0"/>
+            </a:br>
+            <a:r>
+              <a:rPr lang="zh-TW" altLang="en-US" dirty="0">
+                <a:solidFill>
+                  <a:srgbClr val="FFFF00"/>
+                </a:solidFill>
+              </a:rPr>
+              <a:t>完成被保險人登打</a:t>
+            </a:r>
+            <a:r>
+              <a:rPr lang="en-US" altLang="zh-TW" dirty="0">
+                <a:solidFill>
+                  <a:srgbClr val="FFFF00"/>
+                </a:solidFill>
+              </a:rPr>
+              <a:t/>
+            </a:r>
+            <a:br>
+              <a:rPr lang="en-US" altLang="zh-TW" dirty="0">
+                <a:solidFill>
+                  <a:srgbClr val="FFFF00"/>
+                </a:solidFill>
+              </a:rPr>
+            </a:br>
+            <a:endParaRPr lang="en-US" altLang="zh-TW" dirty="0">
+              <a:solidFill>
+                <a:srgbClr val="FFFF00"/>
+              </a:solidFill>
+            </a:endParaRPr>
+          </a:p>
+          <a:p>
+            <a:r>
+              <a:rPr lang="zh-TW" altLang="en-US" dirty="0"/>
+              <a:t>預期測試結果</a:t>
+            </a:r>
+            <a:r>
+              <a:rPr lang="en-US" altLang="zh-TW" dirty="0"/>
+              <a:t/>
+            </a:r>
+            <a:br>
+              <a:rPr lang="en-US" altLang="zh-TW" dirty="0"/>
+            </a:br>
+            <a:r>
+              <a:rPr lang="zh-TW" altLang="en-US" dirty="0">
+                <a:solidFill>
+                  <a:srgbClr val="FFFF00"/>
+                </a:solidFill>
+              </a:rPr>
+              <a:t>按下</a:t>
+            </a:r>
+            <a:r>
+              <a:rPr lang="en-US" altLang="zh-TW" dirty="0">
+                <a:solidFill>
+                  <a:srgbClr val="FFFF00"/>
+                </a:solidFill>
+              </a:rPr>
+              <a:t>”</a:t>
+            </a:r>
+            <a:r>
+              <a:rPr lang="zh-TW" altLang="en-US" dirty="0">
+                <a:solidFill>
+                  <a:srgbClr val="FFFF00"/>
+                </a:solidFill>
+              </a:rPr>
+              <a:t>檢核暫存</a:t>
+            </a:r>
+            <a:r>
+              <a:rPr lang="en-US" altLang="zh-TW" dirty="0">
+                <a:solidFill>
+                  <a:srgbClr val="FFFF00"/>
+                </a:solidFill>
+              </a:rPr>
+              <a:t>”</a:t>
+            </a:r>
+            <a:r>
+              <a:rPr lang="zh-TW" altLang="en-US" dirty="0">
+                <a:solidFill>
+                  <a:srgbClr val="FFFF00"/>
+                </a:solidFill>
+              </a:rPr>
+              <a:t>可存檔，進入要保人頁面</a:t>
+            </a:r>
+            <a:r>
+              <a:rPr lang="en-US" altLang="zh-TW" dirty="0">
+                <a:solidFill>
+                  <a:srgbClr val="FFFF00"/>
+                </a:solidFill>
+              </a:rPr>
+              <a:t/>
+            </a:r>
+            <a:br>
+              <a:rPr lang="en-US" altLang="zh-TW" dirty="0">
+                <a:solidFill>
+                  <a:srgbClr val="FFFF00"/>
+                </a:solidFill>
+              </a:rPr>
+            </a:br>
+            <a:endParaRPr lang="en-US" altLang="zh-TW" dirty="0">
+              <a:solidFill>
+                <a:srgbClr val="FFFF00"/>
+              </a:solidFill>
+            </a:endParaRPr>
+          </a:p>
+          <a:p>
+            <a:r>
+              <a:rPr lang="zh-TW" altLang="en-US" dirty="0"/>
+              <a:t>回頭決定測試變數</a:t>
+            </a:r>
+            <a:r>
+              <a:rPr lang="en-US" altLang="zh-TW" dirty="0"/>
+              <a:t/>
+            </a:r>
+            <a:br>
+              <a:rPr lang="en-US" altLang="zh-TW" dirty="0"/>
+            </a:br>
+            <a:r>
+              <a:rPr lang="zh-TW" altLang="en-US" dirty="0">
+                <a:solidFill>
+                  <a:srgbClr val="FFFF00"/>
+                </a:solidFill>
+              </a:rPr>
+              <a:t>被保險人姓名</a:t>
+            </a:r>
+            <a:r>
+              <a:rPr lang="en-US" altLang="zh-TW" dirty="0">
+                <a:solidFill>
+                  <a:srgbClr val="FFFF00"/>
+                </a:solidFill>
+              </a:rPr>
+              <a:t>: </a:t>
+            </a:r>
+            <a:r>
+              <a:rPr lang="zh-TW" altLang="en-US" dirty="0">
+                <a:solidFill>
+                  <a:srgbClr val="FFFF00"/>
+                </a:solidFill>
+              </a:rPr>
+              <a:t>王大蠻</a:t>
+            </a:r>
+            <a:r>
+              <a:rPr lang="en-US" altLang="zh-TW" dirty="0">
+                <a:solidFill>
+                  <a:srgbClr val="FFFF00"/>
+                </a:solidFill>
+              </a:rPr>
+              <a:t/>
+            </a:r>
+            <a:br>
+              <a:rPr lang="en-US" altLang="zh-TW" dirty="0">
+                <a:solidFill>
+                  <a:srgbClr val="FFFF00"/>
+                </a:solidFill>
+              </a:rPr>
+            </a:br>
+            <a:r>
+              <a:rPr lang="zh-TW" altLang="en-US" dirty="0">
+                <a:solidFill>
+                  <a:srgbClr val="FFFF00"/>
+                </a:solidFill>
+              </a:rPr>
+              <a:t>原住民姓名</a:t>
+            </a:r>
+            <a:r>
+              <a:rPr lang="en-US" altLang="zh-TW" dirty="0">
+                <a:solidFill>
+                  <a:srgbClr val="FFFF00"/>
+                </a:solidFill>
+              </a:rPr>
+              <a:t>: DAMAN WANG</a:t>
+            </a:r>
+            <a:br>
+              <a:rPr lang="en-US" altLang="zh-TW" dirty="0">
+                <a:solidFill>
+                  <a:srgbClr val="FFFF00"/>
+                </a:solidFill>
+              </a:rPr>
+            </a:br>
+            <a:r>
+              <a:rPr lang="zh-TW" altLang="en-US" dirty="0">
+                <a:solidFill>
+                  <a:srgbClr val="FFFF00"/>
+                </a:solidFill>
+              </a:rPr>
+              <a:t>身分證字號</a:t>
+            </a:r>
+            <a:r>
+              <a:rPr lang="en-US" altLang="zh-TW" dirty="0">
+                <a:solidFill>
+                  <a:srgbClr val="FFFF00"/>
+                </a:solidFill>
+              </a:rPr>
+              <a:t>: A123456788</a:t>
+            </a:r>
+            <a:br>
+              <a:rPr lang="en-US" altLang="zh-TW" dirty="0">
+                <a:solidFill>
+                  <a:srgbClr val="FFFF00"/>
+                </a:solidFill>
+              </a:rPr>
+            </a:br>
+            <a:r>
+              <a:rPr lang="en-US" altLang="zh-TW" dirty="0">
+                <a:solidFill>
+                  <a:srgbClr val="FFFF00"/>
+                </a:solidFill>
+              </a:rPr>
+              <a:t>…</a:t>
+            </a:r>
+            <a:r>
+              <a:rPr lang="en-US" altLang="zh-TW" dirty="0" err="1">
+                <a:solidFill>
+                  <a:srgbClr val="FFFF00"/>
+                </a:solidFill>
+              </a:rPr>
+              <a:t>etc</a:t>
+            </a:r>
+            <a:endParaRPr lang="en-US" altLang="zh-TW" dirty="0">
+              <a:solidFill>
+                <a:srgbClr val="FFFF00"/>
+              </a:solidFill>
+            </a:endParaRPr>
+          </a:p>
+        </p:txBody>
+      </p:sp>
+    </p:spTree>
+    <p:extLst>
+      <p:ext uri="{BB962C8B-B14F-4D97-AF65-F5344CB8AC3E}">
+        <p14:creationId xmlns:p14="http://schemas.microsoft.com/office/powerpoint/2010/main" val="1408581456"/>
+      </p:ext>
+    </p:extLst>
+  </p:cSld>
+  <p:clrMapOvr>
+    <a:masterClrMapping/>
+  </p:clrMapOvr>
+  <mc:AlternateContent xmlns:mc="http://schemas.openxmlformats.org/markup-compatibility/2006">
+    <mc:Choice xmlns:p14="http://schemas.microsoft.com/office/powerpoint/2010/main" Requires="p14">
+      <p:transition p14:dur="0"/>
+    </mc:Choice>
+    <mc:Fallback>
+      <p:transition/>
+    </mc:Fallback>
+  </mc:AlternateContent>
+</p:sld>
+</file>
+
+<file path=ppt/slides/slide18.xml><?xml version="1.0" encoding="utf-8"?>
+<p:sld xmlns:a="http://schemas.openxmlformats.org/drawingml/2006/main" xmlns:r="http://schemas.openxmlformats.org/officeDocument/2006/relationships" xmlns:p="http://schemas.openxmlformats.org/presentationml/2006/main">
+  <p:cSld>
+    <p:spTree>
+      <p:nvGrpSpPr>
+        <p:cNvPr id="1" name=""/>
+        <p:cNvGrpSpPr/>
+        <p:nvPr/>
+      </p:nvGrpSpPr>
+      <p:grpSpPr>
+        <a:xfrm>
+          <a:off x="0" y="0"/>
+          <a:ext cx="0" cy="0"/>
+          <a:chOff x="0" y="0"/>
+          <a:chExt cx="0" cy="0"/>
+        </a:xfrm>
+      </p:grpSpPr>
+      <p:sp>
+        <p:nvSpPr>
+          <p:cNvPr id="2" name="標題 1">
+            <a:extLst>
+              <a:ext uri="{FF2B5EF4-FFF2-40B4-BE49-F238E27FC236}">
+                <a16:creationId xmlns:a16="http://schemas.microsoft.com/office/drawing/2014/main" xmlns="" id="{080AD0FA-61EC-422D-598D-6668B38AEF4B}"/>
+              </a:ext>
+            </a:extLst>
+          </p:cNvPr>
+          <p:cNvSpPr>
+            <a:spLocks noGrp="1"/>
+          </p:cNvSpPr>
+          <p:nvPr>
+            <p:ph type="title"/>
+          </p:nvPr>
+        </p:nvSpPr>
+        <p:spPr/>
+        <p:txBody>
+          <a:bodyPr/>
+          <a:lstStyle/>
+          <a:p>
+            <a:r>
+              <a:rPr lang="en-US" altLang="zh-TW" dirty="0"/>
+              <a:t>Writing Example</a:t>
+            </a:r>
+            <a:endParaRPr lang="zh-TW" altLang="en-US" dirty="0"/>
+          </a:p>
+        </p:txBody>
+      </p:sp>
+      <p:sp>
+        <p:nvSpPr>
+          <p:cNvPr id="3" name="內容版面配置區 2">
+            <a:extLst>
+              <a:ext uri="{FF2B5EF4-FFF2-40B4-BE49-F238E27FC236}">
+                <a16:creationId xmlns:a16="http://schemas.microsoft.com/office/drawing/2014/main" xmlns="" id="{5C7DEE75-4817-D943-6B28-8ECDA7D521EB}"/>
+              </a:ext>
+            </a:extLst>
+          </p:cNvPr>
+          <p:cNvSpPr>
+            <a:spLocks noGrp="1"/>
+          </p:cNvSpPr>
+          <p:nvPr>
+            <p:ph idx="1"/>
+          </p:nvPr>
+        </p:nvSpPr>
+        <p:spPr/>
+        <p:txBody>
+          <a:bodyPr/>
+          <a:lstStyle/>
+          <a:p>
+            <a:r>
               <a:rPr lang="en-US" altLang="zh-TW" dirty="0"/>
               <a:t>describe(‘</a:t>
             </a:r>
@@ -9378,6 +10656,10 @@
             <a:br>
               <a:rPr lang="en-US" altLang="zh-TW" dirty="0"/>
             </a:br>
+            <a:r>
+              <a:rPr lang="en-US" altLang="zh-TW" dirty="0"/>
+              <a:t/>
+            </a:r>
             <a:br>
               <a:rPr lang="en-US" altLang="zh-TW" dirty="0"/>
             </a:br>
@@ -9388,6 +10670,10 @@
             <a:r>
               <a:rPr lang="zh-TW" altLang="en-US" dirty="0"/>
               <a:t>插入斷言</a:t>
+            </a:r>
+            <a:r>
+              <a:rPr lang="en-US" altLang="zh-TW" dirty="0"/>
+              <a:t/>
             </a:r>
             <a:br>
               <a:rPr lang="en-US" altLang="zh-TW" dirty="0"/>
@@ -9417,16 +10703,12 @@
   <p:clrMapOvr>
     <a:masterClrMapping/>
   </p:clrMapOvr>
-  <mc:AlternateContent xmlns:mc="http://schemas.openxmlformats.org/markup-compatibility/2006" xmlns:p14="http://schemas.microsoft.com/office/powerpoint/2010/main">
-    <mc:Choice Requires="p14">
-      <p:transition spd="med" p14:dur="700">
-        <p:fade/>
-      </p:transition>
+  <mc:AlternateContent xmlns:mc="http://schemas.openxmlformats.org/markup-compatibility/2006">
+    <mc:Choice xmlns:p14="http://schemas.microsoft.com/office/powerpoint/2010/main" Requires="p14">
+      <p:transition p14:dur="0"/>
     </mc:Choice>
-    <mc:Fallback xmlns="">
-      <p:transition spd="med">
-        <p:fade/>
-      </p:transition>
+    <mc:Fallback>
+      <p:transition/>
     </mc:Fallback>
   </mc:AlternateContent>
 </p:sld>
@@ -9550,16 +10832,12 @@
   <p:clrMapOvr>
     <a:masterClrMapping/>
   </p:clrMapOvr>
-  <mc:AlternateContent xmlns:mc="http://schemas.openxmlformats.org/markup-compatibility/2006" xmlns:p14="http://schemas.microsoft.com/office/powerpoint/2010/main">
-    <mc:Choice Requires="p14">
-      <p:transition spd="med" p14:dur="700">
-        <p:fade/>
-      </p:transition>
+  <mc:AlternateContent xmlns:mc="http://schemas.openxmlformats.org/markup-compatibility/2006">
+    <mc:Choice xmlns:p14="http://schemas.microsoft.com/office/powerpoint/2010/main" Requires="p14">
+      <p:transition p14:dur="0"/>
     </mc:Choice>
-    <mc:Fallback xmlns="">
-      <p:transition spd="med">
-        <p:fade/>
-      </p:transition>
+    <mc:Fallback>
+      <p:transition/>
     </mc:Fallback>
   </mc:AlternateContent>
 </p:sld>
@@ -9587,7 +10865,7 @@
           <p:cNvPr id="2" name="標題 1">
             <a:extLst>
               <a:ext uri="{FF2B5EF4-FFF2-40B4-BE49-F238E27FC236}">
-                <a16:creationId xmlns:a16="http://schemas.microsoft.com/office/drawing/2014/main" id="{2BF43A8E-B7D9-493A-53AD-17C11CAE3B92}"/>
+                <a16:creationId xmlns:a16="http://schemas.microsoft.com/office/drawing/2014/main" xmlns="" id="{2BF43A8E-B7D9-493A-53AD-17C11CAE3B92}"/>
               </a:ext>
             </a:extLst>
           </p:cNvPr>
@@ -9626,7 +10904,7 @@
           <p:cNvPr id="3" name="內容版面配置區 2">
             <a:extLst>
               <a:ext uri="{FF2B5EF4-FFF2-40B4-BE49-F238E27FC236}">
-                <a16:creationId xmlns:a16="http://schemas.microsoft.com/office/drawing/2014/main" id="{D1B4EF85-2B61-97B1-D1B2-73C07B541560}"/>
+                <a16:creationId xmlns:a16="http://schemas.microsoft.com/office/drawing/2014/main" xmlns="" id="{D1B4EF85-2B61-97B1-D1B2-73C07B541560}"/>
               </a:ext>
             </a:extLst>
           </p:cNvPr>
@@ -9654,6 +10932,10 @@
               <a:rPr lang="en-US" altLang="zh-TW" dirty="0" err="1"/>
               <a:t>npm</a:t>
             </a:r>
+            <a:r>
+              <a:rPr lang="en-US" altLang="zh-TW" dirty="0"/>
+              <a:t/>
+            </a:r>
             <a:br>
               <a:rPr lang="en-US" altLang="zh-TW" dirty="0"/>
             </a:br>
@@ -9679,6 +10961,10 @@
             <a:r>
               <a:rPr lang="zh-TW" altLang="en-US" dirty="0"/>
               <a:t>下載執行檔</a:t>
+            </a:r>
+            <a:r>
+              <a:rPr lang="en-US" altLang="zh-TW" dirty="0"/>
+              <a:t/>
             </a:r>
             <a:br>
               <a:rPr lang="en-US" altLang="zh-TW" dirty="0"/>
@@ -9754,7 +11040,7 @@
           <p:cNvPr id="4" name="矩形 3">
             <a:extLst>
               <a:ext uri="{FF2B5EF4-FFF2-40B4-BE49-F238E27FC236}">
-                <a16:creationId xmlns:a16="http://schemas.microsoft.com/office/drawing/2014/main" id="{2A2E2188-5655-61F0-C712-AE49387BB886}"/>
+                <a16:creationId xmlns:a16="http://schemas.microsoft.com/office/drawing/2014/main" xmlns="" id="{2A2E2188-5655-61F0-C712-AE49387BB886}"/>
               </a:ext>
             </a:extLst>
           </p:cNvPr>
@@ -9811,16 +11097,12 @@
   <p:clrMapOvr>
     <a:masterClrMapping/>
   </p:clrMapOvr>
-  <mc:AlternateContent xmlns:mc="http://schemas.openxmlformats.org/markup-compatibility/2006" xmlns:p14="http://schemas.microsoft.com/office/powerpoint/2010/main">
-    <mc:Choice Requires="p14">
-      <p:transition spd="med" p14:dur="700">
-        <p:fade/>
-      </p:transition>
+  <mc:AlternateContent xmlns:mc="http://schemas.openxmlformats.org/markup-compatibility/2006">
+    <mc:Choice xmlns:p14="http://schemas.microsoft.com/office/powerpoint/2010/main" Requires="p14">
+      <p:transition p14:dur="0"/>
     </mc:Choice>
-    <mc:Fallback xmlns="">
-      <p:transition spd="med">
-        <p:fade/>
-      </p:transition>
+    <mc:Fallback>
+      <p:transition/>
     </mc:Fallback>
   </mc:AlternateContent>
 </p:sld>
@@ -9843,15 +11125,73 @@
           <a:chExt cx="0" cy="0"/>
         </a:xfrm>
       </p:grpSpPr>
-      <p:sp>
-        <p:nvSpPr>
-          <p:cNvPr id="2" name="標題 1">
-            <a:extLst>
-              <a:ext uri="{FF2B5EF4-FFF2-40B4-BE49-F238E27FC236}">
-                <a16:creationId xmlns:a16="http://schemas.microsoft.com/office/drawing/2014/main" id="{ECC03A94-344E-38EC-62BE-6B4B54612F83}"/>
-              </a:ext>
-            </a:extLst>
-          </p:cNvPr>
+      <p:pic>
+        <p:nvPicPr>
+          <p:cNvPr id="4" name="圖片 3"/>
+          <p:cNvPicPr>
+            <a:picLocks noChangeAspect="1"/>
+          </p:cNvPicPr>
+          <p:nvPr/>
+        </p:nvPicPr>
+        <p:blipFill>
+          <a:blip r:embed="rId2"/>
+          <a:stretch>
+            <a:fillRect/>
+          </a:stretch>
+        </p:blipFill>
+        <p:spPr>
+          <a:xfrm>
+            <a:off x="2325187" y="1436542"/>
+            <a:ext cx="7920000" cy="5404913"/>
+          </a:xfrm>
+          <a:prstGeom prst="rect">
+            <a:avLst/>
+          </a:prstGeom>
+        </p:spPr>
+      </p:pic>
+      <p:sp>
+        <p:nvSpPr>
+          <p:cNvPr id="5" name="向右箭號 4"/>
+          <p:cNvSpPr/>
+          <p:nvPr/>
+        </p:nvSpPr>
+        <p:spPr>
+          <a:xfrm rot="3313959">
+            <a:off x="2419531" y="2658864"/>
+            <a:ext cx="1055429" cy="217824"/>
+          </a:xfrm>
+          <a:prstGeom prst="rightArrow">
+            <a:avLst/>
+          </a:prstGeom>
+        </p:spPr>
+        <p:style>
+          <a:lnRef idx="2">
+            <a:schemeClr val="accent1">
+              <a:shade val="50000"/>
+            </a:schemeClr>
+          </a:lnRef>
+          <a:fillRef idx="1">
+            <a:schemeClr val="accent1"/>
+          </a:fillRef>
+          <a:effectRef idx="0">
+            <a:schemeClr val="accent1"/>
+          </a:effectRef>
+          <a:fontRef idx="minor">
+            <a:schemeClr val="lt1"/>
+          </a:fontRef>
+        </p:style>
+        <p:txBody>
+          <a:bodyPr rtlCol="0" anchor="ctr"/>
+          <a:lstStyle/>
+          <a:p>
+            <a:pPr algn="ctr"/>
+            <a:endParaRPr lang="zh-TW" altLang="en-US"/>
+          </a:p>
+        </p:txBody>
+      </p:sp>
+      <p:sp>
+        <p:nvSpPr>
+          <p:cNvPr id="6" name="標題 5"/>
           <p:cNvSpPr>
             <a:spLocks noGrp="1"/>
           </p:cNvSpPr>
@@ -9865,133 +11205,12 @@
           <a:lstStyle/>
           <a:p>
             <a:r>
-              <a:rPr lang="en-US" altLang="zh-TW" dirty="0"/>
-              <a:t>visit</a:t>
-            </a:r>
-            <a:endParaRPr lang="zh-TW" altLang="en-US" dirty="0"/>
-          </a:p>
-        </p:txBody>
-      </p:sp>
-      <p:sp>
-        <p:nvSpPr>
-          <p:cNvPr id="3" name="內容版面配置區 2">
-            <a:extLst>
-              <a:ext uri="{FF2B5EF4-FFF2-40B4-BE49-F238E27FC236}">
-                <a16:creationId xmlns:a16="http://schemas.microsoft.com/office/drawing/2014/main" id="{B22DDFF3-165E-ED64-3B65-13223925E2B4}"/>
-              </a:ext>
-            </a:extLst>
-          </p:cNvPr>
-          <p:cNvSpPr>
-            <a:spLocks noGrp="1"/>
-          </p:cNvSpPr>
-          <p:nvPr>
-            <p:ph idx="1"/>
-          </p:nvPr>
-        </p:nvSpPr>
-        <p:spPr/>
-        <p:txBody>
-          <a:bodyPr/>
-          <a:lstStyle/>
-          <a:p>
-            <a:r>
-              <a:rPr lang="zh-TW" altLang="en-US" dirty="0"/>
-              <a:t>用於打開網站</a:t>
-            </a:r>
-            <a:endParaRPr lang="en-US" altLang="zh-TW" dirty="0"/>
-          </a:p>
-          <a:p>
-            <a:pPr lvl="1"/>
-            <a:r>
-              <a:rPr lang="en-US" altLang="zh-TW" dirty="0" err="1"/>
-              <a:t>cy.</a:t>
-            </a:r>
-            <a:r>
-              <a:rPr lang="en-US" altLang="zh-TW" dirty="0" err="1">
-                <a:solidFill>
-                  <a:srgbClr val="C792EA"/>
-                </a:solidFill>
-              </a:rPr>
-              <a:t>visit</a:t>
-            </a:r>
-            <a:r>
-              <a:rPr lang="en-US" altLang="zh-TW" dirty="0"/>
-              <a:t>(</a:t>
-            </a:r>
-            <a:r>
-              <a:rPr lang="en-US" altLang="zh-TW" dirty="0" err="1"/>
-              <a:t>url</a:t>
-            </a:r>
-            <a:r>
-              <a:rPr lang="en-US" altLang="zh-TW" dirty="0"/>
-              <a:t>)</a:t>
-            </a:r>
-          </a:p>
-          <a:p>
-            <a:pPr lvl="1"/>
-            <a:r>
-              <a:rPr lang="en-US" altLang="zh-TW" dirty="0" err="1"/>
-              <a:t>cy.</a:t>
-            </a:r>
-            <a:r>
-              <a:rPr lang="en-US" altLang="zh-TW" dirty="0" err="1">
-                <a:solidFill>
-                  <a:srgbClr val="C792EA"/>
-                </a:solidFill>
-              </a:rPr>
-              <a:t>visit</a:t>
-            </a:r>
-            <a:r>
-              <a:rPr lang="en-US" altLang="zh-TW" dirty="0"/>
-              <a:t>(</a:t>
-            </a:r>
-            <a:r>
-              <a:rPr lang="en-US" altLang="zh-TW" dirty="0" err="1"/>
-              <a:t>url</a:t>
-            </a:r>
-            <a:r>
-              <a:rPr lang="en-US" altLang="zh-TW" dirty="0"/>
-              <a:t>, options)</a:t>
-            </a:r>
-          </a:p>
-          <a:p>
-            <a:r>
-              <a:rPr lang="zh-TW" altLang="en-US" dirty="0"/>
-              <a:t>✅</a:t>
-            </a:r>
-            <a:r>
-              <a:rPr lang="en-US" altLang="zh-TW" dirty="0"/>
-              <a:t>Correct Usage</a:t>
-            </a:r>
-          </a:p>
-          <a:p>
-            <a:pPr lvl="1"/>
-            <a:r>
-              <a:rPr lang="en-US" altLang="zh-TW" dirty="0" err="1"/>
-              <a:t>cy.</a:t>
-            </a:r>
-            <a:r>
-              <a:rPr lang="en-US" altLang="zh-TW" dirty="0" err="1">
-                <a:solidFill>
-                  <a:srgbClr val="C792EA"/>
-                </a:solidFill>
-              </a:rPr>
-              <a:t>visit</a:t>
-            </a:r>
-            <a:r>
-              <a:rPr lang="en-US" altLang="zh-TW" dirty="0"/>
-              <a:t>(</a:t>
-            </a:r>
-            <a:r>
-              <a:rPr lang="en-US" altLang="zh-TW" dirty="0">
-                <a:solidFill>
-                  <a:srgbClr val="C3E88D"/>
-                </a:solidFill>
-              </a:rPr>
-              <a:t>'http://localhost:3000'</a:t>
-            </a:r>
-            <a:r>
-              <a:rPr lang="en-US" altLang="zh-TW" dirty="0"/>
-              <a:t>)</a:t>
+              <a:rPr lang="zh-TW" altLang="en-US" dirty="0" smtClean="0"/>
+              <a:t>開啟</a:t>
+            </a:r>
+            <a:r>
+              <a:rPr lang="en-US" altLang="zh-TW" dirty="0" smtClean="0"/>
+              <a:t>Cypress(1/4)</a:t>
             </a:r>
             <a:endParaRPr lang="zh-TW" altLang="en-US" dirty="0"/>
           </a:p>
@@ -10000,23 +11219,19 @@
     </p:spTree>
     <p:extLst>
       <p:ext uri="{BB962C8B-B14F-4D97-AF65-F5344CB8AC3E}">
-        <p14:creationId xmlns:p14="http://schemas.microsoft.com/office/powerpoint/2010/main" val="591961221"/>
+        <p14:creationId xmlns:p14="http://schemas.microsoft.com/office/powerpoint/2010/main" val="2141752804"/>
       </p:ext>
     </p:extLst>
   </p:cSld>
   <p:clrMapOvr>
     <a:masterClrMapping/>
   </p:clrMapOvr>
-  <mc:AlternateContent xmlns:mc="http://schemas.openxmlformats.org/markup-compatibility/2006" xmlns:p14="http://schemas.microsoft.com/office/powerpoint/2010/main">
-    <mc:Choice Requires="p14">
-      <p:transition spd="med" p14:dur="700">
-        <p:fade/>
-      </p:transition>
+  <mc:AlternateContent xmlns:mc="http://schemas.openxmlformats.org/markup-compatibility/2006">
+    <mc:Choice xmlns:p14="http://schemas.microsoft.com/office/powerpoint/2010/main" Requires="p14">
+      <p:transition p14:dur="0"/>
     </mc:Choice>
-    <mc:Fallback xmlns="">
-      <p:transition spd="med">
-        <p:fade/>
-      </p:transition>
+    <mc:Fallback>
+      <p:transition/>
     </mc:Fallback>
   </mc:AlternateContent>
 </p:sld>
@@ -10039,15 +11254,85 @@
           <a:chExt cx="0" cy="0"/>
         </a:xfrm>
       </p:grpSpPr>
-      <p:sp>
-        <p:nvSpPr>
-          <p:cNvPr id="2" name="標題 1">
+      <p:pic>
+        <p:nvPicPr>
+          <p:cNvPr id="4" name="圖片 3"/>
+          <p:cNvPicPr>
+            <a:picLocks noChangeAspect="1"/>
+          </p:cNvPicPr>
+          <p:nvPr/>
+        </p:nvPicPr>
+        <p:blipFill>
+          <a:blip r:embed="rId2"/>
+          <a:stretch>
+            <a:fillRect/>
+          </a:stretch>
+        </p:blipFill>
+        <p:spPr>
+          <a:xfrm>
+            <a:off x="2325600" y="1436400"/>
+            <a:ext cx="7920000" cy="5421600"/>
+          </a:xfrm>
+          <a:prstGeom prst="rect">
+            <a:avLst/>
+          </a:prstGeom>
+        </p:spPr>
+      </p:pic>
+      <p:sp>
+        <p:nvSpPr>
+          <p:cNvPr id="5" name="矩形 4">
             <a:extLst>
               <a:ext uri="{FF2B5EF4-FFF2-40B4-BE49-F238E27FC236}">
-                <a16:creationId xmlns:a16="http://schemas.microsoft.com/office/drawing/2014/main" id="{EB5AE77C-433B-E26C-EE21-19C6825BB81F}"/>
+                <a16:creationId xmlns:a16="http://schemas.microsoft.com/office/drawing/2014/main" xmlns="" id="{2A2E2188-5655-61F0-C712-AE49387BB886}"/>
               </a:ext>
             </a:extLst>
           </p:cNvPr>
+          <p:cNvSpPr/>
+          <p:nvPr/>
+        </p:nvSpPr>
+        <p:spPr>
+          <a:xfrm>
+            <a:off x="3305908" y="3454281"/>
+            <a:ext cx="2874881" cy="2489318"/>
+          </a:xfrm>
+          <a:prstGeom prst="rect">
+            <a:avLst/>
+          </a:prstGeom>
+          <a:noFill/>
+          <a:ln w="28575">
+            <a:solidFill>
+              <a:schemeClr val="accent1"/>
+            </a:solidFill>
+          </a:ln>
+        </p:spPr>
+        <p:style>
+          <a:lnRef idx="2">
+            <a:schemeClr val="accent1">
+              <a:shade val="15000"/>
+            </a:schemeClr>
+          </a:lnRef>
+          <a:fillRef idx="1">
+            <a:schemeClr val="accent1"/>
+          </a:fillRef>
+          <a:effectRef idx="0">
+            <a:schemeClr val="accent1"/>
+          </a:effectRef>
+          <a:fontRef idx="minor">
+            <a:schemeClr val="lt1"/>
+          </a:fontRef>
+        </p:style>
+        <p:txBody>
+          <a:bodyPr rtlCol="0" anchor="ctr"/>
+          <a:lstStyle/>
+          <a:p>
+            <a:pPr algn="ctr"/>
+            <a:endParaRPr lang="zh-TW" altLang="en-US"/>
+          </a:p>
+        </p:txBody>
+      </p:sp>
+      <p:sp>
+        <p:nvSpPr>
+          <p:cNvPr id="6" name="標題 5"/>
           <p:cNvSpPr>
             <a:spLocks noGrp="1"/>
           </p:cNvSpPr>
@@ -10061,162 +11346,16 @@
           <a:lstStyle/>
           <a:p>
             <a:r>
-              <a:rPr lang="en-US" altLang="zh-TW" dirty="0"/>
-              <a:t>get</a:t>
-            </a:r>
-            <a:endParaRPr lang="zh-TW" altLang="en-US" dirty="0"/>
-          </a:p>
-        </p:txBody>
-      </p:sp>
-      <p:sp>
-        <p:nvSpPr>
-          <p:cNvPr id="3" name="內容版面配置區 2">
-            <a:extLst>
-              <a:ext uri="{FF2B5EF4-FFF2-40B4-BE49-F238E27FC236}">
-                <a16:creationId xmlns:a16="http://schemas.microsoft.com/office/drawing/2014/main" id="{3DA67129-7E2B-CC7C-E356-4093CAD32518}"/>
-              </a:ext>
-            </a:extLst>
-          </p:cNvPr>
-          <p:cNvSpPr>
-            <a:spLocks noGrp="1"/>
-          </p:cNvSpPr>
-          <p:nvPr>
-            <p:ph idx="1"/>
-          </p:nvPr>
-        </p:nvSpPr>
-        <p:spPr/>
-        <p:txBody>
-          <a:bodyPr>
-            <a:normAutofit lnSpcReduction="10000"/>
-          </a:bodyPr>
-          <a:lstStyle/>
-          <a:p>
-            <a:r>
               <a:rPr lang="zh-TW" altLang="en-US" dirty="0"/>
-              <a:t>透過選擇器或別名取得一個或多個 </a:t>
-            </a:r>
-            <a:r>
-              <a:rPr lang="en-US" altLang="zh-TW" dirty="0"/>
-              <a:t>DOM </a:t>
-            </a:r>
-            <a:r>
-              <a:rPr lang="zh-TW" altLang="en-US" dirty="0"/>
-              <a:t>元素</a:t>
-            </a:r>
-            <a:endParaRPr lang="en-US" altLang="zh-TW" dirty="0"/>
-          </a:p>
-          <a:p>
-            <a:pPr lvl="1"/>
-            <a:r>
-              <a:rPr lang="en-US" altLang="zh-TW" dirty="0" err="1"/>
-              <a:t>cy.</a:t>
-            </a:r>
-            <a:r>
-              <a:rPr lang="en-US" altLang="zh-TW" dirty="0" err="1">
-                <a:solidFill>
-                  <a:srgbClr val="C792EA"/>
-                </a:solidFill>
-              </a:rPr>
-              <a:t>get</a:t>
-            </a:r>
-            <a:r>
-              <a:rPr lang="en-US" altLang="zh-TW" dirty="0"/>
-              <a:t>(selector)</a:t>
-            </a:r>
-          </a:p>
-          <a:p>
-            <a:pPr lvl="1"/>
-            <a:r>
-              <a:rPr lang="en-US" altLang="zh-TW" dirty="0" err="1"/>
-              <a:t>cy.</a:t>
-            </a:r>
-            <a:r>
-              <a:rPr lang="en-US" altLang="zh-TW" dirty="0" err="1">
-                <a:solidFill>
-                  <a:srgbClr val="C792EA"/>
-                </a:solidFill>
-              </a:rPr>
-              <a:t>get</a:t>
-            </a:r>
-            <a:r>
-              <a:rPr lang="en-US" altLang="zh-TW" dirty="0"/>
-              <a:t>(alias)</a:t>
-            </a:r>
-          </a:p>
-          <a:p>
-            <a:r>
-              <a:rPr lang="zh-TW" altLang="en-US" dirty="0"/>
-              <a:t>✅</a:t>
-            </a:r>
-            <a:r>
-              <a:rPr lang="en-US" altLang="zh-TW" dirty="0"/>
-              <a:t>Correct Usage</a:t>
-            </a:r>
-          </a:p>
-          <a:p>
-            <a:pPr lvl="1"/>
-            <a:r>
-              <a:rPr lang="en-US" altLang="zh-TW" dirty="0" err="1"/>
-              <a:t>cy.</a:t>
-            </a:r>
-            <a:r>
-              <a:rPr lang="en-US" altLang="zh-TW" dirty="0" err="1">
-                <a:solidFill>
-                  <a:srgbClr val="C792EA"/>
-                </a:solidFill>
-              </a:rPr>
-              <a:t>get</a:t>
-            </a:r>
-            <a:r>
-              <a:rPr lang="en-US" altLang="zh-TW" dirty="0"/>
-              <a:t>(</a:t>
-            </a:r>
-            <a:r>
-              <a:rPr lang="en-US" altLang="zh-TW" dirty="0">
-                <a:solidFill>
-                  <a:srgbClr val="C3E88D"/>
-                </a:solidFill>
-              </a:rPr>
-              <a:t>'.list &gt; li'</a:t>
-            </a:r>
-            <a:r>
-              <a:rPr lang="en-US" altLang="zh-TW" dirty="0"/>
-              <a:t>) // Yield the &lt;li&gt;'s in .list</a:t>
-            </a:r>
-          </a:p>
-          <a:p>
-            <a:r>
-              <a:rPr lang="zh-TW" altLang="en-US" dirty="0"/>
-              <a:t>支援語法</a:t>
-            </a:r>
-            <a:endParaRPr lang="en-US" altLang="zh-TW" dirty="0"/>
-          </a:p>
-          <a:p>
-            <a:pPr lvl="1"/>
-            <a:r>
-              <a:rPr lang="en-US" altLang="zh-TW" dirty="0"/>
-              <a:t>#id</a:t>
-            </a:r>
-          </a:p>
-          <a:p>
-            <a:pPr lvl="1"/>
-            <a:r>
-              <a:rPr lang="en-US" altLang="zh-TW" dirty="0"/>
-              <a:t>.class</a:t>
-            </a:r>
-          </a:p>
-          <a:p>
-            <a:pPr lvl="1"/>
-            <a:r>
-              <a:rPr lang="en-US" altLang="zh-TW" dirty="0"/>
-              <a:t>Attributes</a:t>
-            </a:r>
-          </a:p>
-          <a:p>
-            <a:pPr lvl="1"/>
-            <a:r>
-              <a:rPr lang="en-US" altLang="zh-TW" dirty="0"/>
-              <a:t>:nth-child(n)</a:t>
+              <a:t>開啟</a:t>
+            </a:r>
+            <a:r>
+              <a:rPr lang="en-US" altLang="zh-TW" dirty="0" smtClean="0"/>
+              <a:t>Cypress(2/4</a:t>
+            </a:r>
+            <a:r>
+              <a:rPr lang="en-US" altLang="zh-TW" dirty="0"/>
+              <a:t>)</a:t>
             </a:r>
             <a:endParaRPr lang="zh-TW" altLang="en-US" dirty="0"/>
           </a:p>
@@ -10225,23 +11364,19 @@
     </p:spTree>
     <p:extLst>
       <p:ext uri="{BB962C8B-B14F-4D97-AF65-F5344CB8AC3E}">
-        <p14:creationId xmlns:p14="http://schemas.microsoft.com/office/powerpoint/2010/main" val="419733672"/>
+        <p14:creationId xmlns:p14="http://schemas.microsoft.com/office/powerpoint/2010/main" val="4265353263"/>
       </p:ext>
     </p:extLst>
   </p:cSld>
   <p:clrMapOvr>
     <a:masterClrMapping/>
   </p:clrMapOvr>
-  <mc:AlternateContent xmlns:mc="http://schemas.openxmlformats.org/markup-compatibility/2006" xmlns:p14="http://schemas.microsoft.com/office/powerpoint/2010/main">
-    <mc:Choice Requires="p14">
-      <p:transition spd="med" p14:dur="700">
-        <p:fade/>
-      </p:transition>
+  <mc:AlternateContent xmlns:mc="http://schemas.openxmlformats.org/markup-compatibility/2006">
+    <mc:Choice xmlns:p14="http://schemas.microsoft.com/office/powerpoint/2010/main" Requires="p14">
+      <p:transition p14:dur="0"/>
     </mc:Choice>
-    <mc:Fallback xmlns="">
-      <p:transition spd="med">
-        <p:fade/>
-      </p:transition>
+    <mc:Fallback>
+      <p:transition/>
     </mc:Fallback>
   </mc:AlternateContent>
 </p:sld>
@@ -10264,15 +11399,125 @@
           <a:chExt cx="0" cy="0"/>
         </a:xfrm>
       </p:grpSpPr>
-      <p:sp>
-        <p:nvSpPr>
-          <p:cNvPr id="2" name="標題 1">
+      <p:pic>
+        <p:nvPicPr>
+          <p:cNvPr id="4" name="圖片 3"/>
+          <p:cNvPicPr>
+            <a:picLocks noChangeAspect="1"/>
+          </p:cNvPicPr>
+          <p:nvPr/>
+        </p:nvPicPr>
+        <p:blipFill>
+          <a:blip r:embed="rId2"/>
+          <a:stretch>
+            <a:fillRect/>
+          </a:stretch>
+        </p:blipFill>
+        <p:spPr>
+          <a:xfrm>
+            <a:off x="2325600" y="1436401"/>
+            <a:ext cx="7920000" cy="5421600"/>
+          </a:xfrm>
+          <a:prstGeom prst="rect">
+            <a:avLst/>
+          </a:prstGeom>
+        </p:spPr>
+      </p:pic>
+      <p:sp>
+        <p:nvSpPr>
+          <p:cNvPr id="5" name="矩形 4">
             <a:extLst>
               <a:ext uri="{FF2B5EF4-FFF2-40B4-BE49-F238E27FC236}">
-                <a16:creationId xmlns:a16="http://schemas.microsoft.com/office/drawing/2014/main" id="{75AFDBF1-FECF-6723-1095-18C5A329CF3A}"/>
+                <a16:creationId xmlns:a16="http://schemas.microsoft.com/office/drawing/2014/main" xmlns="" id="{2A2E2188-5655-61F0-C712-AE49387BB886}"/>
               </a:ext>
             </a:extLst>
           </p:cNvPr>
+          <p:cNvSpPr/>
+          <p:nvPr/>
+        </p:nvSpPr>
+        <p:spPr>
+          <a:xfrm>
+            <a:off x="7140342" y="3277935"/>
+            <a:ext cx="1354246" cy="1294066"/>
+          </a:xfrm>
+          <a:prstGeom prst="rect">
+            <a:avLst/>
+          </a:prstGeom>
+          <a:noFill/>
+          <a:ln w="28575">
+            <a:solidFill>
+              <a:schemeClr val="accent1"/>
+            </a:solidFill>
+          </a:ln>
+        </p:spPr>
+        <p:style>
+          <a:lnRef idx="2">
+            <a:schemeClr val="accent1">
+              <a:shade val="15000"/>
+            </a:schemeClr>
+          </a:lnRef>
+          <a:fillRef idx="1">
+            <a:schemeClr val="accent1"/>
+          </a:fillRef>
+          <a:effectRef idx="0">
+            <a:schemeClr val="accent1"/>
+          </a:effectRef>
+          <a:fontRef idx="minor">
+            <a:schemeClr val="lt1"/>
+          </a:fontRef>
+        </p:style>
+        <p:txBody>
+          <a:bodyPr rtlCol="0" anchor="ctr"/>
+          <a:lstStyle/>
+          <a:p>
+            <a:pPr algn="ctr"/>
+            <a:endParaRPr lang="zh-TW" altLang="en-US"/>
+          </a:p>
+        </p:txBody>
+      </p:sp>
+      <p:sp>
+        <p:nvSpPr>
+          <p:cNvPr id="6" name="向右箭號 5"/>
+          <p:cNvSpPr/>
+          <p:nvPr/>
+        </p:nvSpPr>
+        <p:spPr>
+          <a:xfrm rot="7115591">
+            <a:off x="6865428" y="4556454"/>
+            <a:ext cx="395685" cy="278675"/>
+          </a:xfrm>
+          <a:prstGeom prst="rightArrow">
+            <a:avLst/>
+          </a:prstGeom>
+        </p:spPr>
+        <p:style>
+          <a:lnRef idx="2">
+            <a:schemeClr val="accent1">
+              <a:shade val="50000"/>
+            </a:schemeClr>
+          </a:lnRef>
+          <a:fillRef idx="1">
+            <a:schemeClr val="accent1"/>
+          </a:fillRef>
+          <a:effectRef idx="0">
+            <a:schemeClr val="accent1"/>
+          </a:effectRef>
+          <a:fontRef idx="minor">
+            <a:schemeClr val="lt1"/>
+          </a:fontRef>
+        </p:style>
+        <p:txBody>
+          <a:bodyPr rtlCol="0" anchor="ctr"/>
+          <a:lstStyle/>
+          <a:p>
+            <a:pPr algn="ctr"/>
+            <a:endParaRPr lang="zh-TW" altLang="en-US"/>
+          </a:p>
+        </p:txBody>
+      </p:sp>
+      <p:sp>
+        <p:nvSpPr>
+          <p:cNvPr id="7" name="標題 6"/>
           <p:cNvSpPr>
             <a:spLocks noGrp="1"/>
           </p:cNvSpPr>
@@ -10286,307 +11531,37 @@
           <a:lstStyle/>
           <a:p>
             <a:r>
-              <a:rPr lang="en-US" altLang="zh-TW" dirty="0"/>
-              <a:t>click</a:t>
+              <a:rPr lang="zh-TW" altLang="en-US" dirty="0"/>
+              <a:t>開啟</a:t>
+            </a:r>
+            <a:r>
+              <a:rPr lang="en-US" altLang="zh-TW" dirty="0" smtClean="0"/>
+              <a:t>Cypress(3/4</a:t>
+            </a:r>
+            <a:r>
+              <a:rPr lang="en-US" altLang="zh-TW" dirty="0"/>
+              <a:t>)</a:t>
             </a:r>
             <a:endParaRPr lang="zh-TW" altLang="en-US" dirty="0"/>
-          </a:p>
-        </p:txBody>
-      </p:sp>
-      <p:sp>
-        <p:nvSpPr>
-          <p:cNvPr id="3" name="內容版面配置區 2">
-            <a:extLst>
-              <a:ext uri="{FF2B5EF4-FFF2-40B4-BE49-F238E27FC236}">
-                <a16:creationId xmlns:a16="http://schemas.microsoft.com/office/drawing/2014/main" id="{B28A0A8A-E63F-524C-D052-60FBF7E2CDFD}"/>
-              </a:ext>
-            </a:extLst>
-          </p:cNvPr>
-          <p:cNvSpPr>
-            <a:spLocks noGrp="1"/>
-          </p:cNvSpPr>
-          <p:nvPr>
-            <p:ph idx="1"/>
-          </p:nvPr>
-        </p:nvSpPr>
-        <p:spPr/>
-        <p:txBody>
-          <a:bodyPr>
-            <a:normAutofit/>
-          </a:bodyPr>
-          <a:lstStyle/>
-          <a:p>
-            <a:r>
-              <a:rPr lang="zh-TW" altLang="en-US" dirty="0"/>
-              <a:t>單擊要使用的 </a:t>
-            </a:r>
-            <a:r>
-              <a:rPr lang="en-US" altLang="zh-TW" dirty="0"/>
-              <a:t>DOM </a:t>
-            </a:r>
-            <a:r>
-              <a:rPr lang="zh-TW" altLang="en-US" dirty="0"/>
-              <a:t>元素</a:t>
-            </a:r>
-            <a:endParaRPr lang="en-US" altLang="zh-TW" dirty="0"/>
-          </a:p>
-          <a:p>
-            <a:pPr lvl="1"/>
-            <a:r>
-              <a:rPr lang="en-US" altLang="zh-TW" dirty="0"/>
-              <a:t>.</a:t>
-            </a:r>
-            <a:r>
-              <a:rPr lang="en-US" altLang="zh-TW" dirty="0">
-                <a:solidFill>
-                  <a:srgbClr val="C792EA"/>
-                </a:solidFill>
-              </a:rPr>
-              <a:t>click</a:t>
-            </a:r>
-            <a:r>
-              <a:rPr lang="en-US" altLang="zh-TW" dirty="0"/>
-              <a:t>()</a:t>
-            </a:r>
-          </a:p>
-          <a:p>
-            <a:pPr lvl="1"/>
-            <a:r>
-              <a:rPr lang="en-US" altLang="zh-TW" dirty="0"/>
-              <a:t>.</a:t>
-            </a:r>
-            <a:r>
-              <a:rPr lang="en-US" altLang="zh-TW" dirty="0">
-                <a:solidFill>
-                  <a:srgbClr val="C792EA"/>
-                </a:solidFill>
-              </a:rPr>
-              <a:t>click</a:t>
-            </a:r>
-            <a:r>
-              <a:rPr lang="en-US" altLang="zh-TW" dirty="0"/>
-              <a:t>(position, options) </a:t>
-            </a:r>
-          </a:p>
-          <a:p>
-            <a:pPr lvl="1"/>
-            <a:r>
-              <a:rPr lang="en-US" altLang="zh-TW" dirty="0"/>
-              <a:t>.</a:t>
-            </a:r>
-            <a:r>
-              <a:rPr lang="en-US" altLang="zh-TW" dirty="0">
-                <a:solidFill>
-                  <a:srgbClr val="C792EA"/>
-                </a:solidFill>
-              </a:rPr>
-              <a:t>click</a:t>
-            </a:r>
-            <a:r>
-              <a:rPr lang="en-US" altLang="zh-TW" dirty="0"/>
-              <a:t>(x, y) </a:t>
-            </a:r>
-          </a:p>
-          <a:p>
-            <a:pPr lvl="1"/>
-            <a:r>
-              <a:rPr lang="en-US" altLang="zh-TW" dirty="0"/>
-              <a:t>.</a:t>
-            </a:r>
-            <a:r>
-              <a:rPr lang="en-US" altLang="zh-TW" dirty="0">
-                <a:solidFill>
-                  <a:srgbClr val="C792EA"/>
-                </a:solidFill>
-              </a:rPr>
-              <a:t>click</a:t>
-            </a:r>
-            <a:r>
-              <a:rPr lang="en-US" altLang="zh-TW" dirty="0"/>
-              <a:t>(x, y, options)</a:t>
-            </a:r>
-          </a:p>
-          <a:p>
-            <a:r>
-              <a:rPr lang="zh-TW" altLang="en-US" dirty="0"/>
-              <a:t>✅</a:t>
-            </a:r>
-            <a:r>
-              <a:rPr lang="en-US" altLang="zh-TW" dirty="0"/>
-              <a:t>Correct Usage</a:t>
-            </a:r>
-          </a:p>
-          <a:p>
-            <a:pPr lvl="1"/>
-            <a:r>
-              <a:rPr lang="en-US" altLang="zh-TW" dirty="0" err="1"/>
-              <a:t>cy.</a:t>
-            </a:r>
-            <a:r>
-              <a:rPr lang="en-US" altLang="zh-TW" dirty="0" err="1">
-                <a:solidFill>
-                  <a:srgbClr val="C792EA"/>
-                </a:solidFill>
-              </a:rPr>
-              <a:t>get</a:t>
-            </a:r>
-            <a:r>
-              <a:rPr lang="en-US" altLang="zh-TW" dirty="0"/>
-              <a:t>(</a:t>
-            </a:r>
-            <a:r>
-              <a:rPr lang="en-US" altLang="zh-TW" dirty="0">
-                <a:solidFill>
-                  <a:srgbClr val="C3E88D"/>
-                </a:solidFill>
-              </a:rPr>
-              <a:t>'.</a:t>
-            </a:r>
-            <a:r>
-              <a:rPr lang="en-US" altLang="zh-TW" dirty="0" err="1">
-                <a:solidFill>
-                  <a:srgbClr val="C3E88D"/>
-                </a:solidFill>
-              </a:rPr>
-              <a:t>btn</a:t>
-            </a:r>
-            <a:r>
-              <a:rPr lang="en-US" altLang="zh-TW" dirty="0">
-                <a:solidFill>
-                  <a:srgbClr val="C3E88D"/>
-                </a:solidFill>
-              </a:rPr>
-              <a:t>'</a:t>
-            </a:r>
-            <a:r>
-              <a:rPr lang="en-US" altLang="zh-TW" dirty="0"/>
-              <a:t>).</a:t>
-            </a:r>
-            <a:r>
-              <a:rPr lang="en-US" altLang="zh-TW" dirty="0">
-                <a:solidFill>
-                  <a:srgbClr val="C792EA"/>
-                </a:solidFill>
-              </a:rPr>
-              <a:t>click</a:t>
-            </a:r>
-            <a:r>
-              <a:rPr lang="en-US" altLang="zh-TW" dirty="0"/>
-              <a:t>() // Click on button</a:t>
-            </a:r>
-          </a:p>
-          <a:p>
-            <a:pPr lvl="1"/>
-            <a:r>
-              <a:rPr lang="en-US" altLang="zh-TW" dirty="0" err="1"/>
-              <a:t>cy.</a:t>
-            </a:r>
-            <a:r>
-              <a:rPr lang="en-US" altLang="zh-TW" dirty="0" err="1">
-                <a:solidFill>
-                  <a:srgbClr val="C792EA"/>
-                </a:solidFill>
-              </a:rPr>
-              <a:t>focused</a:t>
-            </a:r>
-            <a:r>
-              <a:rPr lang="en-US" altLang="zh-TW" dirty="0"/>
-              <a:t>().</a:t>
-            </a:r>
-            <a:r>
-              <a:rPr lang="en-US" altLang="zh-TW" dirty="0">
-                <a:solidFill>
-                  <a:srgbClr val="C792EA"/>
-                </a:solidFill>
-              </a:rPr>
-              <a:t>click</a:t>
-            </a:r>
-            <a:r>
-              <a:rPr lang="en-US" altLang="zh-TW" dirty="0"/>
-              <a:t>() // Click on </a:t>
-            </a:r>
-            <a:r>
-              <a:rPr lang="en-US" altLang="zh-TW" dirty="0" err="1"/>
-              <a:t>el</a:t>
-            </a:r>
-            <a:r>
-              <a:rPr lang="en-US" altLang="zh-TW" dirty="0"/>
-              <a:t> with focus</a:t>
-            </a:r>
-          </a:p>
-          <a:p>
-            <a:pPr lvl="1"/>
-            <a:r>
-              <a:rPr lang="en-US" altLang="zh-TW" dirty="0" err="1"/>
-              <a:t>cy.</a:t>
-            </a:r>
-            <a:r>
-              <a:rPr lang="en-US" altLang="zh-TW" dirty="0" err="1">
-                <a:solidFill>
-                  <a:srgbClr val="C792EA"/>
-                </a:solidFill>
-              </a:rPr>
-              <a:t>contains</a:t>
-            </a:r>
-            <a:r>
-              <a:rPr lang="en-US" altLang="zh-TW" dirty="0"/>
-              <a:t>(</a:t>
-            </a:r>
-            <a:r>
-              <a:rPr lang="en-US" altLang="zh-TW" dirty="0">
-                <a:solidFill>
-                  <a:srgbClr val="C3E88D"/>
-                </a:solidFill>
-              </a:rPr>
-              <a:t>'Welcome'</a:t>
-            </a:r>
-            <a:r>
-              <a:rPr lang="en-US" altLang="zh-TW" dirty="0"/>
-              <a:t>).</a:t>
-            </a:r>
-            <a:r>
-              <a:rPr lang="en-US" altLang="zh-TW" dirty="0">
-                <a:solidFill>
-                  <a:srgbClr val="C792EA"/>
-                </a:solidFill>
-              </a:rPr>
-              <a:t>click</a:t>
-            </a:r>
-            <a:r>
-              <a:rPr lang="en-US" altLang="zh-TW" dirty="0"/>
-              <a:t>() // Click on first </a:t>
-            </a:r>
-            <a:r>
-              <a:rPr lang="en-US" altLang="zh-TW" dirty="0" err="1"/>
-              <a:t>el</a:t>
-            </a:r>
-            <a:r>
-              <a:rPr lang="en-US" altLang="zh-TW" dirty="0"/>
-              <a:t> containing 'Welcome'</a:t>
-            </a:r>
           </a:p>
         </p:txBody>
       </p:sp>
     </p:spTree>
     <p:extLst>
       <p:ext uri="{BB962C8B-B14F-4D97-AF65-F5344CB8AC3E}">
-        <p14:creationId xmlns:p14="http://schemas.microsoft.com/office/powerpoint/2010/main" val="2394020136"/>
+        <p14:creationId xmlns:p14="http://schemas.microsoft.com/office/powerpoint/2010/main" val="2678047914"/>
       </p:ext>
     </p:extLst>
   </p:cSld>
   <p:clrMapOvr>
     <a:masterClrMapping/>
   </p:clrMapOvr>
-  <mc:AlternateContent xmlns:mc="http://schemas.openxmlformats.org/markup-compatibility/2006" xmlns:p14="http://schemas.microsoft.com/office/powerpoint/2010/main">
-    <mc:Choice Requires="p14">
-      <p:transition spd="med" p14:dur="700">
-        <p:fade/>
-      </p:transition>
+  <mc:AlternateContent xmlns:mc="http://schemas.openxmlformats.org/markup-compatibility/2006">
+    <mc:Choice xmlns:p14="http://schemas.microsoft.com/office/powerpoint/2010/main" Requires="p14">
+      <p:transition p14:dur="0"/>
     </mc:Choice>
-    <mc:Fallback xmlns="">
-      <p:transition spd="med">
-        <p:fade/>
-      </p:transition>
+    <mc:Fallback>
+      <p:transition/>
     </mc:Fallback>
   </mc:AlternateContent>
 </p:sld>
@@ -10609,15 +11584,85 @@
           <a:chExt cx="0" cy="0"/>
         </a:xfrm>
       </p:grpSpPr>
-      <p:sp>
-        <p:nvSpPr>
-          <p:cNvPr id="2" name="標題 1">
+      <p:pic>
+        <p:nvPicPr>
+          <p:cNvPr id="4" name="圖片 3"/>
+          <p:cNvPicPr>
+            <a:picLocks/>
+          </p:cNvPicPr>
+          <p:nvPr/>
+        </p:nvPicPr>
+        <p:blipFill>
+          <a:blip r:embed="rId2"/>
+          <a:stretch>
+            <a:fillRect/>
+          </a:stretch>
+        </p:blipFill>
+        <p:spPr>
+          <a:xfrm>
+            <a:off x="2325600" y="1436400"/>
+            <a:ext cx="7920000" cy="5400000"/>
+          </a:xfrm>
+          <a:prstGeom prst="rect">
+            <a:avLst/>
+          </a:prstGeom>
+        </p:spPr>
+      </p:pic>
+      <p:sp>
+        <p:nvSpPr>
+          <p:cNvPr id="5" name="矩形 4">
             <a:extLst>
               <a:ext uri="{FF2B5EF4-FFF2-40B4-BE49-F238E27FC236}">
-                <a16:creationId xmlns:a16="http://schemas.microsoft.com/office/drawing/2014/main" id="{5EBAB03E-58B3-1007-B5B7-C622834FEAB7}"/>
+                <a16:creationId xmlns:a16="http://schemas.microsoft.com/office/drawing/2014/main" xmlns="" id="{2A2E2188-5655-61F0-C712-AE49387BB886}"/>
               </a:ext>
             </a:extLst>
           </p:cNvPr>
+          <p:cNvSpPr/>
+          <p:nvPr/>
+        </p:nvSpPr>
+        <p:spPr>
+          <a:xfrm>
+            <a:off x="3312367" y="2911151"/>
+            <a:ext cx="4879911" cy="233888"/>
+          </a:xfrm>
+          <a:prstGeom prst="rect">
+            <a:avLst/>
+          </a:prstGeom>
+          <a:noFill/>
+          <a:ln w="28575">
+            <a:solidFill>
+              <a:schemeClr val="accent1"/>
+            </a:solidFill>
+          </a:ln>
+        </p:spPr>
+        <p:style>
+          <a:lnRef idx="2">
+            <a:schemeClr val="accent1">
+              <a:shade val="15000"/>
+            </a:schemeClr>
+          </a:lnRef>
+          <a:fillRef idx="1">
+            <a:schemeClr val="accent1"/>
+          </a:fillRef>
+          <a:effectRef idx="0">
+            <a:schemeClr val="accent1"/>
+          </a:effectRef>
+          <a:fontRef idx="minor">
+            <a:schemeClr val="lt1"/>
+          </a:fontRef>
+        </p:style>
+        <p:txBody>
+          <a:bodyPr rtlCol="0" anchor="ctr"/>
+          <a:lstStyle/>
+          <a:p>
+            <a:pPr algn="ctr"/>
+            <a:endParaRPr lang="zh-TW" altLang="en-US"/>
+          </a:p>
+        </p:txBody>
+      </p:sp>
+      <p:sp>
+        <p:nvSpPr>
+          <p:cNvPr id="6" name="標題 5"/>
           <p:cNvSpPr>
             <a:spLocks noGrp="1"/>
           </p:cNvSpPr>
@@ -10631,175 +11676,46 @@
           <a:lstStyle/>
           <a:p>
             <a:r>
-              <a:rPr lang="en-US" altLang="zh-TW" dirty="0"/>
-              <a:t>type</a:t>
+              <a:rPr lang="zh-TW" altLang="en-US" dirty="0"/>
+              <a:t>開啟</a:t>
+            </a:r>
+            <a:r>
+              <a:rPr lang="en-US" altLang="zh-TW" dirty="0" smtClean="0"/>
+              <a:t>Cypress(4/4</a:t>
+            </a:r>
+            <a:r>
+              <a:rPr lang="en-US" altLang="zh-TW" dirty="0"/>
+              <a:t>)</a:t>
             </a:r>
             <a:endParaRPr lang="zh-TW" altLang="en-US" dirty="0"/>
-          </a:p>
-        </p:txBody>
-      </p:sp>
-      <p:sp>
-        <p:nvSpPr>
-          <p:cNvPr id="3" name="內容版面配置區 2">
-            <a:extLst>
-              <a:ext uri="{FF2B5EF4-FFF2-40B4-BE49-F238E27FC236}">
-                <a16:creationId xmlns:a16="http://schemas.microsoft.com/office/drawing/2014/main" id="{15AE9A5C-D036-0878-AAA7-3DE416FE07ED}"/>
-              </a:ext>
-            </a:extLst>
-          </p:cNvPr>
-          <p:cNvSpPr>
-            <a:spLocks noGrp="1"/>
-          </p:cNvSpPr>
-          <p:nvPr>
-            <p:ph idx="1"/>
-          </p:nvPr>
-        </p:nvSpPr>
-        <p:spPr/>
-        <p:txBody>
-          <a:bodyPr/>
-          <a:lstStyle/>
-          <a:p>
-            <a:r>
-              <a:rPr lang="zh-TW" altLang="en-US" dirty="0"/>
-              <a:t>填滿所需 </a:t>
-            </a:r>
-            <a:r>
-              <a:rPr lang="en-US" altLang="zh-TW" dirty="0"/>
-              <a:t>DOM </a:t>
-            </a:r>
-            <a:r>
-              <a:rPr lang="zh-TW" altLang="en-US" dirty="0"/>
-              <a:t>元素</a:t>
-            </a:r>
-            <a:endParaRPr lang="en-US" altLang="zh-TW" dirty="0"/>
-          </a:p>
-          <a:p>
-            <a:pPr lvl="1"/>
-            <a:r>
-              <a:rPr lang="en-US" altLang="zh-TW" dirty="0"/>
-              <a:t>.</a:t>
-            </a:r>
-            <a:r>
-              <a:rPr lang="en-US" altLang="zh-TW" dirty="0">
-                <a:solidFill>
-                  <a:srgbClr val="C792EA"/>
-                </a:solidFill>
-              </a:rPr>
-              <a:t>type</a:t>
-            </a:r>
-            <a:r>
-              <a:rPr lang="en-US" altLang="zh-TW" dirty="0"/>
-              <a:t>(text)</a:t>
-            </a:r>
-          </a:p>
-          <a:p>
-            <a:pPr lvl="1"/>
-            <a:r>
-              <a:rPr lang="en-US" altLang="zh-TW" dirty="0"/>
-              <a:t>.</a:t>
-            </a:r>
-            <a:r>
-              <a:rPr lang="en-US" altLang="zh-TW" dirty="0">
-                <a:solidFill>
-                  <a:srgbClr val="C792EA"/>
-                </a:solidFill>
-              </a:rPr>
-              <a:t>type</a:t>
-            </a:r>
-            <a:r>
-              <a:rPr lang="en-US" altLang="zh-TW" dirty="0"/>
-              <a:t>(text, options)</a:t>
-            </a:r>
-          </a:p>
-          <a:p>
-            <a:r>
-              <a:rPr lang="zh-TW" altLang="en-US" dirty="0"/>
-              <a:t>✅</a:t>
-            </a:r>
-            <a:r>
-              <a:rPr lang="en-US" altLang="zh-TW" dirty="0"/>
-              <a:t>Correct Usage</a:t>
-            </a:r>
-          </a:p>
-          <a:p>
-            <a:pPr lvl="1"/>
-            <a:r>
-              <a:rPr lang="en-US" altLang="zh-TW" dirty="0" err="1"/>
-              <a:t>cy.</a:t>
-            </a:r>
-            <a:r>
-              <a:rPr lang="en-US" altLang="zh-TW" dirty="0" err="1">
-                <a:solidFill>
-                  <a:srgbClr val="C792EA"/>
-                </a:solidFill>
-              </a:rPr>
-              <a:t>get</a:t>
-            </a:r>
-            <a:r>
-              <a:rPr lang="en-US" altLang="zh-TW" dirty="0"/>
-              <a:t>(</a:t>
-            </a:r>
-            <a:r>
-              <a:rPr lang="en-US" altLang="zh-TW" dirty="0">
-                <a:solidFill>
-                  <a:srgbClr val="C3E88D"/>
-                </a:solidFill>
-              </a:rPr>
-              <a:t>'input'</a:t>
-            </a:r>
-            <a:r>
-              <a:rPr lang="en-US" altLang="zh-TW" dirty="0"/>
-              <a:t>).</a:t>
-            </a:r>
-            <a:r>
-              <a:rPr lang="en-US" altLang="zh-TW" dirty="0">
-                <a:solidFill>
-                  <a:srgbClr val="C792EA"/>
-                </a:solidFill>
-              </a:rPr>
-              <a:t>type</a:t>
-            </a:r>
-            <a:r>
-              <a:rPr lang="en-US" altLang="zh-TW" dirty="0"/>
-              <a:t>(</a:t>
-            </a:r>
-            <a:r>
-              <a:rPr lang="en-US" altLang="zh-TW" dirty="0">
-                <a:solidFill>
-                  <a:srgbClr val="C3E88D"/>
-                </a:solidFill>
-              </a:rPr>
-              <a:t>'Hello, World'</a:t>
-            </a:r>
-            <a:r>
-              <a:rPr lang="en-US" altLang="zh-TW" dirty="0"/>
-              <a:t>) // Type 'Hello, World' into the 'input'</a:t>
-            </a:r>
           </a:p>
         </p:txBody>
       </p:sp>
     </p:spTree>
     <p:extLst>
       <p:ext uri="{BB962C8B-B14F-4D97-AF65-F5344CB8AC3E}">
-        <p14:creationId xmlns:p14="http://schemas.microsoft.com/office/powerpoint/2010/main" val="2688066183"/>
+        <p14:creationId xmlns:p14="http://schemas.microsoft.com/office/powerpoint/2010/main" val="2127657695"/>
       </p:ext>
     </p:extLst>
   </p:cSld>
   <p:clrMapOvr>
     <a:masterClrMapping/>
   </p:clrMapOvr>
-  <mc:AlternateContent xmlns:mc="http://schemas.openxmlformats.org/markup-compatibility/2006" xmlns:p14="http://schemas.microsoft.com/office/powerpoint/2010/main">
-    <mc:Choice Requires="p14">
-      <p:transition spd="med" p14:dur="700">
-        <p:fade/>
-      </p:transition>
+  <mc:AlternateContent xmlns:mc="http://schemas.openxmlformats.org/markup-compatibility/2006">
+    <mc:Choice xmlns:p14="http://schemas.microsoft.com/office/powerpoint/2010/main" Requires="p14">
+      <p:transition p14:dur="0"/>
     </mc:Choice>
-    <mc:Fallback xmlns="">
-      <p:transition spd="med">
-        <p:fade/>
-      </p:transition>
+    <mc:Fallback>
+      <p:transition/>
     </mc:Fallback>
   </mc:AlternateContent>
+  <p:timing>
+    <p:tnLst>
+      <p:par>
+        <p:cTn id="1" dur="indefinite" restart="never" nodeType="tmRoot"/>
+      </p:par>
+    </p:tnLst>
+  </p:timing>
 </p:sld>
 </file>
 
@@ -10825,7 +11741,7 @@
           <p:cNvPr id="2" name="標題 1">
             <a:extLst>
               <a:ext uri="{FF2B5EF4-FFF2-40B4-BE49-F238E27FC236}">
-                <a16:creationId xmlns:a16="http://schemas.microsoft.com/office/drawing/2014/main" id="{5C197964-5331-C529-1701-716D63EE8DFC}"/>
+                <a16:creationId xmlns:a16="http://schemas.microsoft.com/office/drawing/2014/main" xmlns="" id="{ECC03A94-344E-38EC-62BE-6B4B54612F83}"/>
               </a:ext>
             </a:extLst>
           </p:cNvPr>
@@ -10843,7 +11759,7 @@
           <a:p>
             <a:r>
               <a:rPr lang="en-US" altLang="zh-TW" dirty="0"/>
-              <a:t>check</a:t>
+              <a:t>visit</a:t>
             </a:r>
             <a:endParaRPr lang="zh-TW" altLang="en-US" dirty="0"/>
           </a:p>
@@ -10854,7 +11770,7 @@
           <p:cNvPr id="3" name="內容版面配置區 2">
             <a:extLst>
               <a:ext uri="{FF2B5EF4-FFF2-40B4-BE49-F238E27FC236}">
-                <a16:creationId xmlns:a16="http://schemas.microsoft.com/office/drawing/2014/main" id="{A0E3D85B-B25B-222F-0159-B0D9ADCE6B39}"/>
+                <a16:creationId xmlns:a16="http://schemas.microsoft.com/office/drawing/2014/main" xmlns="" id="{B22DDFF3-165E-ED64-3B65-13223925E2B4}"/>
               </a:ext>
             </a:extLst>
           </p:cNvPr>
@@ -10872,54 +11788,62 @@
           <a:p>
             <a:r>
               <a:rPr lang="zh-TW" altLang="en-US" dirty="0"/>
-              <a:t>勾選所需 </a:t>
-            </a:r>
-            <a:r>
-              <a:rPr lang="en-US" altLang="zh-TW" dirty="0"/>
-              <a:t>DOM</a:t>
-            </a:r>
-            <a:r>
-              <a:rPr lang="zh-TW" altLang="en-US" dirty="0"/>
-              <a:t> 元素</a:t>
+              <a:t>用於打開網站</a:t>
             </a:r>
             <a:endParaRPr lang="en-US" altLang="zh-TW" dirty="0"/>
           </a:p>
           <a:p>
             <a:pPr lvl="1"/>
             <a:r>
-              <a:rPr lang="en-US" altLang="zh-TW" dirty="0"/>
-              <a:t>.</a:t>
-            </a:r>
-            <a:r>
-              <a:rPr lang="en-US" altLang="zh-TW" dirty="0">
+              <a:rPr lang="en-US" altLang="zh-TW" dirty="0" err="1"/>
+              <a:t>cy.</a:t>
+            </a:r>
+            <a:r>
+              <a:rPr lang="en-US" altLang="zh-TW" dirty="0" err="1">
                 <a:solidFill>
                   <a:srgbClr val="C792EA"/>
                 </a:solidFill>
               </a:rPr>
-              <a:t>check</a:t>
-            </a:r>
-            <a:r>
-              <a:rPr lang="en-US" altLang="zh-TW" dirty="0"/>
-              <a:t>()</a:t>
+              <a:t>visit</a:t>
+            </a:r>
+            <a:r>
+              <a:rPr lang="en-US" altLang="zh-TW" dirty="0"/>
+              <a:t>(</a:t>
+            </a:r>
+            <a:r>
+              <a:rPr lang="en-US" altLang="zh-TW" dirty="0" err="1"/>
+              <a:t>url</a:t>
+            </a:r>
+            <a:r>
+              <a:rPr lang="en-US" altLang="zh-TW" dirty="0"/>
+              <a:t>)</a:t>
             </a:r>
           </a:p>
           <a:p>
             <a:pPr lvl="1"/>
             <a:r>
-              <a:rPr lang="en-US" altLang="zh-TW" dirty="0"/>
-              <a:t>.</a:t>
-            </a:r>
-            <a:r>
-              <a:rPr lang="en-US" altLang="zh-TW" dirty="0">
+              <a:rPr lang="en-US" altLang="zh-TW" dirty="0" err="1"/>
+              <a:t>cy.</a:t>
+            </a:r>
+            <a:r>
+              <a:rPr lang="en-US" altLang="zh-TW" dirty="0" err="1">
                 <a:solidFill>
                   <a:srgbClr val="C792EA"/>
                 </a:solidFill>
               </a:rPr>
-              <a:t>check</a:t>
-            </a:r>
-            <a:r>
-              <a:rPr lang="en-US" altLang="zh-TW" dirty="0"/>
-              <a:t>(text, options)</a:t>
+              <a:t>visit</a:t>
+            </a:r>
+            <a:r>
+              <a:rPr lang="en-US" altLang="zh-TW" dirty="0"/>
+              <a:t>(</a:t>
+            </a:r>
+            <a:r>
+              <a:rPr lang="en-US" altLang="zh-TW" dirty="0" err="1"/>
+              <a:t>url</a:t>
+            </a:r>
+            <a:r>
+              <a:rPr lang="en-US" altLang="zh-TW" dirty="0"/>
+              <a:t>, options)</a:t>
             </a:r>
           </a:p>
           <a:p>
@@ -10935,20 +11859,36 @@
           <a:p>
             <a:pPr lvl="1"/>
             <a:r>
-              <a:rPr lang="en-US" altLang="zh-TW" dirty="0" err="1"/>
+              <a:rPr lang="en-US" altLang="zh-TW" dirty="0" err="1" smtClean="0"/>
               <a:t>cy.</a:t>
             </a:r>
             <a:r>
+              <a:rPr lang="en-US" altLang="zh-TW" dirty="0" err="1" smtClean="0">
+                <a:solidFill>
+                  <a:srgbClr val="C792EA"/>
+                </a:solidFill>
+              </a:rPr>
+              <a:t>visit</a:t>
+            </a:r>
+            <a:r>
+              <a:rPr lang="en-US" altLang="zh-TW" dirty="0" smtClean="0"/>
+              <a:t>(</a:t>
+            </a:r>
+            <a:r>
+              <a:rPr lang="en-US" altLang="zh-TW" dirty="0">
+                <a:solidFill>
+                  <a:srgbClr val="C3E88D"/>
+                </a:solidFill>
+              </a:rPr>
+              <a:t>'http://localhost:9090/</a:t>
+            </a:r>
+            <a:r>
               <a:rPr lang="en-US" altLang="zh-TW" dirty="0" err="1">
                 <a:solidFill>
-                  <a:srgbClr val="C792EA"/>
-                </a:solidFill>
-              </a:rPr>
-              <a:t>get</a:t>
-            </a:r>
-            <a:r>
-              <a:rPr lang="en-US" altLang="zh-TW" dirty="0"/>
-              <a:t>(</a:t>
+                  <a:srgbClr val="C3E88D"/>
+                </a:solidFill>
+              </a:rPr>
+              <a:t>mbis</a:t>
             </a:r>
             <a:r>
               <a:rPr lang="en-US" altLang="zh-TW" dirty="0">
@@ -10956,104 +11896,64 @@
                   <a:srgbClr val="C3E88D"/>
                 </a:solidFill>
               </a:rPr>
-              <a:t>'[type="checkbox"]'</a:t>
-            </a:r>
-            <a:r>
-              <a:rPr lang="en-US" altLang="zh-TW" dirty="0"/>
-              <a:t>).</a:t>
-            </a:r>
-            <a:r>
-              <a:rPr lang="en-US" altLang="zh-TW" dirty="0">
-                <a:solidFill>
-                  <a:srgbClr val="C792EA"/>
-                </a:solidFill>
-              </a:rPr>
-              <a:t>check</a:t>
-            </a:r>
-            <a:r>
-              <a:rPr lang="en-US" altLang="zh-TW" dirty="0"/>
-              <a:t>() // Check checkbox element</a:t>
-            </a:r>
-          </a:p>
-          <a:p>
-            <a:pPr lvl="1"/>
-            <a:r>
-              <a:rPr lang="en-US" altLang="zh-TW" dirty="0" err="1"/>
-              <a:t>cy.</a:t>
-            </a:r>
-            <a:r>
-              <a:rPr lang="en-US" altLang="zh-TW" dirty="0" err="1">
-                <a:solidFill>
-                  <a:srgbClr val="C792EA"/>
-                </a:solidFill>
-              </a:rPr>
-              <a:t>get</a:t>
-            </a:r>
-            <a:r>
-              <a:rPr lang="en-US" altLang="zh-TW" dirty="0"/>
-              <a:t>(</a:t>
-            </a:r>
-            <a:r>
-              <a:rPr lang="en-US" altLang="zh-TW" dirty="0">
-                <a:solidFill>
-                  <a:srgbClr val="C3E88D"/>
-                </a:solidFill>
-              </a:rPr>
-              <a:t>'[type="radio"]'</a:t>
-            </a:r>
-            <a:r>
-              <a:rPr lang="en-US" altLang="zh-TW" dirty="0"/>
-              <a:t>).</a:t>
-            </a:r>
-            <a:r>
-              <a:rPr lang="en-US" altLang="zh-TW" dirty="0">
-                <a:solidFill>
-                  <a:srgbClr val="C792EA"/>
-                </a:solidFill>
-              </a:rPr>
-              <a:t>first</a:t>
-            </a:r>
-            <a:r>
-              <a:rPr lang="en-US" altLang="zh-TW" dirty="0"/>
-              <a:t>().</a:t>
-            </a:r>
-            <a:r>
-              <a:rPr lang="en-US" altLang="zh-TW" dirty="0">
-                <a:solidFill>
-                  <a:srgbClr val="C792EA"/>
-                </a:solidFill>
-              </a:rPr>
-              <a:t>check</a:t>
-            </a:r>
-            <a:r>
-              <a:rPr lang="en-US" altLang="zh-TW" dirty="0"/>
-              <a:t>() // Check first radio element</a:t>
-            </a:r>
-          </a:p>
-        </p:txBody>
-      </p:sp>
+              <a:t>/#/login'</a:t>
+            </a:r>
+            <a:r>
+              <a:rPr lang="en-US" altLang="zh-TW" dirty="0" smtClean="0"/>
+              <a:t>)</a:t>
+            </a:r>
+            <a:endParaRPr lang="zh-TW" altLang="en-US" dirty="0"/>
+          </a:p>
+        </p:txBody>
+      </p:sp>
+      <p:pic>
+        <p:nvPicPr>
+          <p:cNvPr id="4" name="圖片 3"/>
+          <p:cNvPicPr>
+            <a:picLocks noChangeAspect="1"/>
+          </p:cNvPicPr>
+          <p:nvPr/>
+        </p:nvPicPr>
+        <p:blipFill rotWithShape="1">
+          <a:blip r:embed="rId2"/>
+          <a:srcRect r="32802"/>
+          <a:stretch/>
+        </p:blipFill>
+        <p:spPr>
+          <a:xfrm>
+            <a:off x="6736703" y="1580049"/>
+            <a:ext cx="5137344" cy="5197969"/>
+          </a:xfrm>
+          <a:prstGeom prst="rect">
+            <a:avLst/>
+          </a:prstGeom>
+        </p:spPr>
+      </p:pic>
     </p:spTree>
     <p:extLst>
       <p:ext uri="{BB962C8B-B14F-4D97-AF65-F5344CB8AC3E}">
-        <p14:creationId xmlns:p14="http://schemas.microsoft.com/office/powerpoint/2010/main" val="3321241520"/>
+        <p14:creationId xmlns:p14="http://schemas.microsoft.com/office/powerpoint/2010/main" val="591961221"/>
       </p:ext>
     </p:extLst>
   </p:cSld>
   <p:clrMapOvr>
     <a:masterClrMapping/>
   </p:clrMapOvr>
-  <mc:AlternateContent xmlns:mc="http://schemas.openxmlformats.org/markup-compatibility/2006" xmlns:p14="http://schemas.microsoft.com/office/powerpoint/2010/main">
-    <mc:Choice Requires="p14">
-      <p:transition spd="med" p14:dur="700">
-        <p:fade/>
-      </p:transition>
+  <mc:AlternateContent xmlns:mc="http://schemas.openxmlformats.org/markup-compatibility/2006">
+    <mc:Choice xmlns:p14="http://schemas.microsoft.com/office/powerpoint/2010/main" Requires="p14">
+      <p:transition p14:dur="0"/>
     </mc:Choice>
-    <mc:Fallback xmlns="">
-      <p:transition spd="med">
-        <p:fade/>
-      </p:transition>
+    <mc:Fallback>
+      <p:transition/>
     </mc:Fallback>
   </mc:AlternateContent>
+  <p:timing>
+    <p:tnLst>
+      <p:par>
+        <p:cTn id="1" dur="indefinite" restart="never" nodeType="tmRoot"/>
+      </p:par>
+    </p:tnLst>
+  </p:timing>
 </p:sld>
 </file>
 
@@ -11079,7 +11979,7 @@
           <p:cNvPr id="2" name="標題 1">
             <a:extLst>
               <a:ext uri="{FF2B5EF4-FFF2-40B4-BE49-F238E27FC236}">
-                <a16:creationId xmlns:a16="http://schemas.microsoft.com/office/drawing/2014/main" id="{9CBFFC8C-FABA-EE41-63FF-BB1674F79167}"/>
+                <a16:creationId xmlns:a16="http://schemas.microsoft.com/office/drawing/2014/main" xmlns="" id="{EB5AE77C-433B-E26C-EE21-19C6825BB81F}"/>
               </a:ext>
             </a:extLst>
           </p:cNvPr>
@@ -11097,7 +11997,7 @@
           <a:p>
             <a:r>
               <a:rPr lang="en-US" altLang="zh-TW" dirty="0"/>
-              <a:t>select</a:t>
+              <a:t>get</a:t>
             </a:r>
             <a:endParaRPr lang="zh-TW" altLang="en-US" dirty="0"/>
           </a:p>
@@ -11108,7 +12008,7 @@
           <p:cNvPr id="3" name="內容版面配置區 2">
             <a:extLst>
               <a:ext uri="{FF2B5EF4-FFF2-40B4-BE49-F238E27FC236}">
-                <a16:creationId xmlns:a16="http://schemas.microsoft.com/office/drawing/2014/main" id="{3D478A9D-E89E-DA58-3A2F-2B15D0A4347B}"/>
+                <a16:creationId xmlns:a16="http://schemas.microsoft.com/office/drawing/2014/main" xmlns="" id="{3DA67129-7E2B-CC7C-E356-4093CAD32518}"/>
               </a:ext>
             </a:extLst>
           </p:cNvPr>
@@ -11119,74 +12019,68 @@
             <p:ph idx="1"/>
           </p:nvPr>
         </p:nvSpPr>
-        <p:spPr/>
-        <p:txBody>
-          <a:bodyPr/>
+        <p:spPr>
+          <a:xfrm>
+            <a:off x="913795" y="1732449"/>
+            <a:ext cx="10353762" cy="4938939"/>
+          </a:xfrm>
+        </p:spPr>
+        <p:txBody>
+          <a:bodyPr>
+            <a:normAutofit fontScale="92500" lnSpcReduction="10000"/>
+          </a:bodyPr>
           <a:lstStyle/>
           <a:p>
             <a:r>
               <a:rPr lang="zh-TW" altLang="en-US" dirty="0"/>
-              <a:t>在 </a:t>
-            </a:r>
-            <a:r>
-              <a:rPr lang="en-US" altLang="zh-TW" dirty="0"/>
-              <a:t>&lt;select&gt; </a:t>
+              <a:t>透過選擇器或別名取得一個或多個 </a:t>
+            </a:r>
+            <a:r>
+              <a:rPr lang="en-US" altLang="zh-TW" dirty="0"/>
+              <a:t>DOM </a:t>
             </a:r>
             <a:r>
               <a:rPr lang="zh-TW" altLang="en-US" dirty="0"/>
-              <a:t>中選擇一個 </a:t>
-            </a:r>
-            <a:r>
-              <a:rPr lang="en-US" altLang="zh-TW" dirty="0"/>
-              <a:t>&lt;option&gt;</a:t>
-            </a:r>
-          </a:p>
-          <a:p>
-            <a:r>
-              <a:rPr lang="zh-TW" altLang="en-US" dirty="0"/>
-              <a:t>一定要先找到</a:t>
-            </a:r>
-            <a:r>
-              <a:rPr lang="en-US" altLang="zh-TW" dirty="0"/>
-              <a:t>&lt;select&gt;</a:t>
-            </a:r>
+              <a:t>元素</a:t>
+            </a:r>
+            <a:endParaRPr lang="en-US" altLang="zh-TW" dirty="0"/>
           </a:p>
           <a:p>
             <a:pPr lvl="1"/>
             <a:r>
-              <a:rPr lang="en-US" altLang="zh-TW" dirty="0"/>
-              <a:t>.</a:t>
-            </a:r>
-            <a:r>
-              <a:rPr lang="en-US" altLang="zh-TW" dirty="0">
+              <a:rPr lang="en-US" altLang="zh-TW" dirty="0" err="1"/>
+              <a:t>cy.</a:t>
+            </a:r>
+            <a:r>
+              <a:rPr lang="en-US" altLang="zh-TW" dirty="0" err="1">
                 <a:solidFill>
                   <a:srgbClr val="C792EA"/>
                 </a:solidFill>
               </a:rPr>
-              <a:t>select</a:t>
-            </a:r>
-            <a:r>
-              <a:rPr lang="en-US" altLang="zh-TW" dirty="0"/>
-              <a:t>(value)</a:t>
+              <a:t>get</a:t>
+            </a:r>
+            <a:r>
+              <a:rPr lang="en-US" altLang="zh-TW" dirty="0"/>
+              <a:t>(selector)</a:t>
             </a:r>
           </a:p>
           <a:p>
             <a:pPr lvl="1"/>
             <a:r>
-              <a:rPr lang="en-US" altLang="zh-TW" dirty="0"/>
-              <a:t>.</a:t>
-            </a:r>
-            <a:r>
-              <a:rPr lang="en-US" altLang="zh-TW" dirty="0">
+              <a:rPr lang="en-US" altLang="zh-TW" dirty="0" err="1"/>
+              <a:t>cy.</a:t>
+            </a:r>
+            <a:r>
+              <a:rPr lang="en-US" altLang="zh-TW" dirty="0" err="1">
                 <a:solidFill>
                   <a:srgbClr val="C792EA"/>
                 </a:solidFill>
               </a:rPr>
-              <a:t>select</a:t>
-            </a:r>
-            <a:r>
-              <a:rPr lang="en-US" altLang="zh-TW" dirty="0"/>
-              <a:t>(value, options)</a:t>
+              <a:t>get</a:t>
+            </a:r>
+            <a:r>
+              <a:rPr lang="en-US" altLang="zh-TW" dirty="0"/>
+              <a:t>(alias)</a:t>
             </a:r>
           </a:p>
           <a:p>
@@ -11223,10 +12117,67 @@
                   <a:srgbClr val="C3E88D"/>
                 </a:solidFill>
               </a:rPr>
-              <a:t>'select'</a:t>
-            </a:r>
-            <a:r>
-              <a:rPr lang="en-US" altLang="zh-TW" dirty="0"/>
+              <a:t>'.list &gt; li'</a:t>
+            </a:r>
+            <a:r>
+              <a:rPr lang="en-US" altLang="zh-TW" dirty="0"/>
+              <a:t>) // Yield the &lt;li&gt;'s in .list</a:t>
+            </a:r>
+          </a:p>
+          <a:p>
+            <a:r>
+              <a:rPr lang="zh-TW" altLang="en-US" dirty="0"/>
+              <a:t>支援語法</a:t>
+            </a:r>
+            <a:endParaRPr lang="en-US" altLang="zh-TW" dirty="0"/>
+          </a:p>
+          <a:p>
+            <a:pPr lvl="1"/>
+            <a:r>
+              <a:rPr lang="en-US" altLang="zh-TW" dirty="0"/>
+              <a:t>#</a:t>
+            </a:r>
+            <a:r>
+              <a:rPr lang="en-US" altLang="zh-TW" dirty="0" smtClean="0"/>
+              <a:t>id</a:t>
+            </a:r>
+            <a:br>
+              <a:rPr lang="en-US" altLang="zh-TW" dirty="0" smtClean="0"/>
+            </a:br>
+            <a:r>
+              <a:rPr lang="en-US" altLang="zh-TW" dirty="0" err="1">
+                <a:effectLst/>
+              </a:rPr>
+              <a:t>cy.</a:t>
+            </a:r>
+            <a:r>
+              <a:rPr lang="en-US" altLang="zh-TW" dirty="0" err="1">
+                <a:solidFill>
+                  <a:srgbClr val="C792EA"/>
+                </a:solidFill>
+                <a:effectLst/>
+              </a:rPr>
+              <a:t>get</a:t>
+            </a:r>
+            <a:r>
+              <a:rPr lang="en-US" altLang="zh-TW" dirty="0">
+                <a:effectLst/>
+              </a:rPr>
+              <a:t>(</a:t>
+            </a:r>
+            <a:r>
+              <a:rPr lang="en-US" altLang="zh-TW" dirty="0">
+                <a:solidFill>
+                  <a:srgbClr val="C3E88D"/>
+                </a:solidFill>
+                <a:effectLst/>
+              </a:rPr>
+              <a:t>'#pin'</a:t>
+            </a:r>
+            <a:r>
+              <a:rPr lang="en-US" altLang="zh-TW" dirty="0">
+                <a:effectLst/>
+              </a:rPr>
               <a:t>).</a:t>
             </a:r>
             <a:r>
@@ -11234,11 +12185,14 @@
                 <a:solidFill>
                   <a:srgbClr val="C792EA"/>
                 </a:solidFill>
-              </a:rPr>
-              <a:t>select</a:t>
-            </a:r>
-            <a:r>
-              <a:rPr lang="en-US" altLang="zh-TW" dirty="0"/>
+                <a:effectLst/>
+              </a:rPr>
+              <a:t>type</a:t>
+            </a:r>
+            <a:r>
+              <a:rPr lang="en-US" altLang="zh-TW" dirty="0">
+                <a:effectLst/>
+              </a:rPr>
               <a:t>(</a:t>
             </a:r>
             <a:r>
@@ -11246,39 +12200,325 @@
                 <a:solidFill>
                   <a:srgbClr val="C3E88D"/>
                 </a:solidFill>
-              </a:rPr>
-              <a:t>'user-1'</a:t>
-            </a:r>
-            <a:r>
-              <a:rPr lang="en-US" altLang="zh-TW" dirty="0"/>
-              <a:t>) // Select the 'user-1' option</a:t>
-            </a:r>
-            <a:endParaRPr lang="zh-TW" altLang="en-US" dirty="0"/>
-          </a:p>
-        </p:txBody>
-      </p:sp>
+                <a:effectLst/>
+              </a:rPr>
+              <a:t>'123456</a:t>
+            </a:r>
+            <a:r>
+              <a:rPr lang="en-US" altLang="zh-TW" dirty="0" smtClean="0">
+                <a:solidFill>
+                  <a:srgbClr val="C3E88D"/>
+                </a:solidFill>
+                <a:effectLst/>
+              </a:rPr>
+              <a:t>'</a:t>
+            </a:r>
+            <a:r>
+              <a:rPr lang="en-US" altLang="zh-TW" dirty="0" smtClean="0">
+                <a:effectLst/>
+              </a:rPr>
+              <a:t>);</a:t>
+            </a:r>
+            <a:endParaRPr lang="en-US" altLang="zh-TW" dirty="0"/>
+          </a:p>
+          <a:p>
+            <a:pPr lvl="1"/>
+            <a:r>
+              <a:rPr lang="en-US" altLang="zh-TW" dirty="0"/>
+              <a:t>.</a:t>
+            </a:r>
+            <a:r>
+              <a:rPr lang="en-US" altLang="zh-TW" dirty="0" smtClean="0"/>
+              <a:t>class</a:t>
+            </a:r>
+            <a:br>
+              <a:rPr lang="en-US" altLang="zh-TW" dirty="0" smtClean="0"/>
+            </a:br>
+            <a:r>
+              <a:rPr lang="en-US" altLang="zh-TW" dirty="0" err="1">
+                <a:effectLst/>
+              </a:rPr>
+              <a:t>cy.</a:t>
+            </a:r>
+            <a:r>
+              <a:rPr lang="en-US" altLang="zh-TW" dirty="0" err="1">
+                <a:solidFill>
+                  <a:srgbClr val="C792EA"/>
+                </a:solidFill>
+                <a:effectLst/>
+              </a:rPr>
+              <a:t>get</a:t>
+            </a:r>
+            <a:r>
+              <a:rPr lang="en-US" altLang="zh-TW" dirty="0">
+                <a:effectLst/>
+              </a:rPr>
+              <a:t>(</a:t>
+            </a:r>
+            <a:r>
+              <a:rPr lang="en-US" altLang="zh-TW" dirty="0">
+                <a:solidFill>
+                  <a:srgbClr val="C3E88D"/>
+                </a:solidFill>
+                <a:effectLst/>
+              </a:rPr>
+              <a:t>'.</a:t>
+            </a:r>
+            <a:r>
+              <a:rPr lang="en-US" altLang="zh-TW" dirty="0" err="1">
+                <a:solidFill>
+                  <a:srgbClr val="C3E88D"/>
+                </a:solidFill>
+                <a:effectLst/>
+              </a:rPr>
+              <a:t>btn</a:t>
+            </a:r>
+            <a:r>
+              <a:rPr lang="en-US" altLang="zh-TW" dirty="0">
+                <a:solidFill>
+                  <a:srgbClr val="C3E88D"/>
+                </a:solidFill>
+                <a:effectLst/>
+              </a:rPr>
+              <a:t>'</a:t>
+            </a:r>
+            <a:r>
+              <a:rPr lang="en-US" altLang="zh-TW" dirty="0">
+                <a:effectLst/>
+              </a:rPr>
+              <a:t>).</a:t>
+            </a:r>
+            <a:r>
+              <a:rPr lang="en-US" altLang="zh-TW" dirty="0">
+                <a:solidFill>
+                  <a:srgbClr val="C792EA"/>
+                </a:solidFill>
+                <a:effectLst/>
+              </a:rPr>
+              <a:t>click</a:t>
+            </a:r>
+            <a:r>
+              <a:rPr lang="en-US" altLang="zh-TW" dirty="0" smtClean="0">
+                <a:effectLst/>
+              </a:rPr>
+              <a:t>()</a:t>
+            </a:r>
+            <a:endParaRPr lang="en-US" altLang="zh-TW" dirty="0"/>
+          </a:p>
+          <a:p>
+            <a:pPr lvl="1"/>
+            <a:r>
+              <a:rPr lang="en-US" altLang="zh-TW" dirty="0" smtClean="0"/>
+              <a:t>Attributes</a:t>
+            </a:r>
+            <a:br>
+              <a:rPr lang="en-US" altLang="zh-TW" dirty="0" smtClean="0"/>
+            </a:br>
+            <a:r>
+              <a:rPr lang="en-US" altLang="zh-TW" dirty="0" err="1">
+                <a:effectLst/>
+              </a:rPr>
+              <a:t>cy.</a:t>
+            </a:r>
+            <a:r>
+              <a:rPr lang="en-US" altLang="zh-TW" dirty="0" err="1">
+                <a:solidFill>
+                  <a:srgbClr val="C792EA"/>
+                </a:solidFill>
+                <a:effectLst/>
+              </a:rPr>
+              <a:t>get</a:t>
+            </a:r>
+            <a:r>
+              <a:rPr lang="en-US" altLang="zh-TW" dirty="0">
+                <a:effectLst/>
+              </a:rPr>
+              <a:t>(</a:t>
+            </a:r>
+            <a:r>
+              <a:rPr lang="en-US" altLang="zh-TW" dirty="0">
+                <a:solidFill>
+                  <a:srgbClr val="C3E88D"/>
+                </a:solidFill>
+                <a:effectLst/>
+              </a:rPr>
+              <a:t>'input[name="</a:t>
+            </a:r>
+            <a:r>
+              <a:rPr lang="en-US" altLang="zh-TW" dirty="0" err="1">
+                <a:solidFill>
+                  <a:srgbClr val="C3E88D"/>
+                </a:solidFill>
+                <a:effectLst/>
+              </a:rPr>
+              <a:t>baseInfoGender</a:t>
+            </a:r>
+            <a:r>
+              <a:rPr lang="en-US" altLang="zh-TW" dirty="0">
+                <a:solidFill>
+                  <a:srgbClr val="C3E88D"/>
+                </a:solidFill>
+                <a:effectLst/>
+              </a:rPr>
+              <a:t>"]'</a:t>
+            </a:r>
+            <a:r>
+              <a:rPr lang="en-US" altLang="zh-TW" dirty="0">
+                <a:effectLst/>
+              </a:rPr>
+              <a:t>).</a:t>
+            </a:r>
+            <a:r>
+              <a:rPr lang="en-US" altLang="zh-TW" dirty="0">
+                <a:solidFill>
+                  <a:srgbClr val="C792EA"/>
+                </a:solidFill>
+                <a:effectLst/>
+              </a:rPr>
+              <a:t>first</a:t>
+            </a:r>
+            <a:r>
+              <a:rPr lang="en-US" altLang="zh-TW" dirty="0">
+                <a:effectLst/>
+              </a:rPr>
+              <a:t>().</a:t>
+            </a:r>
+            <a:r>
+              <a:rPr lang="en-US" altLang="zh-TW" dirty="0">
+                <a:solidFill>
+                  <a:srgbClr val="C792EA"/>
+                </a:solidFill>
+                <a:effectLst/>
+              </a:rPr>
+              <a:t>click</a:t>
+            </a:r>
+            <a:r>
+              <a:rPr lang="en-US" altLang="zh-TW" dirty="0" smtClean="0">
+                <a:effectLst/>
+              </a:rPr>
+              <a:t>();</a:t>
+            </a:r>
+            <a:endParaRPr lang="en-US" altLang="zh-TW" dirty="0"/>
+          </a:p>
+          <a:p>
+            <a:pPr lvl="1"/>
+            <a:r>
+              <a:rPr lang="en-US" altLang="zh-TW" dirty="0"/>
+              <a:t>:nth-child(n</a:t>
+            </a:r>
+            <a:r>
+              <a:rPr lang="en-US" altLang="zh-TW" dirty="0" smtClean="0"/>
+              <a:t>)</a:t>
+            </a:r>
+            <a:br>
+              <a:rPr lang="en-US" altLang="zh-TW" dirty="0" smtClean="0"/>
+            </a:br>
+            <a:r>
+              <a:rPr lang="en-US" altLang="zh-TW" dirty="0" err="1">
+                <a:effectLst/>
+              </a:rPr>
+              <a:t>cy.</a:t>
+            </a:r>
+            <a:r>
+              <a:rPr lang="en-US" altLang="zh-TW" dirty="0" err="1">
+                <a:solidFill>
+                  <a:srgbClr val="C792EA"/>
+                </a:solidFill>
+                <a:effectLst/>
+              </a:rPr>
+              <a:t>get</a:t>
+            </a:r>
+            <a:r>
+              <a:rPr lang="en-US" altLang="zh-TW" dirty="0">
+                <a:effectLst/>
+              </a:rPr>
+              <a:t>(</a:t>
+            </a:r>
+            <a:r>
+              <a:rPr lang="en-US" altLang="zh-TW" dirty="0">
+                <a:solidFill>
+                  <a:srgbClr val="C3E88D"/>
+                </a:solidFill>
+                <a:effectLst/>
+              </a:rPr>
+              <a:t>'.modal-footer &gt; .row &gt; :nth-child(2)'</a:t>
+            </a:r>
+            <a:r>
+              <a:rPr lang="en-US" altLang="zh-TW" dirty="0">
+                <a:effectLst/>
+              </a:rPr>
+              <a:t>).</a:t>
+            </a:r>
+            <a:r>
+              <a:rPr lang="en-US" altLang="zh-TW" dirty="0">
+                <a:solidFill>
+                  <a:srgbClr val="C792EA"/>
+                </a:solidFill>
+                <a:effectLst/>
+              </a:rPr>
+              <a:t>click</a:t>
+            </a:r>
+            <a:r>
+              <a:rPr lang="en-US" altLang="zh-TW" dirty="0" smtClean="0">
+                <a:effectLst/>
+              </a:rPr>
+              <a:t>();</a:t>
+            </a:r>
+            <a:endParaRPr lang="en-US" altLang="zh-TW" dirty="0">
+              <a:effectLst/>
+            </a:endParaRPr>
+          </a:p>
+        </p:txBody>
+      </p:sp>
+      <p:pic>
+        <p:nvPicPr>
+          <p:cNvPr id="4" name="圖片 3"/>
+          <p:cNvPicPr>
+            <a:picLocks noChangeAspect="1"/>
+          </p:cNvPicPr>
+          <p:nvPr/>
+        </p:nvPicPr>
+        <p:blipFill>
+          <a:blip r:embed="rId2"/>
+          <a:stretch>
+            <a:fillRect/>
+          </a:stretch>
+        </p:blipFill>
+        <p:spPr>
+          <a:xfrm>
+            <a:off x="6646421" y="1580050"/>
+            <a:ext cx="5259127" cy="4540832"/>
+          </a:xfrm>
+          <a:prstGeom prst="rect">
+            <a:avLst/>
+          </a:prstGeom>
+        </p:spPr>
+      </p:pic>
     </p:spTree>
     <p:extLst>
       <p:ext uri="{BB962C8B-B14F-4D97-AF65-F5344CB8AC3E}">
-        <p14:creationId xmlns:p14="http://schemas.microsoft.com/office/powerpoint/2010/main" val="921425100"/>
+        <p14:creationId xmlns:p14="http://schemas.microsoft.com/office/powerpoint/2010/main" val="419733672"/>
       </p:ext>
     </p:extLst>
   </p:cSld>
   <p:clrMapOvr>
     <a:masterClrMapping/>
   </p:clrMapOvr>
-  <mc:AlternateContent xmlns:mc="http://schemas.openxmlformats.org/markup-compatibility/2006" xmlns:p14="http://schemas.microsoft.com/office/powerpoint/2010/main">
-    <mc:Choice Requires="p14">
-      <p:transition spd="med" p14:dur="700">
-        <p:fade/>
-      </p:transition>
+  <mc:AlternateContent xmlns:mc="http://schemas.openxmlformats.org/markup-compatibility/2006">
+    <mc:Choice xmlns:p14="http://schemas.microsoft.com/office/powerpoint/2010/main" Requires="p14">
+      <p:transition p14:dur="0"/>
     </mc:Choice>
-    <mc:Fallback xmlns="">
-      <p:transition spd="med">
-        <p:fade/>
-      </p:transition>
+    <mc:Fallback>
+      <p:transition/>
     </mc:Fallback>
   </mc:AlternateContent>
+  <p:timing>
+    <p:tnLst>
+      <p:par>
+        <p:cTn id="1" dur="indefinite" restart="never" nodeType="tmRoot"/>
+      </p:par>
+    </p:tnLst>
+  </p:timing>
 </p:sld>
 </file>
 
